--- a/2024/Lec/Юнит 11 - Модель ARMA общий подход.pptx
+++ b/2024/Lec/Юнит 11 - Модель ARMA общий подход.pptx
@@ -5,7 +5,7 @@
     <p:sldMasterId id="2147483648" r:id="rId1"/>
   </p:sldMasterIdLst>
   <p:notesMasterIdLst>
-    <p:notesMasterId r:id="rId27"/>
+    <p:notesMasterId r:id="rId24"/>
   </p:notesMasterIdLst>
   <p:sldIdLst>
     <p:sldId id="256" r:id="rId2"/>
@@ -30,9 +30,6 @@
     <p:sldId id="361" r:id="rId21"/>
     <p:sldId id="359" r:id="rId22"/>
     <p:sldId id="360" r:id="rId23"/>
-    <p:sldId id="388" r:id="rId24"/>
-    <p:sldId id="389" r:id="rId25"/>
-    <p:sldId id="390" r:id="rId26"/>
   </p:sldIdLst>
   <p:sldSz cx="12192000" cy="6858000"/>
   <p:notesSz cx="6858000" cy="9144000"/>
@@ -221,7 +218,7 @@
           <a:p>
             <a:fld id="{C730246F-5962-E14A-AAF2-985CCFDAC345}" type="datetimeFigureOut">
               <a:rPr lang="ru-RU" smtClean="0"/>
-              <a:t>05.10.2023</a:t>
+              <a:t>28.02.2024</a:t>
             </a:fld>
             <a:endParaRPr lang="ru-RU"/>
           </a:p>
@@ -572,258 +569,6 @@
 </p:notes>
 </file>
 
-<file path=ppt/notesSlides/notesSlide2.xml><?xml version="1.0" encoding="utf-8"?>
-<p:notes xmlns:a="http://schemas.openxmlformats.org/drawingml/2006/main" xmlns:r="http://schemas.openxmlformats.org/officeDocument/2006/relationships" xmlns:p="http://schemas.openxmlformats.org/presentationml/2006/main">
-  <p:cSld>
-    <p:spTree>
-      <p:nvGrpSpPr>
-        <p:cNvPr id="1" name=""/>
-        <p:cNvGrpSpPr/>
-        <p:nvPr/>
-      </p:nvGrpSpPr>
-      <p:grpSpPr>
-        <a:xfrm>
-          <a:off x="0" y="0"/>
-          <a:ext cx="0" cy="0"/>
-          <a:chOff x="0" y="0"/>
-          <a:chExt cx="0" cy="0"/>
-        </a:xfrm>
-      </p:grpSpPr>
-      <p:sp>
-        <p:nvSpPr>
-          <p:cNvPr id="2" name="Образ слайда 1"/>
-          <p:cNvSpPr>
-            <a:spLocks noGrp="1" noRot="1" noChangeAspect="1"/>
-          </p:cNvSpPr>
-          <p:nvPr>
-            <p:ph type="sldImg"/>
-          </p:nvPr>
-        </p:nvSpPr>
-        <p:spPr/>
-      </p:sp>
-      <p:sp>
-        <p:nvSpPr>
-          <p:cNvPr id="3" name="Заметки 2"/>
-          <p:cNvSpPr>
-            <a:spLocks noGrp="1"/>
-          </p:cNvSpPr>
-          <p:nvPr>
-            <p:ph type="body" idx="1"/>
-          </p:nvPr>
-        </p:nvSpPr>
-        <p:spPr/>
-        <p:txBody>
-          <a:bodyPr/>
-          <a:lstStyle/>
-          <a:p>
-            <a:endParaRPr lang="ru-RU" dirty="0"/>
-          </a:p>
-        </p:txBody>
-      </p:sp>
-      <p:sp>
-        <p:nvSpPr>
-          <p:cNvPr id="4" name="Номер слайда 3"/>
-          <p:cNvSpPr>
-            <a:spLocks noGrp="1"/>
-          </p:cNvSpPr>
-          <p:nvPr>
-            <p:ph type="sldNum" sz="quarter" idx="5"/>
-          </p:nvPr>
-        </p:nvSpPr>
-        <p:spPr/>
-        <p:txBody>
-          <a:bodyPr/>
-          <a:lstStyle/>
-          <a:p>
-            <a:fld id="{1EA4F326-5F8D-6A4F-9B75-A3402553DF5F}" type="slidenum">
-              <a:rPr lang="ru-RU" smtClean="0"/>
-              <a:t>23</a:t>
-            </a:fld>
-            <a:endParaRPr lang="ru-RU"/>
-          </a:p>
-        </p:txBody>
-      </p:sp>
-    </p:spTree>
-    <p:extLst>
-      <p:ext uri="{BB962C8B-B14F-4D97-AF65-F5344CB8AC3E}">
-        <p14:creationId xmlns:p14="http://schemas.microsoft.com/office/powerpoint/2010/main" val="3169397711"/>
-      </p:ext>
-    </p:extLst>
-  </p:cSld>
-  <p:clrMapOvr>
-    <a:masterClrMapping/>
-  </p:clrMapOvr>
-</p:notes>
-</file>
-
-<file path=ppt/notesSlides/notesSlide3.xml><?xml version="1.0" encoding="utf-8"?>
-<p:notes xmlns:a="http://schemas.openxmlformats.org/drawingml/2006/main" xmlns:r="http://schemas.openxmlformats.org/officeDocument/2006/relationships" xmlns:p="http://schemas.openxmlformats.org/presentationml/2006/main">
-  <p:cSld>
-    <p:spTree>
-      <p:nvGrpSpPr>
-        <p:cNvPr id="1" name=""/>
-        <p:cNvGrpSpPr/>
-        <p:nvPr/>
-      </p:nvGrpSpPr>
-      <p:grpSpPr>
-        <a:xfrm>
-          <a:off x="0" y="0"/>
-          <a:ext cx="0" cy="0"/>
-          <a:chOff x="0" y="0"/>
-          <a:chExt cx="0" cy="0"/>
-        </a:xfrm>
-      </p:grpSpPr>
-      <p:sp>
-        <p:nvSpPr>
-          <p:cNvPr id="2" name="Образ слайда 1"/>
-          <p:cNvSpPr>
-            <a:spLocks noGrp="1" noRot="1" noChangeAspect="1"/>
-          </p:cNvSpPr>
-          <p:nvPr>
-            <p:ph type="sldImg"/>
-          </p:nvPr>
-        </p:nvSpPr>
-        <p:spPr/>
-      </p:sp>
-      <p:sp>
-        <p:nvSpPr>
-          <p:cNvPr id="3" name="Заметки 2"/>
-          <p:cNvSpPr>
-            <a:spLocks noGrp="1"/>
-          </p:cNvSpPr>
-          <p:nvPr>
-            <p:ph type="body" idx="1"/>
-          </p:nvPr>
-        </p:nvSpPr>
-        <p:spPr/>
-        <p:txBody>
-          <a:bodyPr/>
-          <a:lstStyle/>
-          <a:p>
-            <a:endParaRPr lang="ru-RU" dirty="0"/>
-          </a:p>
-        </p:txBody>
-      </p:sp>
-      <p:sp>
-        <p:nvSpPr>
-          <p:cNvPr id="4" name="Номер слайда 3"/>
-          <p:cNvSpPr>
-            <a:spLocks noGrp="1"/>
-          </p:cNvSpPr>
-          <p:nvPr>
-            <p:ph type="sldNum" sz="quarter" idx="5"/>
-          </p:nvPr>
-        </p:nvSpPr>
-        <p:spPr/>
-        <p:txBody>
-          <a:bodyPr/>
-          <a:lstStyle/>
-          <a:p>
-            <a:fld id="{1EA4F326-5F8D-6A4F-9B75-A3402553DF5F}" type="slidenum">
-              <a:rPr lang="ru-RU" smtClean="0"/>
-              <a:t>24</a:t>
-            </a:fld>
-            <a:endParaRPr lang="ru-RU"/>
-          </a:p>
-        </p:txBody>
-      </p:sp>
-    </p:spTree>
-    <p:extLst>
-      <p:ext uri="{BB962C8B-B14F-4D97-AF65-F5344CB8AC3E}">
-        <p14:creationId xmlns:p14="http://schemas.microsoft.com/office/powerpoint/2010/main" val="1659816765"/>
-      </p:ext>
-    </p:extLst>
-  </p:cSld>
-  <p:clrMapOvr>
-    <a:masterClrMapping/>
-  </p:clrMapOvr>
-</p:notes>
-</file>
-
-<file path=ppt/notesSlides/notesSlide4.xml><?xml version="1.0" encoding="utf-8"?>
-<p:notes xmlns:a="http://schemas.openxmlformats.org/drawingml/2006/main" xmlns:r="http://schemas.openxmlformats.org/officeDocument/2006/relationships" xmlns:p="http://schemas.openxmlformats.org/presentationml/2006/main">
-  <p:cSld>
-    <p:spTree>
-      <p:nvGrpSpPr>
-        <p:cNvPr id="1" name=""/>
-        <p:cNvGrpSpPr/>
-        <p:nvPr/>
-      </p:nvGrpSpPr>
-      <p:grpSpPr>
-        <a:xfrm>
-          <a:off x="0" y="0"/>
-          <a:ext cx="0" cy="0"/>
-          <a:chOff x="0" y="0"/>
-          <a:chExt cx="0" cy="0"/>
-        </a:xfrm>
-      </p:grpSpPr>
-      <p:sp>
-        <p:nvSpPr>
-          <p:cNvPr id="2" name="Образ слайда 1"/>
-          <p:cNvSpPr>
-            <a:spLocks noGrp="1" noRot="1" noChangeAspect="1"/>
-          </p:cNvSpPr>
-          <p:nvPr>
-            <p:ph type="sldImg"/>
-          </p:nvPr>
-        </p:nvSpPr>
-        <p:spPr/>
-      </p:sp>
-      <p:sp>
-        <p:nvSpPr>
-          <p:cNvPr id="3" name="Заметки 2"/>
-          <p:cNvSpPr>
-            <a:spLocks noGrp="1"/>
-          </p:cNvSpPr>
-          <p:nvPr>
-            <p:ph type="body" idx="1"/>
-          </p:nvPr>
-        </p:nvSpPr>
-        <p:spPr/>
-        <p:txBody>
-          <a:bodyPr/>
-          <a:lstStyle/>
-          <a:p>
-            <a:endParaRPr lang="ru-RU" dirty="0"/>
-          </a:p>
-        </p:txBody>
-      </p:sp>
-      <p:sp>
-        <p:nvSpPr>
-          <p:cNvPr id="4" name="Номер слайда 3"/>
-          <p:cNvSpPr>
-            <a:spLocks noGrp="1"/>
-          </p:cNvSpPr>
-          <p:nvPr>
-            <p:ph type="sldNum" sz="quarter" idx="5"/>
-          </p:nvPr>
-        </p:nvSpPr>
-        <p:spPr/>
-        <p:txBody>
-          <a:bodyPr/>
-          <a:lstStyle/>
-          <a:p>
-            <a:fld id="{1EA4F326-5F8D-6A4F-9B75-A3402553DF5F}" type="slidenum">
-              <a:rPr lang="ru-RU" smtClean="0"/>
-              <a:t>25</a:t>
-            </a:fld>
-            <a:endParaRPr lang="ru-RU"/>
-          </a:p>
-        </p:txBody>
-      </p:sp>
-    </p:spTree>
-    <p:extLst>
-      <p:ext uri="{BB962C8B-B14F-4D97-AF65-F5344CB8AC3E}">
-        <p14:creationId xmlns:p14="http://schemas.microsoft.com/office/powerpoint/2010/main" val="1318119648"/>
-      </p:ext>
-    </p:extLst>
-  </p:cSld>
-  <p:clrMapOvr>
-    <a:masterClrMapping/>
-  </p:clrMapOvr>
-</p:notes>
-</file>
-
 <file path=ppt/slideLayouts/slideLayout1.xml><?xml version="1.0" encoding="utf-8"?>
 <p:sldLayout xmlns:a="http://schemas.openxmlformats.org/drawingml/2006/main" xmlns:r="http://schemas.openxmlformats.org/officeDocument/2006/relationships" xmlns:p="http://schemas.openxmlformats.org/presentationml/2006/main" type="title" preserve="1">
   <p:cSld name="Титульный слайд">
@@ -973,7 +718,7 @@
           <a:p>
             <a:fld id="{44343DC6-30E4-4569-999A-C703F926F2AF}" type="datetimeFigureOut">
               <a:rPr lang="en-US" smtClean="0"/>
-              <a:t>10/5/2023</a:t>
+              <a:t>2/28/2024</a:t>
             </a:fld>
             <a:endParaRPr lang="en-US"/>
           </a:p>
@@ -1173,7 +918,7 @@
           <a:p>
             <a:fld id="{44343DC6-30E4-4569-999A-C703F926F2AF}" type="datetimeFigureOut">
               <a:rPr lang="en-US" smtClean="0"/>
-              <a:t>10/5/2023</a:t>
+              <a:t>2/28/2024</a:t>
             </a:fld>
             <a:endParaRPr lang="en-US"/>
           </a:p>
@@ -1383,7 +1128,7 @@
           <a:p>
             <a:fld id="{44343DC6-30E4-4569-999A-C703F926F2AF}" type="datetimeFigureOut">
               <a:rPr lang="en-US" smtClean="0"/>
-              <a:t>10/5/2023</a:t>
+              <a:t>2/28/2024</a:t>
             </a:fld>
             <a:endParaRPr lang="en-US"/>
           </a:p>
@@ -1583,7 +1328,7 @@
           <a:p>
             <a:fld id="{44343DC6-30E4-4569-999A-C703F926F2AF}" type="datetimeFigureOut">
               <a:rPr lang="en-US" smtClean="0"/>
-              <a:t>10/5/2023</a:t>
+              <a:t>2/28/2024</a:t>
             </a:fld>
             <a:endParaRPr lang="en-US"/>
           </a:p>
@@ -1859,7 +1604,7 @@
           <a:p>
             <a:fld id="{44343DC6-30E4-4569-999A-C703F926F2AF}" type="datetimeFigureOut">
               <a:rPr lang="en-US" smtClean="0"/>
-              <a:t>10/5/2023</a:t>
+              <a:t>2/28/2024</a:t>
             </a:fld>
             <a:endParaRPr lang="en-US"/>
           </a:p>
@@ -2127,7 +1872,7 @@
           <a:p>
             <a:fld id="{44343DC6-30E4-4569-999A-C703F926F2AF}" type="datetimeFigureOut">
               <a:rPr lang="en-US" smtClean="0"/>
-              <a:t>10/5/2023</a:t>
+              <a:t>2/28/2024</a:t>
             </a:fld>
             <a:endParaRPr lang="en-US"/>
           </a:p>
@@ -2542,7 +2287,7 @@
           <a:p>
             <a:fld id="{44343DC6-30E4-4569-999A-C703F926F2AF}" type="datetimeFigureOut">
               <a:rPr lang="en-US" smtClean="0"/>
-              <a:t>10/5/2023</a:t>
+              <a:t>2/28/2024</a:t>
             </a:fld>
             <a:endParaRPr lang="en-US"/>
           </a:p>
@@ -2684,7 +2429,7 @@
           <a:p>
             <a:fld id="{44343DC6-30E4-4569-999A-C703F926F2AF}" type="datetimeFigureOut">
               <a:rPr lang="en-US" smtClean="0"/>
-              <a:t>10/5/2023</a:t>
+              <a:t>2/28/2024</a:t>
             </a:fld>
             <a:endParaRPr lang="en-US"/>
           </a:p>
@@ -2797,7 +2542,7 @@
           <a:p>
             <a:fld id="{44343DC6-30E4-4569-999A-C703F926F2AF}" type="datetimeFigureOut">
               <a:rPr lang="en-US" smtClean="0"/>
-              <a:t>10/5/2023</a:t>
+              <a:t>2/28/2024</a:t>
             </a:fld>
             <a:endParaRPr lang="en-US"/>
           </a:p>
@@ -3110,7 +2855,7 @@
           <a:p>
             <a:fld id="{44343DC6-30E4-4569-999A-C703F926F2AF}" type="datetimeFigureOut">
               <a:rPr lang="en-US" smtClean="0"/>
-              <a:t>10/5/2023</a:t>
+              <a:t>2/28/2024</a:t>
             </a:fld>
             <a:endParaRPr lang="en-US"/>
           </a:p>
@@ -3399,7 +3144,7 @@
           <a:p>
             <a:fld id="{44343DC6-30E4-4569-999A-C703F926F2AF}" type="datetimeFigureOut">
               <a:rPr lang="en-US" smtClean="0"/>
-              <a:t>10/5/2023</a:t>
+              <a:t>2/28/2024</a:t>
             </a:fld>
             <a:endParaRPr lang="en-US"/>
           </a:p>
@@ -3642,7 +3387,7 @@
           <a:p>
             <a:fld id="{44343DC6-30E4-4569-999A-C703F926F2AF}" type="datetimeFigureOut">
               <a:rPr lang="en-US" smtClean="0"/>
-              <a:t>10/5/2023</a:t>
+              <a:t>2/28/2024</a:t>
             </a:fld>
             <a:endParaRPr lang="en-US"/>
           </a:p>
@@ -7914,6 +7659,66 @@
           </a:extLst>
         </p:spPr>
       </p:pic>
+      <p:sp>
+        <p:nvSpPr>
+          <p:cNvPr id="3" name="TextBox 2"/>
+          <p:cNvSpPr txBox="1"/>
+          <p:nvPr/>
+        </p:nvSpPr>
+        <p:spPr>
+          <a:xfrm>
+            <a:off x="4101220" y="3612333"/>
+            <a:ext cx="514885" cy="369332"/>
+          </a:xfrm>
+          <a:prstGeom prst="rect">
+            <a:avLst/>
+          </a:prstGeom>
+          <a:noFill/>
+        </p:spPr>
+        <p:txBody>
+          <a:bodyPr wrap="none" rtlCol="0">
+            <a:spAutoFit/>
+          </a:bodyPr>
+          <a:lstStyle/>
+          <a:p>
+            <a:r>
+              <a:rPr lang="en-US" dirty="0" smtClean="0"/>
+              <a:t>MA</a:t>
+            </a:r>
+            <a:endParaRPr lang="ru-RU" dirty="0"/>
+          </a:p>
+        </p:txBody>
+      </p:sp>
+      <p:sp>
+        <p:nvSpPr>
+          <p:cNvPr id="6" name="TextBox 5"/>
+          <p:cNvSpPr txBox="1"/>
+          <p:nvPr/>
+        </p:nvSpPr>
+        <p:spPr>
+          <a:xfrm>
+            <a:off x="7695388" y="3639217"/>
+            <a:ext cx="442750" cy="369332"/>
+          </a:xfrm>
+          <a:prstGeom prst="rect">
+            <a:avLst/>
+          </a:prstGeom>
+          <a:noFill/>
+        </p:spPr>
+        <p:txBody>
+          <a:bodyPr wrap="none" rtlCol="0">
+            <a:spAutoFit/>
+          </a:bodyPr>
+          <a:lstStyle/>
+          <a:p>
+            <a:r>
+              <a:rPr lang="en-US" dirty="0" smtClean="0"/>
+              <a:t>AR</a:t>
+            </a:r>
+            <a:endParaRPr lang="ru-RU" dirty="0"/>
+          </a:p>
+        </p:txBody>
+      </p:sp>
     </p:spTree>
     <p:extLst>
       <p:ext uri="{BB962C8B-B14F-4D97-AF65-F5344CB8AC3E}">
@@ -12777,4576 +12582,6 @@
 </p:sld>
 </file>
 
-<file path=ppt/slides/slide23.xml><?xml version="1.0" encoding="utf-8"?>
-<p:sld xmlns:a="http://schemas.openxmlformats.org/drawingml/2006/main" xmlns:r="http://schemas.openxmlformats.org/officeDocument/2006/relationships" xmlns:p="http://schemas.openxmlformats.org/presentationml/2006/main">
-  <p:cSld>
-    <p:spTree>
-      <p:nvGrpSpPr>
-        <p:cNvPr id="1" name=""/>
-        <p:cNvGrpSpPr/>
-        <p:nvPr/>
-      </p:nvGrpSpPr>
-      <p:grpSpPr>
-        <a:xfrm>
-          <a:off x="0" y="0"/>
-          <a:ext cx="0" cy="0"/>
-          <a:chOff x="0" y="0"/>
-          <a:chExt cx="0" cy="0"/>
-        </a:xfrm>
-      </p:grpSpPr>
-      <p:sp>
-        <p:nvSpPr>
-          <p:cNvPr id="2" name="Заголовок 1">
-            <a:extLst>
-              <a:ext uri="{FF2B5EF4-FFF2-40B4-BE49-F238E27FC236}">
-                <a16:creationId xmlns:a16="http://schemas.microsoft.com/office/drawing/2014/main" id="{E5E18C16-493F-C0F6-1226-B953C44BB2B9}"/>
-              </a:ext>
-            </a:extLst>
-          </p:cNvPr>
-          <p:cNvSpPr>
-            <a:spLocks noGrp="1"/>
-          </p:cNvSpPr>
-          <p:nvPr>
-            <p:ph type="title"/>
-          </p:nvPr>
-        </p:nvSpPr>
-        <p:spPr>
-          <a:xfrm>
-            <a:off x="425824" y="0"/>
-            <a:ext cx="10515600" cy="1325563"/>
-          </a:xfrm>
-        </p:spPr>
-        <p:txBody>
-          <a:bodyPr>
-            <a:normAutofit/>
-          </a:bodyPr>
-          <a:lstStyle/>
-          <a:p>
-            <a:r>
-              <a:rPr lang="ru-RU" sz="4800" b="1" dirty="0"/>
-              <a:t>Вопросы Базовые 1й верно</a:t>
-            </a:r>
-          </a:p>
-        </p:txBody>
-      </p:sp>
-      <mc:AlternateContent xmlns:mc="http://schemas.openxmlformats.org/markup-compatibility/2006" xmlns:a14="http://schemas.microsoft.com/office/drawing/2010/main">
-        <mc:Choice Requires="a14">
-          <p:sp>
-            <p:nvSpPr>
-              <p:cNvPr id="3" name="Объект 2">
-                <a:extLst>
-                  <a:ext uri="{FF2B5EF4-FFF2-40B4-BE49-F238E27FC236}">
-                    <a16:creationId xmlns:a16="http://schemas.microsoft.com/office/drawing/2014/main" id="{BE421393-E6D9-4C04-F323-217F01E33B93}"/>
-                  </a:ext>
-                </a:extLst>
-              </p:cNvPr>
-              <p:cNvSpPr>
-                <a:spLocks noGrp="1"/>
-              </p:cNvSpPr>
-              <p:nvPr>
-                <p:ph idx="1"/>
-              </p:nvPr>
-            </p:nvSpPr>
-            <p:spPr>
-              <a:xfrm>
-                <a:off x="506506" y="1129096"/>
-                <a:ext cx="10515600" cy="5135887"/>
-              </a:xfrm>
-            </p:spPr>
-            <p:txBody>
-              <a:bodyPr>
-                <a:normAutofit fontScale="77500" lnSpcReduction="20000"/>
-              </a:bodyPr>
-              <a:lstStyle/>
-              <a:p>
-                <a:r>
-                  <a:rPr lang="ru-RU" sz="2300" b="1" dirty="0">
-                    <a:ea typeface="Calibri" panose="020F0502020204030204" pitchFamily="34" charset="0"/>
-                    <a:cs typeface="Times New Roman" panose="02020603050405020304" pitchFamily="18" charset="0"/>
-                  </a:rPr>
-                  <a:t>Выберите выражение для полного </a:t>
-                </a:r>
-                <a:r>
-                  <a:rPr lang="ru-RU" sz="2300" b="1" dirty="0" err="1">
-                    <a:ea typeface="Calibri" panose="020F0502020204030204" pitchFamily="34" charset="0"/>
-                    <a:cs typeface="Times New Roman" panose="02020603050405020304" pitchFamily="18" charset="0"/>
-                  </a:rPr>
-                  <a:t>A</a:t>
-                </a:r>
-                <a:r>
-                  <a:rPr lang="en-US" sz="2300" b="1" dirty="0">
-                    <a:ea typeface="Calibri" panose="020F0502020204030204" pitchFamily="34" charset="0"/>
-                    <a:cs typeface="Times New Roman" panose="02020603050405020304" pitchFamily="18" charset="0"/>
-                  </a:rPr>
-                  <a:t>RMA </a:t>
-                </a:r>
-                <a:r>
-                  <a:rPr lang="ru-RU" sz="2300" b="1" dirty="0">
-                    <a:ea typeface="Calibri" panose="020F0502020204030204" pitchFamily="34" charset="0"/>
-                    <a:cs typeface="Times New Roman" panose="02020603050405020304" pitchFamily="18" charset="0"/>
-                  </a:rPr>
-                  <a:t>модели</a:t>
-                </a:r>
-                <a:endParaRPr lang="ru-RU" sz="2300" dirty="0">
-                  <a:ea typeface="Calibri" panose="020F0502020204030204" pitchFamily="34" charset="0"/>
-                  <a:cs typeface="Times New Roman" panose="02020603050405020304" pitchFamily="18" charset="0"/>
-                </a:endParaRPr>
-              </a:p>
-              <a:p>
-                <a:pPr marL="1246188" lvl="8" indent="-508000">
-                  <a:buFont typeface="+mj-lt"/>
-                  <a:buAutoNum type="arabicPeriod"/>
-                </a:pPr>
-                <a:r>
-                  <a:rPr lang="ru-RU" sz="2200" b="1" dirty="0">
-                    <a:ea typeface="Calibri" panose="020F0502020204030204" pitchFamily="34" charset="0"/>
-                    <a:cs typeface="Times New Roman" panose="02020603050405020304" pitchFamily="18" charset="0"/>
-                  </a:rPr>
-                  <a:t> </a:t>
-                </a:r>
-                <a14:m>
-                  <m:oMath xmlns:m="http://schemas.openxmlformats.org/officeDocument/2006/math">
-                    <m:sSub>
-                      <m:sSubPr>
-                        <m:ctrlPr>
-                          <a:rPr lang="en-US" sz="1500" b="1" i="1" smtClean="0">
-                            <a:latin typeface="Cambria Math" panose="02040503050406030204" pitchFamily="18" charset="0"/>
-                          </a:rPr>
-                        </m:ctrlPr>
-                      </m:sSubPr>
-                      <m:e>
-                        <m:acc>
-                          <m:accPr>
-                            <m:chr m:val="̂"/>
-                            <m:ctrlPr>
-                              <a:rPr lang="en-US" sz="1500" b="1" i="1">
-                                <a:latin typeface="Cambria Math" panose="02040503050406030204" pitchFamily="18" charset="0"/>
-                              </a:rPr>
-                            </m:ctrlPr>
-                          </m:accPr>
-                          <m:e>
-                            <m:r>
-                              <a:rPr lang="en-US" sz="1500" b="1" i="1">
-                                <a:latin typeface="Cambria Math" panose="02040503050406030204" pitchFamily="18" charset="0"/>
-                              </a:rPr>
-                              <m:t>𝒚</m:t>
-                            </m:r>
-                          </m:e>
-                        </m:acc>
-                      </m:e>
-                      <m:sub>
-                        <m:r>
-                          <a:rPr lang="en-US" sz="1500" b="1" i="1">
-                            <a:latin typeface="Cambria Math" panose="02040503050406030204" pitchFamily="18" charset="0"/>
-                          </a:rPr>
-                          <m:t>𝒏</m:t>
-                        </m:r>
-                      </m:sub>
-                    </m:sSub>
-                    <m:r>
-                      <a:rPr lang="en-US" sz="1500" b="1" i="1">
-                        <a:latin typeface="Cambria Math" panose="02040503050406030204" pitchFamily="18" charset="0"/>
-                      </a:rPr>
-                      <m:t>=</m:t>
-                    </m:r>
-                    <m:nary>
-                      <m:naryPr>
-                        <m:chr m:val="∑"/>
-                        <m:limLoc m:val="undOvr"/>
-                        <m:ctrlPr>
-                          <a:rPr lang="en-US" sz="1500" b="1" i="1">
-                            <a:latin typeface="Cambria Math" panose="02040503050406030204" pitchFamily="18" charset="0"/>
-                          </a:rPr>
-                        </m:ctrlPr>
-                      </m:naryPr>
-                      <m:sub>
-                        <m:r>
-                          <a:rPr lang="en-US" sz="1500" b="1" i="1">
-                            <a:latin typeface="Cambria Math" panose="02040503050406030204" pitchFamily="18" charset="0"/>
-                          </a:rPr>
-                          <m:t>𝒊</m:t>
-                        </m:r>
-                        <m:r>
-                          <a:rPr lang="en-US" sz="1500" b="1" i="1">
-                            <a:latin typeface="Cambria Math" panose="02040503050406030204" pitchFamily="18" charset="0"/>
-                          </a:rPr>
-                          <m:t>=</m:t>
-                        </m:r>
-                        <m:r>
-                          <a:rPr lang="en-US" sz="1500" b="1" i="1">
-                            <a:latin typeface="Cambria Math" panose="02040503050406030204" pitchFamily="18" charset="0"/>
-                          </a:rPr>
-                          <m:t>𝟎</m:t>
-                        </m:r>
-                      </m:sub>
-                      <m:sup>
-                        <m:r>
-                          <a:rPr lang="en-US" sz="1500" b="1" i="1">
-                            <a:latin typeface="Cambria Math" panose="02040503050406030204" pitchFamily="18" charset="0"/>
-                          </a:rPr>
-                          <m:t>𝒑</m:t>
-                        </m:r>
-                      </m:sup>
-                      <m:e>
-                        <m:sSub>
-                          <m:sSubPr>
-                            <m:ctrlPr>
-                              <a:rPr lang="en-US" sz="1500" b="1" i="1">
-                                <a:latin typeface="Cambria Math" panose="02040503050406030204" pitchFamily="18" charset="0"/>
-                              </a:rPr>
-                            </m:ctrlPr>
-                          </m:sSubPr>
-                          <m:e>
-                            <m:r>
-                              <a:rPr lang="en-US" sz="1500" b="1" i="1">
-                                <a:latin typeface="Cambria Math" panose="02040503050406030204" pitchFamily="18" charset="0"/>
-                              </a:rPr>
-                              <m:t>𝜶</m:t>
-                            </m:r>
-                          </m:e>
-                          <m:sub>
-                            <m:r>
-                              <a:rPr lang="en-US" sz="1500" b="1" i="1">
-                                <a:latin typeface="Cambria Math" panose="02040503050406030204" pitchFamily="18" charset="0"/>
-                              </a:rPr>
-                              <m:t>𝒊</m:t>
-                            </m:r>
-                          </m:sub>
-                        </m:sSub>
-                      </m:e>
-                    </m:nary>
-                    <m:sSub>
-                      <m:sSubPr>
-                        <m:ctrlPr>
-                          <a:rPr lang="en-US" sz="1500" b="1" i="1">
-                            <a:latin typeface="Cambria Math" panose="02040503050406030204" pitchFamily="18" charset="0"/>
-                          </a:rPr>
-                        </m:ctrlPr>
-                      </m:sSubPr>
-                      <m:e>
-                        <m:r>
-                          <a:rPr lang="en-US" sz="1500" b="1" i="1">
-                            <a:latin typeface="Cambria Math" panose="02040503050406030204" pitchFamily="18" charset="0"/>
-                          </a:rPr>
-                          <m:t>𝒚</m:t>
-                        </m:r>
-                      </m:e>
-                      <m:sub>
-                        <m:r>
-                          <a:rPr lang="en-US" sz="1500" b="1" i="1">
-                            <a:latin typeface="Cambria Math" panose="02040503050406030204" pitchFamily="18" charset="0"/>
-                          </a:rPr>
-                          <m:t>𝒏</m:t>
-                        </m:r>
-                        <m:r>
-                          <a:rPr lang="en-US" sz="1500" b="1" i="1">
-                            <a:latin typeface="Cambria Math" panose="02040503050406030204" pitchFamily="18" charset="0"/>
-                          </a:rPr>
-                          <m:t>−</m:t>
-                        </m:r>
-                        <m:r>
-                          <a:rPr lang="en-US" sz="1500" b="1" i="1">
-                            <a:latin typeface="Cambria Math" panose="02040503050406030204" pitchFamily="18" charset="0"/>
-                          </a:rPr>
-                          <m:t>𝒊</m:t>
-                        </m:r>
-                      </m:sub>
-                    </m:sSub>
-                    <m:r>
-                      <a:rPr lang="en-US" sz="1500" b="1" i="1">
-                        <a:latin typeface="Cambria Math" panose="02040503050406030204" pitchFamily="18" charset="0"/>
-                      </a:rPr>
-                      <m:t>+</m:t>
-                    </m:r>
-                    <m:nary>
-                      <m:naryPr>
-                        <m:chr m:val="∑"/>
-                        <m:limLoc m:val="undOvr"/>
-                        <m:ctrlPr>
-                          <a:rPr lang="en-US" sz="1500" b="1" i="1">
-                            <a:latin typeface="Cambria Math" panose="02040503050406030204" pitchFamily="18" charset="0"/>
-                          </a:rPr>
-                        </m:ctrlPr>
-                      </m:naryPr>
-                      <m:sub>
-                        <m:r>
-                          <a:rPr lang="en-US" sz="1500" b="1" i="1">
-                            <a:latin typeface="Cambria Math" panose="02040503050406030204" pitchFamily="18" charset="0"/>
-                          </a:rPr>
-                          <m:t>𝒊</m:t>
-                        </m:r>
-                        <m:r>
-                          <a:rPr lang="en-US" sz="1500" b="1" i="1">
-                            <a:latin typeface="Cambria Math" panose="02040503050406030204" pitchFamily="18" charset="0"/>
-                          </a:rPr>
-                          <m:t>=</m:t>
-                        </m:r>
-                        <m:r>
-                          <a:rPr lang="en-US" sz="1500" b="1" i="1">
-                            <a:latin typeface="Cambria Math" panose="02040503050406030204" pitchFamily="18" charset="0"/>
-                          </a:rPr>
-                          <m:t>𝟏</m:t>
-                        </m:r>
-                      </m:sub>
-                      <m:sup>
-                        <m:r>
-                          <a:rPr lang="en-US" sz="1500" b="1" i="1">
-                            <a:latin typeface="Cambria Math" panose="02040503050406030204" pitchFamily="18" charset="0"/>
-                          </a:rPr>
-                          <m:t>𝒒</m:t>
-                        </m:r>
-                      </m:sup>
-                      <m:e>
-                        <m:sSub>
-                          <m:sSubPr>
-                            <m:ctrlPr>
-                              <a:rPr lang="en-US" sz="1500" b="1" i="1">
-                                <a:latin typeface="Cambria Math" panose="02040503050406030204" pitchFamily="18" charset="0"/>
-                              </a:rPr>
-                            </m:ctrlPr>
-                          </m:sSubPr>
-                          <m:e>
-                            <m:r>
-                              <a:rPr lang="en-US" sz="1500" b="1" i="1">
-                                <a:latin typeface="Cambria Math" panose="02040503050406030204" pitchFamily="18" charset="0"/>
-                              </a:rPr>
-                              <m:t>𝜷</m:t>
-                            </m:r>
-                          </m:e>
-                          <m:sub>
-                            <m:r>
-                              <a:rPr lang="en-US" sz="1500" b="1" i="1">
-                                <a:latin typeface="Cambria Math" panose="02040503050406030204" pitchFamily="18" charset="0"/>
-                              </a:rPr>
-                              <m:t>𝒊</m:t>
-                            </m:r>
-                          </m:sub>
-                        </m:sSub>
-                        <m:sSub>
-                          <m:sSubPr>
-                            <m:ctrlPr>
-                              <a:rPr lang="en-US" sz="1500" b="1" i="1">
-                                <a:latin typeface="Cambria Math" panose="02040503050406030204" pitchFamily="18" charset="0"/>
-                              </a:rPr>
-                            </m:ctrlPr>
-                          </m:sSubPr>
-                          <m:e>
-                            <m:r>
-                              <a:rPr lang="en-US" sz="1500" b="1" i="1">
-                                <a:latin typeface="Cambria Math" panose="02040503050406030204" pitchFamily="18" charset="0"/>
-                              </a:rPr>
-                              <m:t>𝜺</m:t>
-                            </m:r>
-                          </m:e>
-                          <m:sub>
-                            <m:r>
-                              <a:rPr lang="en-US" sz="1500" b="1" i="1">
-                                <a:latin typeface="Cambria Math" panose="02040503050406030204" pitchFamily="18" charset="0"/>
-                              </a:rPr>
-                              <m:t>𝒏</m:t>
-                            </m:r>
-                            <m:r>
-                              <a:rPr lang="en-US" sz="1500" b="1" i="1">
-                                <a:latin typeface="Cambria Math" panose="02040503050406030204" pitchFamily="18" charset="0"/>
-                              </a:rPr>
-                              <m:t>−</m:t>
-                            </m:r>
-                            <m:r>
-                              <a:rPr lang="en-US" sz="1500" b="1" i="1">
-                                <a:latin typeface="Cambria Math" panose="02040503050406030204" pitchFamily="18" charset="0"/>
-                              </a:rPr>
-                              <m:t>𝒊</m:t>
-                            </m:r>
-                          </m:sub>
-                        </m:sSub>
-                      </m:e>
-                    </m:nary>
-                  </m:oMath>
-                </a14:m>
-                <a:r>
-                  <a:rPr lang="ru-RU" sz="2200" b="1" dirty="0">
-                    <a:ea typeface="Calibri" panose="020F0502020204030204" pitchFamily="34" charset="0"/>
-                    <a:cs typeface="Times New Roman" panose="02020603050405020304" pitchFamily="18" charset="0"/>
-                  </a:rPr>
-                  <a:t>. </a:t>
-                </a:r>
-              </a:p>
-              <a:p>
-                <a:pPr marL="1246188" lvl="8" indent="-508000">
-                  <a:buFont typeface="+mj-lt"/>
-                  <a:buAutoNum type="arabicPeriod"/>
-                </a:pPr>
-                <a14:m>
-                  <m:oMath xmlns:m="http://schemas.openxmlformats.org/officeDocument/2006/math">
-                    <m:sSub>
-                      <m:sSubPr>
-                        <m:ctrlPr>
-                          <a:rPr lang="en-US" sz="1500" i="1" smtClean="0">
-                            <a:latin typeface="Cambria Math" panose="02040503050406030204" pitchFamily="18" charset="0"/>
-                          </a:rPr>
-                        </m:ctrlPr>
-                      </m:sSubPr>
-                      <m:e>
-                        <m:acc>
-                          <m:accPr>
-                            <m:chr m:val="̂"/>
-                            <m:ctrlPr>
-                              <a:rPr lang="en-US" sz="1500" i="1">
-                                <a:latin typeface="Cambria Math" panose="02040503050406030204" pitchFamily="18" charset="0"/>
-                              </a:rPr>
-                            </m:ctrlPr>
-                          </m:accPr>
-                          <m:e>
-                            <m:r>
-                              <a:rPr lang="en-US" sz="1500" i="1">
-                                <a:latin typeface="Cambria Math" panose="02040503050406030204" pitchFamily="18" charset="0"/>
-                              </a:rPr>
-                              <m:t>𝑦</m:t>
-                            </m:r>
-                          </m:e>
-                        </m:acc>
-                      </m:e>
-                      <m:sub>
-                        <m:r>
-                          <a:rPr lang="en-US" sz="1500" i="1">
-                            <a:latin typeface="Cambria Math" panose="02040503050406030204" pitchFamily="18" charset="0"/>
-                          </a:rPr>
-                          <m:t>𝑛</m:t>
-                        </m:r>
-                      </m:sub>
-                    </m:sSub>
-                    <m:r>
-                      <a:rPr lang="en-US" sz="1500" i="1">
-                        <a:latin typeface="Cambria Math" panose="02040503050406030204" pitchFamily="18" charset="0"/>
-                      </a:rPr>
-                      <m:t>=</m:t>
-                    </m:r>
-                    <m:nary>
-                      <m:naryPr>
-                        <m:chr m:val="∑"/>
-                        <m:limLoc m:val="undOvr"/>
-                        <m:ctrlPr>
-                          <a:rPr lang="en-US" sz="1500" i="1">
-                            <a:latin typeface="Cambria Math" panose="02040503050406030204" pitchFamily="18" charset="0"/>
-                          </a:rPr>
-                        </m:ctrlPr>
-                      </m:naryPr>
-                      <m:sub>
-                        <m:r>
-                          <a:rPr lang="en-US" sz="1500" i="1">
-                            <a:latin typeface="Cambria Math" panose="02040503050406030204" pitchFamily="18" charset="0"/>
-                          </a:rPr>
-                          <m:t>𝑖</m:t>
-                        </m:r>
-                        <m:r>
-                          <a:rPr lang="en-US" sz="1500" i="1">
-                            <a:latin typeface="Cambria Math" panose="02040503050406030204" pitchFamily="18" charset="0"/>
-                          </a:rPr>
-                          <m:t>=0</m:t>
-                        </m:r>
-                      </m:sub>
-                      <m:sup>
-                        <m:r>
-                          <a:rPr lang="en-US" sz="1500" i="1">
-                            <a:latin typeface="Cambria Math" panose="02040503050406030204" pitchFamily="18" charset="0"/>
-                          </a:rPr>
-                          <m:t>𝑝</m:t>
-                        </m:r>
-                      </m:sup>
-                      <m:e>
-                        <m:sSub>
-                          <m:sSubPr>
-                            <m:ctrlPr>
-                              <a:rPr lang="en-US" sz="1500" i="1">
-                                <a:latin typeface="Cambria Math" panose="02040503050406030204" pitchFamily="18" charset="0"/>
-                              </a:rPr>
-                            </m:ctrlPr>
-                          </m:sSubPr>
-                          <m:e>
-                            <m:r>
-                              <a:rPr lang="en-US" sz="1500" i="1">
-                                <a:latin typeface="Cambria Math" panose="02040503050406030204" pitchFamily="18" charset="0"/>
-                              </a:rPr>
-                              <m:t>𝛼</m:t>
-                            </m:r>
-                          </m:e>
-                          <m:sub>
-                            <m:r>
-                              <a:rPr lang="en-US" sz="1500" i="1">
-                                <a:latin typeface="Cambria Math" panose="02040503050406030204" pitchFamily="18" charset="0"/>
-                              </a:rPr>
-                              <m:t>𝑖</m:t>
-                            </m:r>
-                          </m:sub>
-                        </m:sSub>
-                      </m:e>
-                    </m:nary>
-                    <m:sSub>
-                      <m:sSubPr>
-                        <m:ctrlPr>
-                          <a:rPr lang="en-US" sz="1500" i="1">
-                            <a:latin typeface="Cambria Math" panose="02040503050406030204" pitchFamily="18" charset="0"/>
-                          </a:rPr>
-                        </m:ctrlPr>
-                      </m:sSubPr>
-                      <m:e>
-                        <m:r>
-                          <a:rPr lang="en-US" sz="1500" i="1">
-                            <a:latin typeface="Cambria Math" panose="02040503050406030204" pitchFamily="18" charset="0"/>
-                          </a:rPr>
-                          <m:t>𝑦</m:t>
-                        </m:r>
-                      </m:e>
-                      <m:sub>
-                        <m:r>
-                          <a:rPr lang="en-US" sz="1500" i="1">
-                            <a:latin typeface="Cambria Math" panose="02040503050406030204" pitchFamily="18" charset="0"/>
-                          </a:rPr>
-                          <m:t>𝑛</m:t>
-                        </m:r>
-                        <m:r>
-                          <a:rPr lang="en-US" sz="1500" i="1">
-                            <a:latin typeface="Cambria Math" panose="02040503050406030204" pitchFamily="18" charset="0"/>
-                          </a:rPr>
-                          <m:t>−</m:t>
-                        </m:r>
-                        <m:r>
-                          <a:rPr lang="en-US" sz="1500" i="1">
-                            <a:latin typeface="Cambria Math" panose="02040503050406030204" pitchFamily="18" charset="0"/>
-                          </a:rPr>
-                          <m:t>𝑖</m:t>
-                        </m:r>
-                      </m:sub>
-                    </m:sSub>
-                  </m:oMath>
-                </a14:m>
-                <a:endParaRPr lang="ru-RU" sz="1500" i="1" dirty="0">
-                  <a:latin typeface="Cambria Math" panose="02040503050406030204" pitchFamily="18" charset="0"/>
-                </a:endParaRPr>
-              </a:p>
-              <a:p>
-                <a:pPr marL="1246188" lvl="8" indent="-508000">
-                  <a:buFont typeface="+mj-lt"/>
-                  <a:buAutoNum type="arabicPeriod"/>
-                </a:pPr>
-                <a14:m>
-                  <m:oMath xmlns:m="http://schemas.openxmlformats.org/officeDocument/2006/math">
-                    <m:sSub>
-                      <m:sSubPr>
-                        <m:ctrlPr>
-                          <a:rPr lang="en-US" sz="1500" i="1" smtClean="0">
-                            <a:latin typeface="Cambria Math" panose="02040503050406030204" pitchFamily="18" charset="0"/>
-                          </a:rPr>
-                        </m:ctrlPr>
-                      </m:sSubPr>
-                      <m:e>
-                        <m:acc>
-                          <m:accPr>
-                            <m:chr m:val="̂"/>
-                            <m:ctrlPr>
-                              <a:rPr lang="en-US" sz="1500" i="1">
-                                <a:latin typeface="Cambria Math" panose="02040503050406030204" pitchFamily="18" charset="0"/>
-                              </a:rPr>
-                            </m:ctrlPr>
-                          </m:accPr>
-                          <m:e>
-                            <m:r>
-                              <a:rPr lang="en-US" sz="1500" i="1">
-                                <a:latin typeface="Cambria Math" panose="02040503050406030204" pitchFamily="18" charset="0"/>
-                              </a:rPr>
-                              <m:t>𝑦</m:t>
-                            </m:r>
-                          </m:e>
-                        </m:acc>
-                      </m:e>
-                      <m:sub>
-                        <m:r>
-                          <a:rPr lang="en-US" sz="1500" i="1">
-                            <a:latin typeface="Cambria Math" panose="02040503050406030204" pitchFamily="18" charset="0"/>
-                          </a:rPr>
-                          <m:t>𝑛</m:t>
-                        </m:r>
-                      </m:sub>
-                    </m:sSub>
-                    <m:r>
-                      <a:rPr lang="en-US" sz="1500" i="1">
-                        <a:latin typeface="Cambria Math" panose="02040503050406030204" pitchFamily="18" charset="0"/>
-                      </a:rPr>
-                      <m:t>=</m:t>
-                    </m:r>
-                    <m:nary>
-                      <m:naryPr>
-                        <m:chr m:val="∑"/>
-                        <m:limLoc m:val="undOvr"/>
-                        <m:ctrlPr>
-                          <a:rPr lang="en-US" sz="1500" i="1">
-                            <a:latin typeface="Cambria Math" panose="02040503050406030204" pitchFamily="18" charset="0"/>
-                          </a:rPr>
-                        </m:ctrlPr>
-                      </m:naryPr>
-                      <m:sub>
-                        <m:r>
-                          <a:rPr lang="en-US" sz="1500" i="1">
-                            <a:latin typeface="Cambria Math" panose="02040503050406030204" pitchFamily="18" charset="0"/>
-                          </a:rPr>
-                          <m:t>𝑖</m:t>
-                        </m:r>
-                        <m:r>
-                          <a:rPr lang="en-US" sz="1500" i="1">
-                            <a:latin typeface="Cambria Math" panose="02040503050406030204" pitchFamily="18" charset="0"/>
-                          </a:rPr>
-                          <m:t>=1</m:t>
-                        </m:r>
-                      </m:sub>
-                      <m:sup>
-                        <m:r>
-                          <a:rPr lang="en-US" sz="1500" i="1">
-                            <a:latin typeface="Cambria Math" panose="02040503050406030204" pitchFamily="18" charset="0"/>
-                          </a:rPr>
-                          <m:t>𝑞</m:t>
-                        </m:r>
-                      </m:sup>
-                      <m:e>
-                        <m:sSub>
-                          <m:sSubPr>
-                            <m:ctrlPr>
-                              <a:rPr lang="en-US" sz="1500" i="1">
-                                <a:latin typeface="Cambria Math" panose="02040503050406030204" pitchFamily="18" charset="0"/>
-                              </a:rPr>
-                            </m:ctrlPr>
-                          </m:sSubPr>
-                          <m:e>
-                            <m:r>
-                              <a:rPr lang="en-US" sz="1500" i="1">
-                                <a:latin typeface="Cambria Math" panose="02040503050406030204" pitchFamily="18" charset="0"/>
-                              </a:rPr>
-                              <m:t>𝛽</m:t>
-                            </m:r>
-                          </m:e>
-                          <m:sub>
-                            <m:r>
-                              <a:rPr lang="en-US" sz="1500" i="1">
-                                <a:latin typeface="Cambria Math" panose="02040503050406030204" pitchFamily="18" charset="0"/>
-                              </a:rPr>
-                              <m:t>𝑖</m:t>
-                            </m:r>
-                          </m:sub>
-                        </m:sSub>
-                        <m:sSub>
-                          <m:sSubPr>
-                            <m:ctrlPr>
-                              <a:rPr lang="en-US" sz="1500" i="1">
-                                <a:latin typeface="Cambria Math" panose="02040503050406030204" pitchFamily="18" charset="0"/>
-                              </a:rPr>
-                            </m:ctrlPr>
-                          </m:sSubPr>
-                          <m:e>
-                            <m:r>
-                              <a:rPr lang="en-US" sz="1500" i="1">
-                                <a:latin typeface="Cambria Math" panose="02040503050406030204" pitchFamily="18" charset="0"/>
-                              </a:rPr>
-                              <m:t>𝜀</m:t>
-                            </m:r>
-                          </m:e>
-                          <m:sub>
-                            <m:r>
-                              <a:rPr lang="en-US" sz="1500" i="1">
-                                <a:latin typeface="Cambria Math" panose="02040503050406030204" pitchFamily="18" charset="0"/>
-                              </a:rPr>
-                              <m:t>𝑛</m:t>
-                            </m:r>
-                            <m:r>
-                              <a:rPr lang="en-US" sz="1500" i="1">
-                                <a:latin typeface="Cambria Math" panose="02040503050406030204" pitchFamily="18" charset="0"/>
-                              </a:rPr>
-                              <m:t>−</m:t>
-                            </m:r>
-                            <m:r>
-                              <a:rPr lang="en-US" sz="1500" i="1">
-                                <a:latin typeface="Cambria Math" panose="02040503050406030204" pitchFamily="18" charset="0"/>
-                              </a:rPr>
-                              <m:t>𝑖</m:t>
-                            </m:r>
-                          </m:sub>
-                        </m:sSub>
-                      </m:e>
-                    </m:nary>
-                    <m:r>
-                      <a:rPr lang="en-US" sz="1500" i="1">
-                        <a:latin typeface="Cambria Math" panose="02040503050406030204" pitchFamily="18" charset="0"/>
-                      </a:rPr>
-                      <m:t> </m:t>
-                    </m:r>
-                  </m:oMath>
-                </a14:m>
-                <a:endParaRPr lang="ru-RU" sz="2200" dirty="0">
-                  <a:ea typeface="Calibri" panose="020F0502020204030204" pitchFamily="34" charset="0"/>
-                  <a:cs typeface="Times New Roman" panose="02020603050405020304" pitchFamily="18" charset="0"/>
-                </a:endParaRPr>
-              </a:p>
-              <a:p>
-                <a:pPr marL="1246188" lvl="8" indent="-508000">
-                  <a:buFont typeface="+mj-lt"/>
-                  <a:buAutoNum type="arabicPeriod"/>
-                </a:pPr>
-                <a14:m>
-                  <m:oMath xmlns:m="http://schemas.openxmlformats.org/officeDocument/2006/math">
-                    <m:sSub>
-                      <m:sSubPr>
-                        <m:ctrlPr>
-                          <a:rPr lang="en-US" sz="1500" i="1" smtClean="0">
-                            <a:latin typeface="Cambria Math" panose="02040503050406030204" pitchFamily="18" charset="0"/>
-                          </a:rPr>
-                        </m:ctrlPr>
-                      </m:sSubPr>
-                      <m:e>
-                        <m:acc>
-                          <m:accPr>
-                            <m:chr m:val="̂"/>
-                            <m:ctrlPr>
-                              <a:rPr lang="en-US" sz="1500" i="1">
-                                <a:latin typeface="Cambria Math" panose="02040503050406030204" pitchFamily="18" charset="0"/>
-                              </a:rPr>
-                            </m:ctrlPr>
-                          </m:accPr>
-                          <m:e>
-                            <m:r>
-                              <a:rPr lang="en-US" sz="1500" i="1">
-                                <a:latin typeface="Cambria Math" panose="02040503050406030204" pitchFamily="18" charset="0"/>
-                              </a:rPr>
-                              <m:t>𝑦</m:t>
-                            </m:r>
-                          </m:e>
-                        </m:acc>
-                      </m:e>
-                      <m:sub>
-                        <m:r>
-                          <a:rPr lang="en-US" sz="1500" i="1">
-                            <a:latin typeface="Cambria Math" panose="02040503050406030204" pitchFamily="18" charset="0"/>
-                          </a:rPr>
-                          <m:t>𝑛</m:t>
-                        </m:r>
-                      </m:sub>
-                    </m:sSub>
-                    <m:r>
-                      <a:rPr lang="en-US" sz="1500" i="1">
-                        <a:latin typeface="Cambria Math" panose="02040503050406030204" pitchFamily="18" charset="0"/>
-                      </a:rPr>
-                      <m:t>=</m:t>
-                    </m:r>
-                    <m:nary>
-                      <m:naryPr>
-                        <m:chr m:val="∑"/>
-                        <m:limLoc m:val="undOvr"/>
-                        <m:ctrlPr>
-                          <a:rPr lang="en-US" sz="1500" i="1">
-                            <a:latin typeface="Cambria Math" panose="02040503050406030204" pitchFamily="18" charset="0"/>
-                          </a:rPr>
-                        </m:ctrlPr>
-                      </m:naryPr>
-                      <m:sub>
-                        <m:r>
-                          <a:rPr lang="en-US" sz="1500" i="1">
-                            <a:latin typeface="Cambria Math" panose="02040503050406030204" pitchFamily="18" charset="0"/>
-                          </a:rPr>
-                          <m:t>𝑖</m:t>
-                        </m:r>
-                        <m:r>
-                          <a:rPr lang="en-US" sz="1500" i="1">
-                            <a:latin typeface="Cambria Math" panose="02040503050406030204" pitchFamily="18" charset="0"/>
-                          </a:rPr>
-                          <m:t>=0</m:t>
-                        </m:r>
-                      </m:sub>
-                      <m:sup>
-                        <m:r>
-                          <a:rPr lang="en-US" sz="1500" i="1">
-                            <a:latin typeface="Cambria Math" panose="02040503050406030204" pitchFamily="18" charset="0"/>
-                          </a:rPr>
-                          <m:t>𝑝</m:t>
-                        </m:r>
-                      </m:sup>
-                      <m:e>
-                        <m:sSub>
-                          <m:sSubPr>
-                            <m:ctrlPr>
-                              <a:rPr lang="en-US" sz="1500" i="1">
-                                <a:latin typeface="Cambria Math" panose="02040503050406030204" pitchFamily="18" charset="0"/>
-                              </a:rPr>
-                            </m:ctrlPr>
-                          </m:sSubPr>
-                          <m:e>
-                            <m:r>
-                              <a:rPr lang="en-US" sz="1500" i="1">
-                                <a:latin typeface="Cambria Math" panose="02040503050406030204" pitchFamily="18" charset="0"/>
-                              </a:rPr>
-                              <m:t>𝑦</m:t>
-                            </m:r>
-                          </m:e>
-                          <m:sub>
-                            <m:r>
-                              <a:rPr lang="en-US" sz="1500" i="1">
-                                <a:latin typeface="Cambria Math" panose="02040503050406030204" pitchFamily="18" charset="0"/>
-                              </a:rPr>
-                              <m:t>𝑛</m:t>
-                            </m:r>
-                            <m:r>
-                              <a:rPr lang="en-US" sz="1500" i="1">
-                                <a:latin typeface="Cambria Math" panose="02040503050406030204" pitchFamily="18" charset="0"/>
-                              </a:rPr>
-                              <m:t>−</m:t>
-                            </m:r>
-                            <m:r>
-                              <a:rPr lang="en-US" sz="1500" i="1">
-                                <a:latin typeface="Cambria Math" panose="02040503050406030204" pitchFamily="18" charset="0"/>
-                              </a:rPr>
-                              <m:t>𝑖</m:t>
-                            </m:r>
-                          </m:sub>
-                        </m:sSub>
-                      </m:e>
-                    </m:nary>
-                    <m:r>
-                      <a:rPr lang="en-US" sz="1500" i="1">
-                        <a:latin typeface="Cambria Math" panose="02040503050406030204" pitchFamily="18" charset="0"/>
-                      </a:rPr>
-                      <m:t>+</m:t>
-                    </m:r>
-                    <m:nary>
-                      <m:naryPr>
-                        <m:chr m:val="∑"/>
-                        <m:limLoc m:val="undOvr"/>
-                        <m:ctrlPr>
-                          <a:rPr lang="en-US" sz="1500" i="1">
-                            <a:latin typeface="Cambria Math" panose="02040503050406030204" pitchFamily="18" charset="0"/>
-                          </a:rPr>
-                        </m:ctrlPr>
-                      </m:naryPr>
-                      <m:sub>
-                        <m:r>
-                          <a:rPr lang="en-US" sz="1500" i="1">
-                            <a:latin typeface="Cambria Math" panose="02040503050406030204" pitchFamily="18" charset="0"/>
-                          </a:rPr>
-                          <m:t>𝑖</m:t>
-                        </m:r>
-                        <m:r>
-                          <a:rPr lang="en-US" sz="1500" i="1">
-                            <a:latin typeface="Cambria Math" panose="02040503050406030204" pitchFamily="18" charset="0"/>
-                          </a:rPr>
-                          <m:t>=1</m:t>
-                        </m:r>
-                      </m:sub>
-                      <m:sup>
-                        <m:r>
-                          <a:rPr lang="en-US" sz="1500" i="1">
-                            <a:latin typeface="Cambria Math" panose="02040503050406030204" pitchFamily="18" charset="0"/>
-                          </a:rPr>
-                          <m:t>𝑞</m:t>
-                        </m:r>
-                      </m:sup>
-                      <m:e>
-                        <m:sSub>
-                          <m:sSubPr>
-                            <m:ctrlPr>
-                              <a:rPr lang="en-US" sz="1500" i="1">
-                                <a:latin typeface="Cambria Math" panose="02040503050406030204" pitchFamily="18" charset="0"/>
-                              </a:rPr>
-                            </m:ctrlPr>
-                          </m:sSubPr>
-                          <m:e>
-                            <m:r>
-                              <a:rPr lang="en-US" sz="1500" i="1">
-                                <a:latin typeface="Cambria Math" panose="02040503050406030204" pitchFamily="18" charset="0"/>
-                              </a:rPr>
-                              <m:t>𝜀</m:t>
-                            </m:r>
-                          </m:e>
-                          <m:sub>
-                            <m:r>
-                              <a:rPr lang="en-US" sz="1500" i="1">
-                                <a:latin typeface="Cambria Math" panose="02040503050406030204" pitchFamily="18" charset="0"/>
-                              </a:rPr>
-                              <m:t>𝑛</m:t>
-                            </m:r>
-                            <m:r>
-                              <a:rPr lang="en-US" sz="1500" i="1">
-                                <a:latin typeface="Cambria Math" panose="02040503050406030204" pitchFamily="18" charset="0"/>
-                              </a:rPr>
-                              <m:t>−</m:t>
-                            </m:r>
-                            <m:r>
-                              <a:rPr lang="en-US" sz="1500" i="1">
-                                <a:latin typeface="Cambria Math" panose="02040503050406030204" pitchFamily="18" charset="0"/>
-                              </a:rPr>
-                              <m:t>𝑖</m:t>
-                            </m:r>
-                          </m:sub>
-                        </m:sSub>
-                      </m:e>
-                    </m:nary>
-                    <m:r>
-                      <a:rPr lang="en-US" sz="1500" i="1">
-                        <a:latin typeface="Cambria Math" panose="02040503050406030204" pitchFamily="18" charset="0"/>
-                      </a:rPr>
-                      <m:t> </m:t>
-                    </m:r>
-                  </m:oMath>
-                </a14:m>
-                <a:endParaRPr lang="ru-RU" sz="2200" b="1" dirty="0"/>
-              </a:p>
-              <a:p>
-                <a:r>
-                  <a:rPr lang="ru-RU" sz="2400" b="1" dirty="0"/>
-                  <a:t>Задача построения </a:t>
-                </a:r>
-                <a:r>
-                  <a:rPr lang="ru-RU" sz="2300" b="1" dirty="0" err="1">
-                    <a:ea typeface="Calibri" panose="020F0502020204030204" pitchFamily="34" charset="0"/>
-                    <a:cs typeface="Times New Roman" panose="02020603050405020304" pitchFamily="18" charset="0"/>
-                  </a:rPr>
-                  <a:t>A</a:t>
-                </a:r>
-                <a:r>
-                  <a:rPr lang="en-US" sz="2300" b="1" dirty="0">
-                    <a:ea typeface="Calibri" panose="020F0502020204030204" pitchFamily="34" charset="0"/>
-                    <a:cs typeface="Times New Roman" panose="02020603050405020304" pitchFamily="18" charset="0"/>
-                  </a:rPr>
-                  <a:t>RMA </a:t>
-                </a:r>
-                <a:r>
-                  <a:rPr lang="ru-RU" sz="2300" b="1" dirty="0">
-                    <a:ea typeface="Calibri" panose="020F0502020204030204" pitchFamily="34" charset="0"/>
-                    <a:cs typeface="Times New Roman" panose="02020603050405020304" pitchFamily="18" charset="0"/>
-                  </a:rPr>
-                  <a:t>модели ВР - это</a:t>
-                </a:r>
-                <a:r>
-                  <a:rPr lang="ru-RU" sz="2400" dirty="0"/>
-                  <a:t> Оценка</a:t>
-                </a:r>
-                <a:endParaRPr lang="ru-RU" sz="2300" b="1" dirty="0">
-                  <a:ea typeface="Calibri" panose="020F0502020204030204" pitchFamily="34" charset="0"/>
-                  <a:cs typeface="Times New Roman" panose="02020603050405020304" pitchFamily="18" charset="0"/>
-                </a:endParaRPr>
-              </a:p>
-              <a:p>
-                <a:pPr marL="971550" lvl="1" indent="-514350">
-                  <a:buFont typeface="+mj-lt"/>
-                  <a:buAutoNum type="arabicPeriod"/>
-                </a:pPr>
-                <a:r>
-                  <a:rPr lang="ru-RU" sz="1600" b="1" dirty="0"/>
-                  <a:t>порядков </a:t>
-                </a:r>
-                <a:r>
-                  <a:rPr lang="en-US" sz="1600" b="1" dirty="0"/>
-                  <a:t>AR </a:t>
-                </a:r>
-                <a:r>
-                  <a:rPr lang="ru-RU" sz="1600" b="1" dirty="0"/>
-                  <a:t>и MA</a:t>
-                </a:r>
-                <a:r>
-                  <a:rPr lang="en-US" sz="1600" b="1" dirty="0"/>
-                  <a:t> </a:t>
-                </a:r>
-                <a:r>
-                  <a:rPr lang="ru-RU" sz="1600" b="1" dirty="0"/>
-                  <a:t>и соответствующих им коэффициентов</a:t>
-                </a:r>
-                <a:endParaRPr lang="ru-RU" sz="1900" b="1" dirty="0">
-                  <a:ea typeface="Calibri" panose="020F0502020204030204" pitchFamily="34" charset="0"/>
-                  <a:cs typeface="Times New Roman" panose="02020603050405020304" pitchFamily="18" charset="0"/>
-                </a:endParaRPr>
-              </a:p>
-              <a:p>
-                <a:pPr marL="971550" lvl="1" indent="-514350">
-                  <a:buFont typeface="+mj-lt"/>
-                  <a:buAutoNum type="arabicPeriod"/>
-                </a:pPr>
-                <a:r>
-                  <a:rPr lang="ru-RU" sz="1900" dirty="0">
-                    <a:ea typeface="Calibri" panose="020F0502020204030204" pitchFamily="34" charset="0"/>
-                    <a:cs typeface="Times New Roman" panose="02020603050405020304" pitchFamily="18" charset="0"/>
-                  </a:rPr>
-                  <a:t>наклона и смещения для линейной модели</a:t>
-                </a:r>
-              </a:p>
-              <a:p>
-                <a:pPr marL="971550" lvl="1" indent="-514350">
-                  <a:buFont typeface="+mj-lt"/>
-                  <a:buAutoNum type="arabicPeriod"/>
-                </a:pPr>
-                <a:r>
-                  <a:rPr lang="ru-RU" sz="1900" dirty="0" err="1">
-                    <a:ea typeface="Calibri" panose="020F0502020204030204" pitchFamily="34" charset="0"/>
-                    <a:cs typeface="Times New Roman" panose="02020603050405020304" pitchFamily="18" charset="0"/>
-                  </a:rPr>
-                  <a:t>коэффиентов</a:t>
-                </a:r>
-                <a:r>
-                  <a:rPr lang="ru-RU" sz="1900" dirty="0">
-                    <a:ea typeface="Calibri" panose="020F0502020204030204" pitchFamily="34" charset="0"/>
-                    <a:cs typeface="Times New Roman" panose="02020603050405020304" pitchFamily="18" charset="0"/>
-                  </a:rPr>
-                  <a:t> персептрона</a:t>
-                </a:r>
-              </a:p>
-              <a:p>
-                <a:pPr marL="971550" lvl="1" indent="-514350">
-                  <a:buFont typeface="+mj-lt"/>
-                  <a:buAutoNum type="arabicPeriod"/>
-                </a:pPr>
-                <a:r>
-                  <a:rPr lang="ru-RU" sz="1900" dirty="0">
-                    <a:ea typeface="Calibri" panose="020F0502020204030204" pitchFamily="34" charset="0"/>
-                    <a:cs typeface="Times New Roman" panose="02020603050405020304" pitchFamily="18" charset="0"/>
-                  </a:rPr>
-                  <a:t>Собственных значений ковариационной матрицы</a:t>
-                </a:r>
-              </a:p>
-              <a:p>
-                <a:r>
-                  <a:rPr lang="ru-RU" sz="2400" b="1" dirty="0"/>
-                  <a:t>Выберете выражение для информационного критерия </a:t>
-                </a:r>
-                <a:r>
-                  <a:rPr lang="ru-RU" sz="2400" b="1" dirty="0" err="1"/>
-                  <a:t>Акайке</a:t>
-                </a:r>
-                <a:endParaRPr lang="ru-RU" sz="2300" dirty="0">
-                  <a:ea typeface="Calibri" panose="020F0502020204030204" pitchFamily="34" charset="0"/>
-                  <a:cs typeface="Times New Roman" panose="02020603050405020304" pitchFamily="18" charset="0"/>
-                </a:endParaRPr>
-              </a:p>
-              <a:p>
-                <a:pPr marL="971550" lvl="1" indent="-514350">
-                  <a:buFont typeface="+mj-lt"/>
-                  <a:buAutoNum type="arabicPeriod"/>
-                </a:pPr>
-                <a14:m>
-                  <m:oMath xmlns:m="http://schemas.openxmlformats.org/officeDocument/2006/math">
-                    <m:r>
-                      <a:rPr lang="en-US" sz="2000" b="1" i="1" smtClean="0">
-                        <a:latin typeface="Cambria Math" panose="02040503050406030204" pitchFamily="18" charset="0"/>
-                      </a:rPr>
-                      <m:t>𝑨𝑰𝑪</m:t>
-                    </m:r>
-                    <m:r>
-                      <a:rPr lang="en-US" sz="2000" b="1" i="1" smtClean="0">
-                        <a:latin typeface="Cambria Math" panose="02040503050406030204" pitchFamily="18" charset="0"/>
-                      </a:rPr>
-                      <m:t>(</m:t>
-                    </m:r>
-                    <m:r>
-                      <a:rPr lang="en-US" sz="2000" b="1" i="1" smtClean="0">
-                        <a:latin typeface="Cambria Math" panose="02040503050406030204" pitchFamily="18" charset="0"/>
-                      </a:rPr>
-                      <m:t>𝒌</m:t>
-                    </m:r>
-                    <m:r>
-                      <a:rPr lang="en-US" sz="2000" b="1" i="1" smtClean="0">
-                        <a:latin typeface="Cambria Math" panose="02040503050406030204" pitchFamily="18" charset="0"/>
-                      </a:rPr>
-                      <m:t>)=</m:t>
-                    </m:r>
-                    <m:r>
-                      <a:rPr lang="en-US" sz="2000" b="1" i="1" smtClean="0">
-                        <a:latin typeface="Cambria Math" panose="02040503050406030204" pitchFamily="18" charset="0"/>
-                      </a:rPr>
-                      <m:t>𝒍𝒏</m:t>
-                    </m:r>
-                    <m:sSup>
-                      <m:sSupPr>
-                        <m:ctrlPr>
-                          <a:rPr lang="en-US" sz="2000" b="1" i="1">
-                            <a:latin typeface="Cambria Math" panose="02040503050406030204" pitchFamily="18" charset="0"/>
-                          </a:rPr>
-                        </m:ctrlPr>
-                      </m:sSupPr>
-                      <m:e>
-                        <m:acc>
-                          <m:accPr>
-                            <m:chr m:val="̂"/>
-                            <m:ctrlPr>
-                              <a:rPr lang="en-US" sz="2000" b="1" i="1">
-                                <a:latin typeface="Cambria Math" panose="02040503050406030204" pitchFamily="18" charset="0"/>
-                              </a:rPr>
-                            </m:ctrlPr>
-                          </m:accPr>
-                          <m:e>
-                            <m:r>
-                              <a:rPr lang="en-US" sz="2000" b="1" i="1">
-                                <a:latin typeface="Cambria Math" panose="02040503050406030204" pitchFamily="18" charset="0"/>
-                              </a:rPr>
-                              <m:t>𝝈</m:t>
-                            </m:r>
-                          </m:e>
-                        </m:acc>
-                      </m:e>
-                      <m:sup>
-                        <m:r>
-                          <a:rPr lang="en-US" sz="2000" b="1" i="1">
-                            <a:latin typeface="Cambria Math" panose="02040503050406030204" pitchFamily="18" charset="0"/>
-                          </a:rPr>
-                          <m:t>𝟐</m:t>
-                        </m:r>
-                      </m:sup>
-                    </m:sSup>
-                    <m:r>
-                      <a:rPr lang="en-US" sz="2000" b="1" i="1">
-                        <a:latin typeface="Cambria Math" panose="02040503050406030204" pitchFamily="18" charset="0"/>
-                      </a:rPr>
-                      <m:t>+</m:t>
-                    </m:r>
-                    <m:r>
-                      <a:rPr lang="en-US" sz="2000" b="1" i="1">
-                        <a:latin typeface="Cambria Math" panose="02040503050406030204" pitchFamily="18" charset="0"/>
-                      </a:rPr>
-                      <m:t>𝟐</m:t>
-                    </m:r>
-                    <m:f>
-                      <m:fPr>
-                        <m:ctrlPr>
-                          <a:rPr lang="en-US" sz="2000" b="1" i="1">
-                            <a:latin typeface="Cambria Math" panose="02040503050406030204" pitchFamily="18" charset="0"/>
-                          </a:rPr>
-                        </m:ctrlPr>
-                      </m:fPr>
-                      <m:num>
-                        <m:r>
-                          <a:rPr lang="en-US" sz="2000" b="1" i="1">
-                            <a:latin typeface="Cambria Math" panose="02040503050406030204" pitchFamily="18" charset="0"/>
-                          </a:rPr>
-                          <m:t>𝒌</m:t>
-                        </m:r>
-                      </m:num>
-                      <m:den>
-                        <m:r>
-                          <a:rPr lang="en-US" sz="2000" b="1" i="1">
-                            <a:latin typeface="Cambria Math" panose="02040503050406030204" pitchFamily="18" charset="0"/>
-                          </a:rPr>
-                          <m:t>𝑵</m:t>
-                        </m:r>
-                      </m:den>
-                    </m:f>
-                    <m:r>
-                      <a:rPr lang="en-US" sz="2000" b="1" i="1">
-                        <a:latin typeface="Cambria Math" panose="02040503050406030204" pitchFamily="18" charset="0"/>
-                      </a:rPr>
-                      <m:t> </m:t>
-                    </m:r>
-                  </m:oMath>
-                </a14:m>
-                <a:endParaRPr lang="ru-RU" sz="1900" b="1" dirty="0">
-                  <a:ea typeface="Calibri" panose="020F0502020204030204" pitchFamily="34" charset="0"/>
-                  <a:cs typeface="Times New Roman" panose="02020603050405020304" pitchFamily="18" charset="0"/>
-                </a:endParaRPr>
-              </a:p>
-              <a:p>
-                <a:pPr marL="971550" lvl="1" indent="-514350">
-                  <a:buFont typeface="+mj-lt"/>
-                  <a:buAutoNum type="arabicPeriod"/>
-                </a:pPr>
-                <a14:m>
-                  <m:oMath xmlns:m="http://schemas.openxmlformats.org/officeDocument/2006/math">
-                    <m:r>
-                      <a:rPr lang="en-US" sz="2000" i="1" smtClean="0">
-                        <a:latin typeface="Cambria Math" panose="02040503050406030204" pitchFamily="18" charset="0"/>
-                      </a:rPr>
-                      <m:t>𝐴𝐼𝐶</m:t>
-                    </m:r>
-                    <m:r>
-                      <a:rPr lang="en-US" sz="2000" i="1" smtClean="0">
-                        <a:latin typeface="Cambria Math" panose="02040503050406030204" pitchFamily="18" charset="0"/>
-                      </a:rPr>
-                      <m:t>(</m:t>
-                    </m:r>
-                    <m:r>
-                      <a:rPr lang="en-US" sz="2000" i="1" smtClean="0">
-                        <a:latin typeface="Cambria Math" panose="02040503050406030204" pitchFamily="18" charset="0"/>
-                      </a:rPr>
-                      <m:t>𝑘</m:t>
-                    </m:r>
-                    <m:r>
-                      <a:rPr lang="en-US" sz="2000" i="1" smtClean="0">
-                        <a:latin typeface="Cambria Math" panose="02040503050406030204" pitchFamily="18" charset="0"/>
-                      </a:rPr>
-                      <m:t>)=</m:t>
-                    </m:r>
-                    <m:r>
-                      <a:rPr lang="en-US" sz="2000" i="1" smtClean="0">
-                        <a:latin typeface="Cambria Math" panose="02040503050406030204" pitchFamily="18" charset="0"/>
-                      </a:rPr>
-                      <m:t>𝑙𝑛</m:t>
-                    </m:r>
-                    <m:sSup>
-                      <m:sSupPr>
-                        <m:ctrlPr>
-                          <a:rPr lang="en-US" sz="2000" i="1">
-                            <a:latin typeface="Cambria Math" panose="02040503050406030204" pitchFamily="18" charset="0"/>
-                          </a:rPr>
-                        </m:ctrlPr>
-                      </m:sSupPr>
-                      <m:e>
-                        <m:acc>
-                          <m:accPr>
-                            <m:chr m:val="̂"/>
-                            <m:ctrlPr>
-                              <a:rPr lang="en-US" sz="2000" i="1">
-                                <a:latin typeface="Cambria Math" panose="02040503050406030204" pitchFamily="18" charset="0"/>
-                              </a:rPr>
-                            </m:ctrlPr>
-                          </m:accPr>
-                          <m:e>
-                            <m:r>
-                              <a:rPr lang="en-US" sz="2000" i="1">
-                                <a:latin typeface="Cambria Math" panose="02040503050406030204" pitchFamily="18" charset="0"/>
-                              </a:rPr>
-                              <m:t>𝜎</m:t>
-                            </m:r>
-                          </m:e>
-                        </m:acc>
-                      </m:e>
-                      <m:sup>
-                        <m:r>
-                          <a:rPr lang="en-US" sz="2000" i="1">
-                            <a:latin typeface="Cambria Math" panose="02040503050406030204" pitchFamily="18" charset="0"/>
-                          </a:rPr>
-                          <m:t>2</m:t>
-                        </m:r>
-                      </m:sup>
-                    </m:sSup>
-                  </m:oMath>
-                </a14:m>
-                <a:endParaRPr lang="ru-RU" sz="1900" dirty="0">
-                  <a:ea typeface="Calibri" panose="020F0502020204030204" pitchFamily="34" charset="0"/>
-                  <a:cs typeface="Times New Roman" panose="02020603050405020304" pitchFamily="18" charset="0"/>
-                </a:endParaRPr>
-              </a:p>
-              <a:p>
-                <a:pPr marL="971550" lvl="1" indent="-514350">
-                  <a:buFont typeface="+mj-lt"/>
-                  <a:buAutoNum type="arabicPeriod"/>
-                </a:pPr>
-                <a14:m>
-                  <m:oMath xmlns:m="http://schemas.openxmlformats.org/officeDocument/2006/math">
-                    <m:r>
-                      <a:rPr lang="en-US" sz="2000" i="1" smtClean="0">
-                        <a:latin typeface="Cambria Math" panose="02040503050406030204" pitchFamily="18" charset="0"/>
-                      </a:rPr>
-                      <m:t>𝐴𝐼𝐶</m:t>
-                    </m:r>
-                    <m:d>
-                      <m:dPr>
-                        <m:ctrlPr>
-                          <a:rPr lang="en-US" sz="2000" i="1" smtClean="0">
-                            <a:latin typeface="Cambria Math" panose="02040503050406030204" pitchFamily="18" charset="0"/>
-                          </a:rPr>
-                        </m:ctrlPr>
-                      </m:dPr>
-                      <m:e>
-                        <m:r>
-                          <a:rPr lang="en-US" sz="2000" i="1" smtClean="0">
-                            <a:latin typeface="Cambria Math" panose="02040503050406030204" pitchFamily="18" charset="0"/>
-                          </a:rPr>
-                          <m:t>𝑘</m:t>
-                        </m:r>
-                      </m:e>
-                    </m:d>
-                    <m:r>
-                      <a:rPr lang="en-US" sz="2000" i="1" smtClean="0">
-                        <a:latin typeface="Cambria Math" panose="02040503050406030204" pitchFamily="18" charset="0"/>
-                      </a:rPr>
-                      <m:t>=</m:t>
-                    </m:r>
-                    <m:r>
-                      <a:rPr lang="en-US" sz="2000" i="1" smtClean="0">
-                        <a:latin typeface="Cambria Math" panose="02040503050406030204" pitchFamily="18" charset="0"/>
-                      </a:rPr>
-                      <m:t>𝑙𝑛</m:t>
-                    </m:r>
-                    <m:sSup>
-                      <m:sSupPr>
-                        <m:ctrlPr>
-                          <a:rPr lang="en-US" sz="2000" i="1">
-                            <a:latin typeface="Cambria Math" panose="02040503050406030204" pitchFamily="18" charset="0"/>
-                          </a:rPr>
-                        </m:ctrlPr>
-                      </m:sSupPr>
-                      <m:e>
-                        <m:acc>
-                          <m:accPr>
-                            <m:chr m:val="̂"/>
-                            <m:ctrlPr>
-                              <a:rPr lang="en-US" sz="2000" i="1">
-                                <a:latin typeface="Cambria Math" panose="02040503050406030204" pitchFamily="18" charset="0"/>
-                              </a:rPr>
-                            </m:ctrlPr>
-                          </m:accPr>
-                          <m:e>
-                            <m:r>
-                              <a:rPr lang="en-US" sz="2000" i="1">
-                                <a:latin typeface="Cambria Math" panose="02040503050406030204" pitchFamily="18" charset="0"/>
-                              </a:rPr>
-                              <m:t>𝜎</m:t>
-                            </m:r>
-                          </m:e>
-                        </m:acc>
-                      </m:e>
-                      <m:sup>
-                        <m:r>
-                          <a:rPr lang="en-US" sz="2000" i="1">
-                            <a:latin typeface="Cambria Math" panose="02040503050406030204" pitchFamily="18" charset="0"/>
-                          </a:rPr>
-                          <m:t>2</m:t>
-                        </m:r>
-                      </m:sup>
-                    </m:sSup>
-                    <m:r>
-                      <a:rPr lang="ru-RU" sz="2000" b="0" i="1" smtClean="0">
-                        <a:latin typeface="Cambria Math" panose="02040503050406030204" pitchFamily="18" charset="0"/>
-                      </a:rPr>
-                      <m:t>⋅</m:t>
-                    </m:r>
-                    <m:r>
-                      <a:rPr lang="en-US" sz="2000" i="1">
-                        <a:latin typeface="Cambria Math" panose="02040503050406030204" pitchFamily="18" charset="0"/>
-                      </a:rPr>
-                      <m:t>2</m:t>
-                    </m:r>
-                    <m:f>
-                      <m:fPr>
-                        <m:ctrlPr>
-                          <a:rPr lang="en-US" sz="2000" i="1">
-                            <a:latin typeface="Cambria Math" panose="02040503050406030204" pitchFamily="18" charset="0"/>
-                          </a:rPr>
-                        </m:ctrlPr>
-                      </m:fPr>
-                      <m:num>
-                        <m:r>
-                          <a:rPr lang="en-US" sz="2000" i="1">
-                            <a:latin typeface="Cambria Math" panose="02040503050406030204" pitchFamily="18" charset="0"/>
-                          </a:rPr>
-                          <m:t>𝑘</m:t>
-                        </m:r>
-                      </m:num>
-                      <m:den>
-                        <m:r>
-                          <a:rPr lang="en-US" sz="2000" i="1">
-                            <a:latin typeface="Cambria Math" panose="02040503050406030204" pitchFamily="18" charset="0"/>
-                          </a:rPr>
-                          <m:t>𝑁</m:t>
-                        </m:r>
-                      </m:den>
-                    </m:f>
-                    <m:r>
-                      <a:rPr lang="en-US" sz="2000" i="1">
-                        <a:latin typeface="Cambria Math" panose="02040503050406030204" pitchFamily="18" charset="0"/>
-                      </a:rPr>
-                      <m:t> </m:t>
-                    </m:r>
-                  </m:oMath>
-                </a14:m>
-                <a:endParaRPr lang="ru-RU" sz="1900" dirty="0">
-                  <a:ea typeface="Calibri" panose="020F0502020204030204" pitchFamily="34" charset="0"/>
-                  <a:cs typeface="Times New Roman" panose="02020603050405020304" pitchFamily="18" charset="0"/>
-                </a:endParaRPr>
-              </a:p>
-              <a:p>
-                <a:pPr marL="971550" lvl="1" indent="-514350">
-                  <a:buFont typeface="+mj-lt"/>
-                  <a:buAutoNum type="arabicPeriod"/>
-                </a:pPr>
-                <a14:m>
-                  <m:oMath xmlns:m="http://schemas.openxmlformats.org/officeDocument/2006/math">
-                    <m:r>
-                      <a:rPr lang="en-US" sz="1600" i="1" smtClean="0">
-                        <a:latin typeface="Cambria Math" panose="02040503050406030204" pitchFamily="18" charset="0"/>
-                      </a:rPr>
-                      <m:t>𝐴𝐼𝐶</m:t>
-                    </m:r>
-                    <m:d>
-                      <m:dPr>
-                        <m:ctrlPr>
-                          <a:rPr lang="en-US" sz="1600" i="1" smtClean="0">
-                            <a:latin typeface="Cambria Math" panose="02040503050406030204" pitchFamily="18" charset="0"/>
-                          </a:rPr>
-                        </m:ctrlPr>
-                      </m:dPr>
-                      <m:e>
-                        <m:r>
-                          <a:rPr lang="en-US" sz="1600" i="1" smtClean="0">
-                            <a:latin typeface="Cambria Math" panose="02040503050406030204" pitchFamily="18" charset="0"/>
-                          </a:rPr>
-                          <m:t>𝑘</m:t>
-                        </m:r>
-                      </m:e>
-                    </m:d>
-                    <m:r>
-                      <a:rPr lang="en-US" sz="1600" i="1" smtClean="0">
-                        <a:latin typeface="Cambria Math" panose="02040503050406030204" pitchFamily="18" charset="0"/>
-                      </a:rPr>
-                      <m:t>=</m:t>
-                    </m:r>
-                    <m:r>
-                      <a:rPr lang="en-US" sz="1600" i="1" smtClean="0">
-                        <a:latin typeface="Cambria Math" panose="02040503050406030204" pitchFamily="18" charset="0"/>
-                      </a:rPr>
-                      <m:t>𝑙𝑛</m:t>
-                    </m:r>
-                    <m:sSup>
-                      <m:sSupPr>
-                        <m:ctrlPr>
-                          <a:rPr lang="en-US" sz="1600" i="1">
-                            <a:latin typeface="Cambria Math" panose="02040503050406030204" pitchFamily="18" charset="0"/>
-                          </a:rPr>
-                        </m:ctrlPr>
-                      </m:sSupPr>
-                      <m:e>
-                        <m:acc>
-                          <m:accPr>
-                            <m:chr m:val="̂"/>
-                            <m:ctrlPr>
-                              <a:rPr lang="en-US" sz="1600" i="1">
-                                <a:latin typeface="Cambria Math" panose="02040503050406030204" pitchFamily="18" charset="0"/>
-                              </a:rPr>
-                            </m:ctrlPr>
-                          </m:accPr>
-                          <m:e>
-                            <m:r>
-                              <a:rPr lang="en-US" sz="1600" i="1">
-                                <a:latin typeface="Cambria Math" panose="02040503050406030204" pitchFamily="18" charset="0"/>
-                              </a:rPr>
-                              <m:t>𝜎</m:t>
-                            </m:r>
-                          </m:e>
-                        </m:acc>
-                      </m:e>
-                      <m:sup>
-                        <m:r>
-                          <a:rPr lang="en-US" sz="1600" i="1">
-                            <a:latin typeface="Cambria Math" panose="02040503050406030204" pitchFamily="18" charset="0"/>
-                          </a:rPr>
-                          <m:t>2</m:t>
-                        </m:r>
-                      </m:sup>
-                    </m:sSup>
-                    <m:r>
-                      <a:rPr lang="en-US" sz="1600" b="0" i="1" smtClean="0">
-                        <a:latin typeface="Cambria Math" panose="02040503050406030204" pitchFamily="18" charset="0"/>
-                      </a:rPr>
-                      <m:t>−</m:t>
-                    </m:r>
-                    <m:r>
-                      <a:rPr lang="en-US" sz="1600" i="1">
-                        <a:latin typeface="Cambria Math" panose="02040503050406030204" pitchFamily="18" charset="0"/>
-                      </a:rPr>
-                      <m:t>2</m:t>
-                    </m:r>
-                    <m:f>
-                      <m:fPr>
-                        <m:ctrlPr>
-                          <a:rPr lang="en-US" sz="1600" i="1">
-                            <a:latin typeface="Cambria Math" panose="02040503050406030204" pitchFamily="18" charset="0"/>
-                          </a:rPr>
-                        </m:ctrlPr>
-                      </m:fPr>
-                      <m:num>
-                        <m:r>
-                          <a:rPr lang="en-US" sz="1600" b="0" i="1" smtClean="0">
-                            <a:latin typeface="Cambria Math" panose="02040503050406030204" pitchFamily="18" charset="0"/>
-                          </a:rPr>
-                          <m:t>𝑁</m:t>
-                        </m:r>
-                      </m:num>
-                      <m:den>
-                        <m:r>
-                          <a:rPr lang="en-US" sz="1600" b="0" i="1" smtClean="0">
-                            <a:latin typeface="Cambria Math" panose="02040503050406030204" pitchFamily="18" charset="0"/>
-                          </a:rPr>
-                          <m:t>𝑘</m:t>
-                        </m:r>
-                      </m:den>
-                    </m:f>
-                  </m:oMath>
-                </a14:m>
-                <a:endParaRPr lang="ru-RU" dirty="0">
-                  <a:ea typeface="Calibri" panose="020F0502020204030204" pitchFamily="34" charset="0"/>
-                  <a:cs typeface="Times New Roman" panose="02020603050405020304" pitchFamily="18" charset="0"/>
-                </a:endParaRPr>
-              </a:p>
-              <a:p>
-                <a:r>
-                  <a:rPr lang="ru-RU" sz="2400" b="1" dirty="0"/>
-                  <a:t>Понятие Лаг описывает </a:t>
-                </a:r>
-                <a14:m>
-                  <m:oMath xmlns:m="http://schemas.openxmlformats.org/officeDocument/2006/math">
-                    <m:r>
-                      <m:rPr>
-                        <m:nor/>
-                      </m:rPr>
-                      <a:rPr lang="ru-RU" sz="2400" b="0" i="1" dirty="0" smtClean="0">
-                        <a:latin typeface="Cambria Math" panose="02040503050406030204" pitchFamily="18" charset="0"/>
-                      </a:rPr>
-                      <m:t>для </m:t>
-                    </m:r>
-                    <m:r>
-                      <m:rPr>
-                        <m:nor/>
-                      </m:rPr>
-                      <a:rPr lang="ru-RU" sz="2400" i="1" dirty="0" smtClean="0">
-                        <a:latin typeface="Cambria Math" panose="02040503050406030204" pitchFamily="18" charset="0"/>
-                      </a:rPr>
-                      <m:t>целевой переменной</m:t>
-                    </m:r>
-                  </m:oMath>
-                </a14:m>
-                <a:endParaRPr lang="ru-RU" sz="2300" dirty="0">
-                  <a:ea typeface="Calibri" panose="020F0502020204030204" pitchFamily="34" charset="0"/>
-                  <a:cs typeface="Times New Roman" panose="02020603050405020304" pitchFamily="18" charset="0"/>
-                </a:endParaRPr>
-              </a:p>
-              <a:p>
-                <a:pPr marL="971550" lvl="1" indent="-514350">
-                  <a:buFont typeface="+mj-lt"/>
-                  <a:buAutoNum type="arabicPeriod"/>
-                </a:pPr>
-                <a:r>
-                  <a:rPr lang="ru-RU" sz="2000" b="1" i="1" dirty="0">
-                    <a:latin typeface="Cambria Math" panose="02040503050406030204" pitchFamily="18" charset="0"/>
-                  </a:rPr>
-                  <a:t>Задержанные значения  </a:t>
-                </a:r>
-              </a:p>
-              <a:p>
-                <a:pPr marL="971550" lvl="1" indent="-514350">
-                  <a:buFont typeface="+mj-lt"/>
-                  <a:buAutoNum type="arabicPeriod"/>
-                </a:pPr>
-                <a14:m>
-                  <m:oMath xmlns:m="http://schemas.openxmlformats.org/officeDocument/2006/math">
-                    <m:r>
-                      <a:rPr lang="ru-RU" sz="2000" b="0" i="1" dirty="0" smtClean="0">
-                        <a:latin typeface="Cambria Math" panose="02040503050406030204" pitchFamily="18" charset="0"/>
-                      </a:rPr>
-                      <m:t>В</m:t>
-                    </m:r>
-                    <m:r>
-                      <m:rPr>
-                        <m:nor/>
-                      </m:rPr>
-                      <a:rPr lang="ru-RU" sz="2000" b="0" i="1" dirty="0" smtClean="0">
-                        <a:latin typeface="Cambria Math" panose="02040503050406030204" pitchFamily="18" charset="0"/>
-                      </a:rPr>
-                      <m:t>нешние </m:t>
-                    </m:r>
-                    <m:r>
-                      <m:rPr>
-                        <m:nor/>
-                      </m:rPr>
-                      <a:rPr lang="ru-RU" sz="2000" i="1" dirty="0">
-                        <a:latin typeface="Cambria Math" panose="02040503050406030204" pitchFamily="18" charset="0"/>
-                      </a:rPr>
-                      <m:t>значения</m:t>
-                    </m:r>
-                  </m:oMath>
-                </a14:m>
-                <a:endParaRPr lang="ru-RU" sz="2000" i="1" dirty="0">
-                  <a:latin typeface="Cambria Math" panose="02040503050406030204" pitchFamily="18" charset="0"/>
-                </a:endParaRPr>
-              </a:p>
-              <a:p>
-                <a:pPr marL="971550" lvl="1" indent="-514350">
-                  <a:buFont typeface="+mj-lt"/>
-                  <a:buAutoNum type="arabicPeriod"/>
-                </a:pPr>
-                <a14:m>
-                  <m:oMath xmlns:m="http://schemas.openxmlformats.org/officeDocument/2006/math">
-                    <m:r>
-                      <m:rPr>
-                        <m:nor/>
-                      </m:rPr>
-                      <a:rPr lang="ru-RU" sz="2000" b="0" i="1" dirty="0" smtClean="0">
-                        <a:latin typeface="Cambria Math" panose="02040503050406030204" pitchFamily="18" charset="0"/>
-                      </a:rPr>
-                      <m:t>необъясненные</m:t>
-                    </m:r>
-                    <m:r>
-                      <m:rPr>
-                        <m:nor/>
-                      </m:rPr>
-                      <a:rPr lang="ru-RU" sz="2000" i="1" dirty="0">
-                        <a:latin typeface="Cambria Math" panose="02040503050406030204" pitchFamily="18" charset="0"/>
-                      </a:rPr>
-                      <m:t> значения </m:t>
-                    </m:r>
-                    <m:r>
-                      <m:rPr>
-                        <m:nor/>
-                      </m:rPr>
-                      <a:rPr lang="ru-RU" sz="2000" b="0" i="1" dirty="0" smtClean="0">
-                        <a:latin typeface="Cambria Math" panose="02040503050406030204" pitchFamily="18" charset="0"/>
-                      </a:rPr>
-                      <m:t> </m:t>
-                    </m:r>
-                  </m:oMath>
-                </a14:m>
-                <a:endParaRPr lang="ru-RU" sz="2000" i="1" dirty="0">
-                  <a:latin typeface="Cambria Math" panose="02040503050406030204" pitchFamily="18" charset="0"/>
-                </a:endParaRPr>
-              </a:p>
-              <a:p>
-                <a:pPr marL="971550" lvl="1" indent="-514350">
-                  <a:buFont typeface="+mj-lt"/>
-                  <a:buAutoNum type="arabicPeriod"/>
-                </a:pPr>
-                <a14:m>
-                  <m:oMath xmlns:m="http://schemas.openxmlformats.org/officeDocument/2006/math">
-                    <m:r>
-                      <a:rPr lang="ru-RU" b="0" i="1" smtClean="0">
-                        <a:latin typeface="Cambria Math" panose="02040503050406030204" pitchFamily="18" charset="0"/>
-                      </a:rPr>
-                      <m:t>Объясненные значения</m:t>
-                    </m:r>
-                  </m:oMath>
-                </a14:m>
-                <a:endParaRPr lang="ru-RU" dirty="0"/>
-              </a:p>
-            </p:txBody>
-          </p:sp>
-        </mc:Choice>
-        <mc:Fallback xmlns="">
-          <p:sp>
-            <p:nvSpPr>
-              <p:cNvPr id="3" name="Объект 2">
-                <a:extLst>
-                  <a:ext uri="{FF2B5EF4-FFF2-40B4-BE49-F238E27FC236}">
-                    <a16:creationId xmlns:a16="http://schemas.microsoft.com/office/drawing/2014/main" id="{BE421393-E6D9-4C04-F323-217F01E33B93}"/>
-                  </a:ext>
-                </a:extLst>
-              </p:cNvPr>
-              <p:cNvSpPr>
-                <a:spLocks noGrp="1" noRot="1" noChangeAspect="1" noMove="1" noResize="1" noEditPoints="1" noAdjustHandles="1" noChangeArrowheads="1" noChangeShapeType="1" noTextEdit="1"/>
-              </p:cNvSpPr>
-              <p:nvPr>
-                <p:ph idx="1"/>
-              </p:nvPr>
-            </p:nvSpPr>
-            <p:spPr>
-              <a:xfrm>
-                <a:off x="506506" y="1129096"/>
-                <a:ext cx="10515600" cy="5135887"/>
-              </a:xfrm>
-              <a:blipFill>
-                <a:blip r:embed="rId3"/>
-                <a:stretch>
-                  <a:fillRect l="-406" t="-1898" b="-712"/>
-                </a:stretch>
-              </a:blipFill>
-            </p:spPr>
-            <p:txBody>
-              <a:bodyPr/>
-              <a:lstStyle/>
-              <a:p>
-                <a:r>
-                  <a:rPr lang="ru-RU">
-                    <a:noFill/>
-                  </a:rPr>
-                  <a:t> </a:t>
-                </a:r>
-              </a:p>
-            </p:txBody>
-          </p:sp>
-        </mc:Fallback>
-      </mc:AlternateContent>
-    </p:spTree>
-    <p:extLst>
-      <p:ext uri="{BB962C8B-B14F-4D97-AF65-F5344CB8AC3E}">
-        <p14:creationId xmlns:p14="http://schemas.microsoft.com/office/powerpoint/2010/main" val="2439194558"/>
-      </p:ext>
-    </p:extLst>
-  </p:cSld>
-  <p:clrMapOvr>
-    <a:masterClrMapping/>
-  </p:clrMapOvr>
-  <p:timing>
-    <p:tnLst>
-      <p:par>
-        <p:cTn id="1" dur="indefinite" restart="never" nodeType="tmRoot"/>
-      </p:par>
-    </p:tnLst>
-  </p:timing>
-</p:sld>
-</file>
-
-<file path=ppt/slides/slide24.xml><?xml version="1.0" encoding="utf-8"?>
-<p:sld xmlns:a="http://schemas.openxmlformats.org/drawingml/2006/main" xmlns:r="http://schemas.openxmlformats.org/officeDocument/2006/relationships" xmlns:p="http://schemas.openxmlformats.org/presentationml/2006/main">
-  <p:cSld>
-    <p:spTree>
-      <p:nvGrpSpPr>
-        <p:cNvPr id="1" name=""/>
-        <p:cNvGrpSpPr/>
-        <p:nvPr/>
-      </p:nvGrpSpPr>
-      <p:grpSpPr>
-        <a:xfrm>
-          <a:off x="0" y="0"/>
-          <a:ext cx="0" cy="0"/>
-          <a:chOff x="0" y="0"/>
-          <a:chExt cx="0" cy="0"/>
-        </a:xfrm>
-      </p:grpSpPr>
-      <p:pic>
-        <p:nvPicPr>
-          <p:cNvPr id="1026" name="Picture 2" descr="Autoregressive Moving Average (ARMA): Sunspots data - statsmodels 0.15.0  (+49)">
-            <a:extLst>
-              <a:ext uri="{FF2B5EF4-FFF2-40B4-BE49-F238E27FC236}">
-                <a16:creationId xmlns:a16="http://schemas.microsoft.com/office/drawing/2014/main" id="{8283CEAA-E425-DA5A-EFD4-5BBE2D6AFA15}"/>
-              </a:ext>
-            </a:extLst>
-          </p:cNvPr>
-          <p:cNvPicPr>
-            <a:picLocks noChangeAspect="1" noChangeArrowheads="1"/>
-          </p:cNvPicPr>
-          <p:nvPr/>
-        </p:nvPicPr>
-        <p:blipFill>
-          <a:blip r:embed="rId3" cstate="hqprint">
-            <a:extLst>
-              <a:ext uri="{28A0092B-C50C-407E-A947-70E740481C1C}">
-                <a14:useLocalDpi xmlns:a14="http://schemas.microsoft.com/office/drawing/2010/main" val="0"/>
-              </a:ext>
-            </a:extLst>
-          </a:blip>
-          <a:srcRect/>
-          <a:stretch>
-            <a:fillRect/>
-          </a:stretch>
-        </p:blipFill>
-        <p:spPr bwMode="auto">
-          <a:xfrm>
-            <a:off x="9144792" y="5189163"/>
-            <a:ext cx="2013570" cy="1370509"/>
-          </a:xfrm>
-          <a:prstGeom prst="rect">
-            <a:avLst/>
-          </a:prstGeom>
-          <a:noFill/>
-          <a:extLst>
-            <a:ext uri="{909E8E84-426E-40DD-AFC4-6F175D3DCCD1}">
-              <a14:hiddenFill xmlns:a14="http://schemas.microsoft.com/office/drawing/2010/main">
-                <a:solidFill>
-                  <a:srgbClr val="FFFFFF"/>
-                </a:solidFill>
-              </a14:hiddenFill>
-            </a:ext>
-          </a:extLst>
-        </p:spPr>
-      </p:pic>
-      <p:pic>
-        <p:nvPicPr>
-          <p:cNvPr id="14" name="Picture 4" descr="graph">
-            <a:extLst>
-              <a:ext uri="{FF2B5EF4-FFF2-40B4-BE49-F238E27FC236}">
-                <a16:creationId xmlns:a16="http://schemas.microsoft.com/office/drawing/2014/main" id="{3E7E41C4-1E62-CB20-5591-52902CFB3BAD}"/>
-              </a:ext>
-            </a:extLst>
-          </p:cNvPr>
-          <p:cNvPicPr>
-            <a:picLocks noChangeAspect="1" noChangeArrowheads="1"/>
-          </p:cNvPicPr>
-          <p:nvPr/>
-        </p:nvPicPr>
-        <p:blipFill>
-          <a:blip r:embed="rId4">
-            <a:extLst>
-              <a:ext uri="{28A0092B-C50C-407E-A947-70E740481C1C}">
-                <a14:useLocalDpi xmlns:a14="http://schemas.microsoft.com/office/drawing/2010/main" val="0"/>
-              </a:ext>
-            </a:extLst>
-          </a:blip>
-          <a:srcRect/>
-          <a:stretch>
-            <a:fillRect/>
-          </a:stretch>
-        </p:blipFill>
-        <p:spPr bwMode="auto">
-          <a:xfrm>
-            <a:off x="898497" y="5391689"/>
-            <a:ext cx="1521493" cy="1485646"/>
-          </a:xfrm>
-          <a:prstGeom prst="rect">
-            <a:avLst/>
-          </a:prstGeom>
-          <a:noFill/>
-          <a:extLst>
-            <a:ext uri="{909E8E84-426E-40DD-AFC4-6F175D3DCCD1}">
-              <a14:hiddenFill xmlns:a14="http://schemas.microsoft.com/office/drawing/2010/main">
-                <a:solidFill>
-                  <a:srgbClr val="FFFFFF"/>
-                </a:solidFill>
-              </a14:hiddenFill>
-            </a:ext>
-          </a:extLst>
-        </p:spPr>
-      </p:pic>
-      <p:sp>
-        <p:nvSpPr>
-          <p:cNvPr id="2" name="Заголовок 1">
-            <a:extLst>
-              <a:ext uri="{FF2B5EF4-FFF2-40B4-BE49-F238E27FC236}">
-                <a16:creationId xmlns:a16="http://schemas.microsoft.com/office/drawing/2014/main" id="{E5E18C16-493F-C0F6-1226-B953C44BB2B9}"/>
-              </a:ext>
-            </a:extLst>
-          </p:cNvPr>
-          <p:cNvSpPr>
-            <a:spLocks noGrp="1"/>
-          </p:cNvSpPr>
-          <p:nvPr>
-            <p:ph type="title"/>
-          </p:nvPr>
-        </p:nvSpPr>
-        <p:spPr>
-          <a:xfrm>
-            <a:off x="398929" y="0"/>
-            <a:ext cx="10515600" cy="1325563"/>
-          </a:xfrm>
-        </p:spPr>
-        <p:txBody>
-          <a:bodyPr>
-            <a:normAutofit/>
-          </a:bodyPr>
-          <a:lstStyle/>
-          <a:p>
-            <a:r>
-              <a:rPr lang="ru-RU" sz="4800" b="1" dirty="0"/>
-              <a:t>Вопросы Продвинутые </a:t>
-            </a:r>
-            <a:r>
-              <a:rPr lang="en-US" sz="4800" b="1" dirty="0"/>
-              <a:t>(X)-</a:t>
-            </a:r>
-            <a:r>
-              <a:rPr lang="ru-RU" sz="4800" b="1" dirty="0"/>
-              <a:t>верно</a:t>
-            </a:r>
-          </a:p>
-        </p:txBody>
-      </p:sp>
-      <p:pic>
-        <p:nvPicPr>
-          <p:cNvPr id="15" name="Рисунок 14">
-            <a:extLst>
-              <a:ext uri="{FF2B5EF4-FFF2-40B4-BE49-F238E27FC236}">
-                <a16:creationId xmlns:a16="http://schemas.microsoft.com/office/drawing/2014/main" id="{6946DD37-0C5C-5C8F-F11D-88F1EE1D296B}"/>
-              </a:ext>
-            </a:extLst>
-          </p:cNvPr>
-          <p:cNvPicPr>
-            <a:picLocks noChangeAspect="1"/>
-          </p:cNvPicPr>
-          <p:nvPr/>
-        </p:nvPicPr>
-        <p:blipFill rotWithShape="1">
-          <a:blip r:embed="rId5"/>
-          <a:srcRect t="45470" r="6784" b="5299"/>
-          <a:stretch/>
-        </p:blipFill>
-        <p:spPr>
-          <a:xfrm>
-            <a:off x="3056218" y="5487491"/>
-            <a:ext cx="2409755" cy="1261131"/>
-          </a:xfrm>
-          <a:prstGeom prst="rect">
-            <a:avLst/>
-          </a:prstGeom>
-        </p:spPr>
-      </p:pic>
-      <mc:AlternateContent xmlns:mc="http://schemas.openxmlformats.org/markup-compatibility/2006" xmlns:a14="http://schemas.microsoft.com/office/drawing/2010/main">
-        <mc:Choice Requires="a14">
-          <p:sp>
-            <p:nvSpPr>
-              <p:cNvPr id="3" name="Объект 2">
-                <a:extLst>
-                  <a:ext uri="{FF2B5EF4-FFF2-40B4-BE49-F238E27FC236}">
-                    <a16:creationId xmlns:a16="http://schemas.microsoft.com/office/drawing/2014/main" id="{BE421393-E6D9-4C04-F323-217F01E33B93}"/>
-                  </a:ext>
-                </a:extLst>
-              </p:cNvPr>
-              <p:cNvSpPr>
-                <a:spLocks noGrp="1"/>
-              </p:cNvSpPr>
-              <p:nvPr>
-                <p:ph idx="1"/>
-              </p:nvPr>
-            </p:nvSpPr>
-            <p:spPr>
-              <a:xfrm>
-                <a:off x="398928" y="1075308"/>
-                <a:ext cx="11282083" cy="4429395"/>
-              </a:xfrm>
-            </p:spPr>
-            <p:txBody>
-              <a:bodyPr>
-                <a:normAutofit fontScale="40000" lnSpcReduction="20000"/>
-              </a:bodyPr>
-              <a:lstStyle/>
-              <a:p>
-                <a:pPr>
-                  <a:lnSpc>
-                    <a:spcPct val="120000"/>
-                  </a:lnSpc>
-                  <a:spcBef>
-                    <a:spcPts val="0"/>
-                  </a:spcBef>
-                </a:pPr>
-                <a:r>
-                  <a:rPr lang="ru-RU" sz="2300" b="1" dirty="0">
-                    <a:ea typeface="Calibri" panose="020F0502020204030204" pitchFamily="34" charset="0"/>
-                    <a:cs typeface="Times New Roman" panose="02020603050405020304" pitchFamily="18" charset="0"/>
-                  </a:rPr>
-                  <a:t>Выберите </a:t>
-                </a:r>
-                <a:r>
-                  <a:rPr lang="en-US" sz="2300" b="1" dirty="0" err="1">
-                    <a:ea typeface="Calibri" panose="020F0502020204030204" pitchFamily="34" charset="0"/>
-                    <a:cs typeface="Times New Roman" panose="02020603050405020304" pitchFamily="18" charset="0"/>
-                  </a:rPr>
-                  <a:t>пра</a:t>
-                </a:r>
-                <a:r>
-                  <a:rPr lang="ru-RU" sz="2300" b="1" dirty="0">
-                    <a:ea typeface="Calibri" panose="020F0502020204030204" pitchFamily="34" charset="0"/>
-                    <a:cs typeface="Times New Roman" panose="02020603050405020304" pitchFamily="18" charset="0"/>
-                  </a:rPr>
-                  <a:t>вильные утверждения относительно </a:t>
-                </a:r>
-                <a:r>
-                  <a:rPr lang="en-US" sz="2300" b="1" dirty="0">
-                    <a:ea typeface="Calibri" panose="020F0502020204030204" pitchFamily="34" charset="0"/>
-                    <a:cs typeface="Times New Roman" panose="02020603050405020304" pitchFamily="18" charset="0"/>
-                  </a:rPr>
-                  <a:t>ARMA </a:t>
-                </a:r>
-                <a:r>
-                  <a:rPr lang="ru-RU" sz="2300" b="1" dirty="0">
-                    <a:ea typeface="Calibri" panose="020F0502020204030204" pitchFamily="34" charset="0"/>
-                    <a:cs typeface="Times New Roman" panose="02020603050405020304" pitchFamily="18" charset="0"/>
-                  </a:rPr>
-                  <a:t>процесса</a:t>
-                </a:r>
-              </a:p>
-              <a:p>
-                <a:pPr marL="971550" lvl="1" indent="-514350">
-                  <a:lnSpc>
-                    <a:spcPct val="120000"/>
-                  </a:lnSpc>
-                  <a:spcBef>
-                    <a:spcPts val="0"/>
-                  </a:spcBef>
-                  <a:buFont typeface="+mj-lt"/>
-                  <a:buAutoNum type="arabicPeriod"/>
-                </a:pPr>
-                <a:r>
-                  <a:rPr lang="ru-RU" dirty="0">
-                    <a:cs typeface="Times New Roman" panose="02020603050405020304" pitchFamily="18" charset="0"/>
-                  </a:rPr>
-                  <a:t>З</a:t>
-                </a:r>
-                <a:r>
-                  <a:rPr lang="en-US" dirty="0" err="1">
-                    <a:cs typeface="Times New Roman" panose="02020603050405020304" pitchFamily="18" charset="0"/>
-                  </a:rPr>
-                  <a:t>на</a:t>
-                </a:r>
-                <a:r>
-                  <a:rPr lang="ru-RU" dirty="0" err="1">
-                    <a:cs typeface="Times New Roman" panose="02020603050405020304" pitchFamily="18" charset="0"/>
-                  </a:rPr>
-                  <a:t>чения</a:t>
-                </a:r>
-                <a:r>
-                  <a:rPr lang="ru-RU" dirty="0">
-                    <a:cs typeface="Times New Roman" panose="02020603050405020304" pitchFamily="18" charset="0"/>
-                  </a:rPr>
-                  <a:t> лага зависят от ряда его предыдущих значений (х)</a:t>
-                </a:r>
-              </a:p>
-              <a:p>
-                <a:pPr marL="971550" lvl="1" indent="-514350">
-                  <a:lnSpc>
-                    <a:spcPct val="120000"/>
-                  </a:lnSpc>
-                  <a:spcBef>
-                    <a:spcPts val="0"/>
-                  </a:spcBef>
-                  <a:buFont typeface="+mj-lt"/>
-                  <a:buAutoNum type="arabicPeriod"/>
-                </a:pPr>
-                <a:r>
-                  <a:rPr lang="ru-RU" dirty="0">
-                    <a:cs typeface="Times New Roman" panose="02020603050405020304" pitchFamily="18" charset="0"/>
-                  </a:rPr>
-                  <a:t>З</a:t>
-                </a:r>
-                <a:r>
-                  <a:rPr lang="en-US" dirty="0" err="1">
-                    <a:cs typeface="Times New Roman" panose="02020603050405020304" pitchFamily="18" charset="0"/>
-                  </a:rPr>
-                  <a:t>на</a:t>
-                </a:r>
-                <a:r>
-                  <a:rPr lang="ru-RU" dirty="0" err="1">
-                    <a:cs typeface="Times New Roman" panose="02020603050405020304" pitchFamily="18" charset="0"/>
-                  </a:rPr>
-                  <a:t>чения</a:t>
-                </a:r>
-                <a:r>
-                  <a:rPr lang="ru-RU" dirty="0">
-                    <a:cs typeface="Times New Roman" panose="02020603050405020304" pitchFamily="18" charset="0"/>
-                  </a:rPr>
-                  <a:t> лага зависят от ряда возмущений его предыдущих значений (х)</a:t>
-                </a:r>
-              </a:p>
-              <a:p>
-                <a:pPr marL="971550" lvl="1" indent="-514350">
-                  <a:lnSpc>
-                    <a:spcPct val="120000"/>
-                  </a:lnSpc>
-                  <a:spcBef>
-                    <a:spcPts val="0"/>
-                  </a:spcBef>
-                  <a:buFont typeface="+mj-lt"/>
-                  <a:buAutoNum type="arabicPeriod"/>
-                </a:pPr>
-                <a:r>
-                  <a:rPr lang="ru-RU" dirty="0">
-                    <a:cs typeface="Times New Roman" panose="02020603050405020304" pitchFamily="18" charset="0"/>
-                  </a:rPr>
-                  <a:t>З</a:t>
-                </a:r>
-                <a:r>
-                  <a:rPr lang="en-US" dirty="0" err="1">
-                    <a:cs typeface="Times New Roman" panose="02020603050405020304" pitchFamily="18" charset="0"/>
-                  </a:rPr>
-                  <a:t>на</a:t>
-                </a:r>
-                <a:r>
-                  <a:rPr lang="ru-RU" dirty="0" err="1">
-                    <a:cs typeface="Times New Roman" panose="02020603050405020304" pitchFamily="18" charset="0"/>
-                  </a:rPr>
-                  <a:t>чения</a:t>
-                </a:r>
-                <a:r>
-                  <a:rPr lang="ru-RU" dirty="0">
-                    <a:cs typeface="Times New Roman" panose="02020603050405020304" pitchFamily="18" charset="0"/>
-                  </a:rPr>
-                  <a:t> лага зависят от производной его возмущений</a:t>
-                </a:r>
-              </a:p>
-              <a:p>
-                <a:pPr marL="971550" lvl="1" indent="-514350">
-                  <a:lnSpc>
-                    <a:spcPct val="120000"/>
-                  </a:lnSpc>
-                  <a:spcBef>
-                    <a:spcPts val="0"/>
-                  </a:spcBef>
-                  <a:buFont typeface="+mj-lt"/>
-                  <a:buAutoNum type="arabicPeriod"/>
-                </a:pPr>
-                <a:r>
-                  <a:rPr lang="ru-RU" dirty="0">
-                    <a:cs typeface="Times New Roman" panose="02020603050405020304" pitchFamily="18" charset="0"/>
-                  </a:rPr>
-                  <a:t>З</a:t>
-                </a:r>
-                <a:r>
-                  <a:rPr lang="en-US" dirty="0" err="1">
-                    <a:cs typeface="Times New Roman" panose="02020603050405020304" pitchFamily="18" charset="0"/>
-                  </a:rPr>
-                  <a:t>на</a:t>
-                </a:r>
-                <a:r>
-                  <a:rPr lang="ru-RU" dirty="0" err="1">
-                    <a:cs typeface="Times New Roman" panose="02020603050405020304" pitchFamily="18" charset="0"/>
-                  </a:rPr>
-                  <a:t>чения</a:t>
-                </a:r>
-                <a:r>
-                  <a:rPr lang="ru-RU" dirty="0">
-                    <a:cs typeface="Times New Roman" panose="02020603050405020304" pitchFamily="18" charset="0"/>
-                  </a:rPr>
-                  <a:t> лага зависят от произведения его предыдущих возмущений</a:t>
-                </a:r>
-              </a:p>
-              <a:p>
-                <a:pPr marL="971550" lvl="1" indent="-514350">
-                  <a:lnSpc>
-                    <a:spcPct val="120000"/>
-                  </a:lnSpc>
-                  <a:spcBef>
-                    <a:spcPts val="0"/>
-                  </a:spcBef>
-                  <a:buFont typeface="+mj-lt"/>
-                  <a:buAutoNum type="arabicPeriod"/>
-                </a:pPr>
-                <a:r>
-                  <a:rPr lang="ru-RU" dirty="0">
-                    <a:cs typeface="Times New Roman" panose="02020603050405020304" pitchFamily="18" charset="0"/>
-                  </a:rPr>
-                  <a:t>З</a:t>
-                </a:r>
-                <a:r>
-                  <a:rPr lang="en-US" dirty="0" err="1">
-                    <a:cs typeface="Times New Roman" panose="02020603050405020304" pitchFamily="18" charset="0"/>
-                  </a:rPr>
-                  <a:t>на</a:t>
-                </a:r>
-                <a:r>
-                  <a:rPr lang="ru-RU" dirty="0" err="1">
-                    <a:cs typeface="Times New Roman" panose="02020603050405020304" pitchFamily="18" charset="0"/>
-                  </a:rPr>
-                  <a:t>чения</a:t>
-                </a:r>
-                <a:r>
-                  <a:rPr lang="ru-RU" dirty="0">
-                    <a:cs typeface="Times New Roman" panose="02020603050405020304" pitchFamily="18" charset="0"/>
-                  </a:rPr>
-                  <a:t> лага зависят от дисперсии его предыдущих значений </a:t>
-                </a:r>
-              </a:p>
-              <a:p>
-                <a:pPr>
-                  <a:lnSpc>
-                    <a:spcPct val="120000"/>
-                  </a:lnSpc>
-                  <a:spcBef>
-                    <a:spcPts val="0"/>
-                  </a:spcBef>
-                </a:pPr>
-                <a:r>
-                  <a:rPr lang="ru-RU" sz="2300" b="1" dirty="0">
-                    <a:ea typeface="Calibri" panose="020F0502020204030204" pitchFamily="34" charset="0"/>
-                    <a:cs typeface="Times New Roman" panose="02020603050405020304" pitchFamily="18" charset="0"/>
-                  </a:rPr>
-                  <a:t>Выберите </a:t>
-                </a:r>
-                <a:r>
-                  <a:rPr lang="en-US" sz="2300" b="1" dirty="0" err="1">
-                    <a:ea typeface="Calibri" panose="020F0502020204030204" pitchFamily="34" charset="0"/>
-                    <a:cs typeface="Times New Roman" panose="02020603050405020304" pitchFamily="18" charset="0"/>
-                  </a:rPr>
-                  <a:t>пра</a:t>
-                </a:r>
-                <a:r>
-                  <a:rPr lang="ru-RU" sz="2300" b="1" dirty="0">
-                    <a:ea typeface="Calibri" panose="020F0502020204030204" pitchFamily="34" charset="0"/>
-                    <a:cs typeface="Times New Roman" panose="02020603050405020304" pitchFamily="18" charset="0"/>
-                  </a:rPr>
-                  <a:t>вильные утверждения относительно информационного критерия оценки значений </a:t>
-                </a:r>
-                <a:r>
-                  <a:rPr lang="en-US" sz="2300" b="1" dirty="0">
-                    <a:ea typeface="Calibri" panose="020F0502020204030204" pitchFamily="34" charset="0"/>
-                    <a:cs typeface="Times New Roman" panose="02020603050405020304" pitchFamily="18" charset="0"/>
-                  </a:rPr>
-                  <a:t>ARMA </a:t>
-                </a:r>
-                <a:r>
-                  <a:rPr lang="ru-RU" sz="2300" b="1" dirty="0">
-                    <a:ea typeface="Calibri" panose="020F0502020204030204" pitchFamily="34" charset="0"/>
-                    <a:cs typeface="Times New Roman" panose="02020603050405020304" pitchFamily="18" charset="0"/>
-                  </a:rPr>
-                  <a:t>процесса - </a:t>
-                </a:r>
-                <a:r>
-                  <a:rPr lang="ru-RU" sz="2400" dirty="0">
-                    <a:cs typeface="Times New Roman" panose="02020603050405020304" pitchFamily="18" charset="0"/>
-                  </a:rPr>
-                  <a:t>Критерий</a:t>
-                </a:r>
-                <a:endParaRPr lang="ru-RU" sz="2300" b="1" dirty="0">
-                  <a:ea typeface="Calibri" panose="020F0502020204030204" pitchFamily="34" charset="0"/>
-                  <a:cs typeface="Times New Roman" panose="02020603050405020304" pitchFamily="18" charset="0"/>
-                </a:endParaRPr>
-              </a:p>
-              <a:p>
-                <a:pPr marL="971550" lvl="1" indent="-514350">
-                  <a:lnSpc>
-                    <a:spcPct val="120000"/>
-                  </a:lnSpc>
-                  <a:spcBef>
-                    <a:spcPts val="0"/>
-                  </a:spcBef>
-                  <a:buFont typeface="+mj-lt"/>
-                  <a:buAutoNum type="arabicPeriod"/>
-                </a:pPr>
-                <a:r>
-                  <a:rPr lang="ru-RU" dirty="0">
-                    <a:cs typeface="Times New Roman" panose="02020603050405020304" pitchFamily="18" charset="0"/>
-                  </a:rPr>
-                  <a:t>штрафует как за большую ошибку, так и за большие порядки модели (х)</a:t>
-                </a:r>
-              </a:p>
-              <a:p>
-                <a:pPr marL="971550" lvl="1" indent="-514350">
-                  <a:lnSpc>
-                    <a:spcPct val="120000"/>
-                  </a:lnSpc>
-                  <a:spcBef>
-                    <a:spcPts val="0"/>
-                  </a:spcBef>
-                  <a:buFont typeface="+mj-lt"/>
-                  <a:buAutoNum type="arabicPeriod"/>
-                </a:pPr>
-                <a:r>
-                  <a:rPr lang="ru-RU" dirty="0">
-                    <a:cs typeface="Times New Roman" panose="02020603050405020304" pitchFamily="18" charset="0"/>
-                  </a:rPr>
-                  <a:t>Позволяет решить мини-</a:t>
-                </a:r>
-                <a:r>
-                  <a:rPr lang="ru-RU" dirty="0" err="1">
-                    <a:cs typeface="Times New Roman" panose="02020603050405020304" pitchFamily="18" charset="0"/>
-                  </a:rPr>
-                  <a:t>максную</a:t>
-                </a:r>
-                <a:r>
-                  <a:rPr lang="ru-RU" dirty="0">
-                    <a:cs typeface="Times New Roman" panose="02020603050405020304" pitchFamily="18" charset="0"/>
-                  </a:rPr>
-                  <a:t> задачу оптимизации (х)</a:t>
-                </a:r>
-              </a:p>
-              <a:p>
-                <a:pPr marL="971550" lvl="1" indent="-514350">
-                  <a:lnSpc>
-                    <a:spcPct val="120000"/>
-                  </a:lnSpc>
-                  <a:spcBef>
-                    <a:spcPts val="0"/>
-                  </a:spcBef>
-                  <a:buFont typeface="+mj-lt"/>
-                  <a:buAutoNum type="arabicPeriod"/>
-                </a:pPr>
-                <a:r>
-                  <a:rPr lang="ru-RU" dirty="0">
-                    <a:cs typeface="Times New Roman" panose="02020603050405020304" pitchFamily="18" charset="0"/>
-                  </a:rPr>
-                  <a:t>Штрафует за высокую объясненную дисперсию результата</a:t>
-                </a:r>
-              </a:p>
-              <a:p>
-                <a:pPr marL="971550" lvl="1" indent="-514350">
-                  <a:lnSpc>
-                    <a:spcPct val="120000"/>
-                  </a:lnSpc>
-                  <a:spcBef>
-                    <a:spcPts val="0"/>
-                  </a:spcBef>
-                  <a:buFont typeface="+mj-lt"/>
-                  <a:buAutoNum type="arabicPeriod"/>
-                </a:pPr>
-                <a:r>
-                  <a:rPr lang="ru-RU" dirty="0">
-                    <a:cs typeface="Times New Roman" panose="02020603050405020304" pitchFamily="18" charset="0"/>
-                  </a:rPr>
-                  <a:t>Позволяет решить задачу итерационно</a:t>
-                </a:r>
-              </a:p>
-              <a:p>
-                <a:pPr marL="971550" lvl="1" indent="-514350">
-                  <a:lnSpc>
-                    <a:spcPct val="120000"/>
-                  </a:lnSpc>
-                  <a:spcBef>
-                    <a:spcPts val="0"/>
-                  </a:spcBef>
-                  <a:buFont typeface="+mj-lt"/>
-                  <a:buAutoNum type="arabicPeriod"/>
-                </a:pPr>
-                <a:r>
-                  <a:rPr lang="ru-RU" dirty="0">
-                    <a:cs typeface="Times New Roman" panose="02020603050405020304" pitchFamily="18" charset="0"/>
-                  </a:rPr>
-                  <a:t>Позволяет решить задачу на гладком рельефе функции потерь</a:t>
-                </a:r>
-              </a:p>
-              <a:p>
-                <a:pPr marL="233363" lvl="1" indent="-233363">
-                  <a:lnSpc>
-                    <a:spcPct val="120000"/>
-                  </a:lnSpc>
-                  <a:spcBef>
-                    <a:spcPts val="0"/>
-                  </a:spcBef>
-                </a:pPr>
-                <a:r>
-                  <a:rPr lang="ru-RU" sz="2300" b="1" dirty="0">
-                    <a:ea typeface="Calibri" panose="020F0502020204030204" pitchFamily="34" charset="0"/>
-                    <a:cs typeface="Times New Roman" panose="02020603050405020304" pitchFamily="18" charset="0"/>
-                  </a:rPr>
-                  <a:t>Графики ACF</a:t>
-                </a:r>
-                <a:r>
-                  <a:rPr lang="en-US" sz="2300" b="1" dirty="0">
-                    <a:ea typeface="Calibri" panose="020F0502020204030204" pitchFamily="34" charset="0"/>
-                    <a:cs typeface="Times New Roman" panose="02020603050405020304" pitchFamily="18" charset="0"/>
-                  </a:rPr>
-                  <a:t> </a:t>
-                </a:r>
-                <a:r>
-                  <a:rPr lang="ru-RU" sz="2300" b="1" dirty="0">
-                    <a:ea typeface="Calibri" panose="020F0502020204030204" pitchFamily="34" charset="0"/>
-                    <a:cs typeface="Times New Roman" panose="02020603050405020304" pitchFamily="18" charset="0"/>
-                  </a:rPr>
-                  <a:t>и PACF</a:t>
-                </a:r>
-                <a:r>
-                  <a:rPr lang="en-US" sz="2300" b="1" dirty="0">
-                    <a:ea typeface="Calibri" panose="020F0502020204030204" pitchFamily="34" charset="0"/>
-                    <a:cs typeface="Times New Roman" panose="02020603050405020304" pitchFamily="18" charset="0"/>
-                  </a:rPr>
-                  <a:t> </a:t>
-                </a:r>
-                <a:r>
-                  <a:rPr lang="ru-RU" sz="2300" b="1" dirty="0">
-                    <a:ea typeface="Calibri" panose="020F0502020204030204" pitchFamily="34" charset="0"/>
-                    <a:cs typeface="Times New Roman" panose="02020603050405020304" pitchFamily="18" charset="0"/>
-                  </a:rPr>
-                  <a:t>имеют</a:t>
-                </a:r>
-                <a:r>
-                  <a:rPr lang="en-US" sz="2300" b="1" dirty="0">
-                    <a:ea typeface="Calibri" panose="020F0502020204030204" pitchFamily="34" charset="0"/>
-                    <a:cs typeface="Times New Roman" panose="02020603050405020304" pitchFamily="18" charset="0"/>
-                  </a:rPr>
-                  <a:t> </a:t>
-                </a:r>
-                <a:r>
-                  <a:rPr lang="ru-RU" sz="2300" b="1" dirty="0">
-                    <a:ea typeface="Calibri" panose="020F0502020204030204" pitchFamily="34" charset="0"/>
-                    <a:cs typeface="Times New Roman" panose="02020603050405020304" pitchFamily="18" charset="0"/>
-                  </a:rPr>
-                  <a:t>соответственно </a:t>
-                </a:r>
-                <a:r>
-                  <a:rPr lang="en-US" sz="2300" b="1" dirty="0">
-                    <a:ea typeface="Calibri" panose="020F0502020204030204" pitchFamily="34" charset="0"/>
-                    <a:cs typeface="Times New Roman" panose="02020603050405020304" pitchFamily="18" charset="0"/>
-                  </a:rPr>
-                  <a:t>x</a:t>
-                </a:r>
-                <a:r>
-                  <a:rPr lang="ru-RU" sz="2300" b="1" dirty="0">
-                    <a:ea typeface="Calibri" panose="020F0502020204030204" pitchFamily="34" charset="0"/>
-                    <a:cs typeface="Times New Roman" panose="02020603050405020304" pitchFamily="18" charset="0"/>
-                  </a:rPr>
-                  <a:t> и </a:t>
-                </a:r>
-                <a:r>
-                  <a:rPr lang="en-US" sz="2300" b="1" dirty="0">
-                    <a:ea typeface="Calibri" panose="020F0502020204030204" pitchFamily="34" charset="0"/>
-                    <a:cs typeface="Times New Roman" panose="02020603050405020304" pitchFamily="18" charset="0"/>
-                  </a:rPr>
-                  <a:t>y</a:t>
-                </a:r>
-                <a:r>
-                  <a:rPr lang="ru-RU" sz="2300" b="1" dirty="0">
-                    <a:ea typeface="Calibri" panose="020F0502020204030204" pitchFamily="34" charset="0"/>
-                    <a:cs typeface="Times New Roman" panose="02020603050405020304" pitchFamily="18" charset="0"/>
-                  </a:rPr>
-                  <a:t> ненулевых лагов. Какой порядок </a:t>
-                </a:r>
-                <a:r>
-                  <a:rPr lang="ru-RU" sz="2300" b="1" dirty="0" err="1">
-                    <a:ea typeface="Calibri" panose="020F0502020204030204" pitchFamily="34" charset="0"/>
-                    <a:cs typeface="Times New Roman" panose="02020603050405020304" pitchFamily="18" charset="0"/>
-                  </a:rPr>
-                  <a:t>авторегрессионной</a:t>
-                </a:r>
-                <a:r>
-                  <a:rPr lang="ru-RU" sz="2300" b="1" dirty="0">
-                    <a:ea typeface="Calibri" panose="020F0502020204030204" pitchFamily="34" charset="0"/>
-                    <a:cs typeface="Times New Roman" panose="02020603050405020304" pitchFamily="18" charset="0"/>
-                  </a:rPr>
-                  <a:t> части и части скользящего среднего нужно выбрать в качестве начальных значений</a:t>
-                </a:r>
-              </a:p>
-              <a:p>
-                <a:pPr marL="457200" lvl="2" indent="0">
-                  <a:lnSpc>
-                    <a:spcPct val="120000"/>
-                  </a:lnSpc>
-                  <a:spcBef>
-                    <a:spcPts val="0"/>
-                  </a:spcBef>
-                  <a:buNone/>
-                </a:pPr>
-                <a:r>
-                  <a:rPr lang="en-US" sz="1900" b="1" dirty="0">
-                    <a:ea typeface="Calibri" panose="020F0502020204030204" pitchFamily="34" charset="0"/>
-                    <a:cs typeface="Times New Roman" panose="02020603050405020304" pitchFamily="18" charset="0"/>
-                  </a:rPr>
-                  <a:t>	</a:t>
-                </a:r>
-                <a:r>
-                  <a:rPr lang="ru-RU" sz="1900" i="1" dirty="0">
-                    <a:ea typeface="Calibri" panose="020F0502020204030204" pitchFamily="34" charset="0"/>
-                    <a:cs typeface="Times New Roman" panose="02020603050405020304" pitchFamily="18" charset="0"/>
-                  </a:rPr>
-                  <a:t>Ответ </a:t>
-                </a:r>
-                <a:r>
-                  <a:rPr lang="ru-RU" sz="1900" i="1" dirty="0" err="1">
-                    <a:ea typeface="Calibri" panose="020F0502020204030204" pitchFamily="34" charset="0"/>
-                    <a:cs typeface="Times New Roman" panose="02020603050405020304" pitchFamily="18" charset="0"/>
-                  </a:rPr>
-                  <a:t>y</a:t>
-                </a:r>
-                <a:r>
-                  <a:rPr lang="en-US" sz="1900" i="1" dirty="0">
-                    <a:ea typeface="Calibri" panose="020F0502020204030204" pitchFamily="34" charset="0"/>
-                    <a:cs typeface="Times New Roman" panose="02020603050405020304" pitchFamily="18" charset="0"/>
-                  </a:rPr>
-                  <a:t> </a:t>
-                </a:r>
-                <a:r>
-                  <a:rPr lang="ru-RU" sz="1900" i="1" dirty="0">
-                    <a:ea typeface="Calibri" panose="020F0502020204030204" pitchFamily="34" charset="0"/>
-                    <a:cs typeface="Times New Roman" panose="02020603050405020304" pitchFamily="18" charset="0"/>
-                  </a:rPr>
-                  <a:t>и</a:t>
-                </a:r>
-                <a:r>
-                  <a:rPr lang="en-US" sz="1900" i="1" dirty="0">
-                    <a:ea typeface="Calibri" panose="020F0502020204030204" pitchFamily="34" charset="0"/>
-                    <a:cs typeface="Times New Roman" panose="02020603050405020304" pitchFamily="18" charset="0"/>
-                  </a:rPr>
-                  <a:t> x –</a:t>
-                </a:r>
-                <a:r>
-                  <a:rPr lang="ru-RU" sz="1900" i="1" dirty="0">
-                    <a:ea typeface="Calibri" panose="020F0502020204030204" pitchFamily="34" charset="0"/>
-                    <a:cs typeface="Times New Roman" panose="02020603050405020304" pitchFamily="18" charset="0"/>
-                  </a:rPr>
-                  <a:t> вопрос с открытым ответом </a:t>
-                </a:r>
-              </a:p>
-              <a:p>
-                <a:pPr>
-                  <a:lnSpc>
-                    <a:spcPct val="120000"/>
-                  </a:lnSpc>
-                  <a:spcBef>
-                    <a:spcPts val="0"/>
-                  </a:spcBef>
-                </a:pPr>
-                <a:r>
-                  <a:rPr lang="ru-RU" sz="2300" b="1" dirty="0">
-                    <a:ea typeface="Calibri" panose="020F0502020204030204" pitchFamily="34" charset="0"/>
-                    <a:cs typeface="Times New Roman" panose="02020603050405020304" pitchFamily="18" charset="0"/>
-                  </a:rPr>
-                  <a:t>Выберите </a:t>
-                </a:r>
-                <a:r>
-                  <a:rPr lang="en-US" sz="2300" b="1" dirty="0" err="1">
-                    <a:ea typeface="Calibri" panose="020F0502020204030204" pitchFamily="34" charset="0"/>
-                    <a:cs typeface="Times New Roman" panose="02020603050405020304" pitchFamily="18" charset="0"/>
-                  </a:rPr>
-                  <a:t>пра</a:t>
-                </a:r>
-                <a:r>
-                  <a:rPr lang="ru-RU" sz="2300" b="1" dirty="0">
-                    <a:ea typeface="Calibri" panose="020F0502020204030204" pitchFamily="34" charset="0"/>
-                    <a:cs typeface="Times New Roman" panose="02020603050405020304" pitchFamily="18" charset="0"/>
-                  </a:rPr>
-                  <a:t>вильные утверждения относительно настройки </a:t>
-                </a:r>
-                <a:r>
-                  <a:rPr lang="en-US" sz="2300" b="1" dirty="0">
-                    <a:ea typeface="Calibri" panose="020F0502020204030204" pitchFamily="34" charset="0"/>
-                    <a:cs typeface="Times New Roman" panose="02020603050405020304" pitchFamily="18" charset="0"/>
-                  </a:rPr>
-                  <a:t>ARMA </a:t>
-                </a:r>
-                <a:r>
-                  <a:rPr lang="ru-RU" sz="2300" b="1" dirty="0">
-                    <a:ea typeface="Calibri" panose="020F0502020204030204" pitchFamily="34" charset="0"/>
-                    <a:cs typeface="Times New Roman" panose="02020603050405020304" pitchFamily="18" charset="0"/>
-                  </a:rPr>
-                  <a:t>процесса</a:t>
-                </a:r>
-              </a:p>
-              <a:p>
-                <a:pPr marL="514350" indent="-514350">
-                  <a:lnSpc>
-                    <a:spcPct val="120000"/>
-                  </a:lnSpc>
-                  <a:spcBef>
-                    <a:spcPts val="0"/>
-                  </a:spcBef>
-                  <a:buFont typeface="+mj-lt"/>
-                  <a:buAutoNum type="arabicPeriod"/>
-                </a:pPr>
-                <a:r>
-                  <a:rPr lang="ru-RU" sz="1600" dirty="0"/>
-                  <a:t>Чем менее стационарен ряд, тем меньше горизонт точного прогнозирования </a:t>
-                </a:r>
-                <a:r>
-                  <a:rPr lang="en-US" sz="1600" dirty="0"/>
-                  <a:t>(x)</a:t>
-                </a:r>
-                <a:endParaRPr lang="ru-RU" sz="1600" dirty="0"/>
-              </a:p>
-              <a:p>
-                <a:pPr marL="514350" indent="-514350">
-                  <a:lnSpc>
-                    <a:spcPct val="120000"/>
-                  </a:lnSpc>
-                  <a:spcBef>
-                    <a:spcPts val="0"/>
-                  </a:spcBef>
-                  <a:buFont typeface="+mj-lt"/>
-                  <a:buAutoNum type="arabicPeriod"/>
-                </a:pPr>
-                <a:r>
-                  <a:rPr lang="ru-RU" sz="1600" dirty="0"/>
-                  <a:t>Варьирование параметров моделей с целью минимизации информационных критериев</a:t>
-                </a:r>
-                <a:r>
-                  <a:rPr lang="en-US" sz="1600" dirty="0"/>
-                  <a:t> (x)</a:t>
-                </a:r>
-              </a:p>
-              <a:p>
-                <a:pPr marL="514350" indent="-514350">
-                  <a:lnSpc>
-                    <a:spcPct val="120000"/>
-                  </a:lnSpc>
-                  <a:spcBef>
-                    <a:spcPts val="0"/>
-                  </a:spcBef>
-                  <a:buFont typeface="+mj-lt"/>
-                  <a:buAutoNum type="arabicPeriod"/>
-                </a:pPr>
-                <a:r>
-                  <a:rPr lang="ru-RU" sz="1600" dirty="0"/>
-                  <a:t>Проверка остатков для модели </a:t>
-                </a:r>
-                <a:r>
-                  <a:rPr lang="en-US" sz="1600" dirty="0"/>
-                  <a:t>(</a:t>
-                </a:r>
-                <a:r>
-                  <a:rPr lang="ru-RU" sz="1600" dirty="0"/>
-                  <a:t>на предмет стационарного БГШ</a:t>
-                </a:r>
-                <a:r>
-                  <a:rPr lang="en-US" sz="1600" dirty="0"/>
-                  <a:t>)</a:t>
-                </a:r>
-                <a:r>
-                  <a:rPr lang="ru-RU" sz="1600" dirty="0"/>
-                  <a:t> </a:t>
-                </a:r>
-                <a:r>
-                  <a:rPr lang="en-US" sz="1600" dirty="0"/>
-                  <a:t>(X)</a:t>
-                </a:r>
-                <a:r>
-                  <a:rPr lang="ru-RU" sz="1600" dirty="0"/>
-                  <a:t>.</a:t>
-                </a:r>
-                <a:endParaRPr lang="en-US" sz="1600" dirty="0"/>
-              </a:p>
-              <a:p>
-                <a:pPr marL="514350" indent="-514350">
-                  <a:lnSpc>
-                    <a:spcPct val="120000"/>
-                  </a:lnSpc>
-                  <a:spcBef>
-                    <a:spcPts val="0"/>
-                  </a:spcBef>
-                  <a:buFont typeface="+mj-lt"/>
-                  <a:buAutoNum type="arabicPeriod"/>
-                </a:pPr>
-                <a:r>
-                  <a:rPr lang="ru-RU" sz="1600" dirty="0" err="1"/>
-                  <a:t>Валидация</a:t>
-                </a:r>
-                <a:r>
-                  <a:rPr lang="ru-RU" sz="1600" dirty="0"/>
-                  <a:t>, проверка точности по известным метрикам</a:t>
-                </a:r>
-                <a:r>
-                  <a:rPr lang="en-US" sz="1600" dirty="0"/>
-                  <a:t> (x)</a:t>
-                </a:r>
-                <a:r>
-                  <a:rPr lang="ru-RU" sz="1600" dirty="0"/>
-                  <a:t>.</a:t>
-                </a:r>
-                <a:endParaRPr lang="en-US" sz="1600" dirty="0"/>
-              </a:p>
-              <a:p>
-                <a:pPr marL="514350" indent="-514350">
-                  <a:lnSpc>
-                    <a:spcPct val="120000"/>
-                  </a:lnSpc>
-                  <a:spcBef>
-                    <a:spcPts val="0"/>
-                  </a:spcBef>
-                  <a:buFont typeface="+mj-lt"/>
-                  <a:buAutoNum type="arabicPeriod"/>
-                </a:pPr>
-                <a:r>
-                  <a:rPr lang="ru-RU" sz="1600" dirty="0"/>
-                  <a:t>Выбор изначальных значений параметров модели по тестам на БГШ</a:t>
-                </a:r>
-              </a:p>
-              <a:p>
-                <a:pPr marL="514350" indent="-514350">
-                  <a:lnSpc>
-                    <a:spcPct val="120000"/>
-                  </a:lnSpc>
-                  <a:spcBef>
-                    <a:spcPts val="0"/>
-                  </a:spcBef>
-                  <a:buFont typeface="+mj-lt"/>
-                  <a:buAutoNum type="arabicPeriod"/>
-                </a:pPr>
-                <a:r>
-                  <a:rPr lang="ru-RU" sz="1600" dirty="0"/>
-                  <a:t>Варьирование параметров моделей с целью минимизации дисперсии полезной составляющей</a:t>
-                </a:r>
-              </a:p>
-              <a:p>
-                <a:pPr marL="514350" indent="-514350">
-                  <a:lnSpc>
-                    <a:spcPct val="120000"/>
-                  </a:lnSpc>
-                  <a:spcBef>
-                    <a:spcPts val="0"/>
-                  </a:spcBef>
-                  <a:buFont typeface="+mj-lt"/>
-                  <a:buAutoNum type="arabicPeriod"/>
-                </a:pPr>
-                <a:r>
-                  <a:rPr lang="ru-RU" sz="1600" dirty="0"/>
-                  <a:t>Проверка остатков для модели на предмет стационарности</a:t>
-                </a:r>
-              </a:p>
-              <a:p>
-                <a:pPr>
-                  <a:lnSpc>
-                    <a:spcPct val="120000"/>
-                  </a:lnSpc>
-                  <a:spcBef>
-                    <a:spcPts val="0"/>
-                  </a:spcBef>
-                </a:pPr>
-                <a:r>
-                  <a:rPr lang="ru-RU" dirty="0"/>
-                  <a:t>Обучено две модели, для одной </a:t>
-                </a:r>
-                <a14:m>
-                  <m:oMath xmlns:m="http://schemas.openxmlformats.org/officeDocument/2006/math">
-                    <m:r>
-                      <m:rPr>
-                        <m:sty m:val="p"/>
-                      </m:rPr>
-                      <a:rPr lang="en-US" i="1" dirty="0">
-                        <a:latin typeface="Cambria Math" panose="02040503050406030204" pitchFamily="18" charset="0"/>
-                      </a:rPr>
-                      <m:t>R</m:t>
-                    </m:r>
-                    <m:r>
-                      <a:rPr lang="en-US" i="1" dirty="0">
-                        <a:latin typeface="Cambria Math" panose="02040503050406030204" pitchFamily="18" charset="0"/>
-                      </a:rPr>
-                      <m:t>𝑆𝑆</m:t>
-                    </m:r>
-                    <m:r>
-                      <a:rPr lang="ru-RU" i="1">
-                        <a:latin typeface="Cambria Math" panose="02040503050406030204" pitchFamily="18" charset="0"/>
-                      </a:rPr>
-                      <m:t> </m:t>
-                    </m:r>
-                  </m:oMath>
-                </a14:m>
-                <a:r>
-                  <a:rPr lang="ru-RU" i="1" dirty="0">
-                    <a:latin typeface="Cambria Math" panose="02040503050406030204" pitchFamily="18" charset="0"/>
-                  </a:rPr>
-                  <a:t>=0.10, </a:t>
-                </a:r>
-                <a:r>
-                  <a:rPr lang="en-US" i="1" dirty="0">
-                    <a:latin typeface="Cambria Math" panose="02040503050406030204" pitchFamily="18" charset="0"/>
-                  </a:rPr>
-                  <a:t>p=</a:t>
-                </a:r>
-                <a:r>
-                  <a:rPr lang="ru-RU" i="1" dirty="0">
-                    <a:latin typeface="Cambria Math" panose="02040503050406030204" pitchFamily="18" charset="0"/>
-                  </a:rPr>
-                  <a:t>12</a:t>
-                </a:r>
-                <a:r>
-                  <a:rPr lang="en-US" i="1" dirty="0">
-                    <a:latin typeface="Cambria Math" panose="02040503050406030204" pitchFamily="18" charset="0"/>
-                  </a:rPr>
-                  <a:t>, q=1</a:t>
-                </a:r>
-                <a:r>
-                  <a:rPr lang="ru-RU" i="1" dirty="0">
-                    <a:latin typeface="Cambria Math" panose="02040503050406030204" pitchFamily="18" charset="0"/>
-                  </a:rPr>
-                  <a:t>3</a:t>
-                </a:r>
-                <a:r>
-                  <a:rPr lang="en-US" i="1" dirty="0">
-                    <a:latin typeface="Cambria Math" panose="02040503050406030204" pitchFamily="18" charset="0"/>
-                  </a:rPr>
-                  <a:t>, N=1000, </a:t>
-                </a:r>
-                <a:r>
-                  <a:rPr lang="ru-RU" i="1" dirty="0">
-                    <a:latin typeface="Cambria Math" panose="02040503050406030204" pitchFamily="18" charset="0"/>
-                  </a:rPr>
-                  <a:t>для второй </a:t>
-                </a:r>
-                <a14:m>
-                  <m:oMath xmlns:m="http://schemas.openxmlformats.org/officeDocument/2006/math">
-                    <m:r>
-                      <m:rPr>
-                        <m:sty m:val="p"/>
-                      </m:rPr>
-                      <a:rPr lang="en-US" i="1" dirty="0">
-                        <a:latin typeface="Cambria Math" panose="02040503050406030204" pitchFamily="18" charset="0"/>
-                      </a:rPr>
-                      <m:t>R</m:t>
-                    </m:r>
-                    <m:r>
-                      <a:rPr lang="en-US" i="1" dirty="0">
-                        <a:latin typeface="Cambria Math" panose="02040503050406030204" pitchFamily="18" charset="0"/>
-                      </a:rPr>
-                      <m:t>𝑆𝑆</m:t>
-                    </m:r>
-                    <m:r>
-                      <a:rPr lang="ru-RU" i="1">
-                        <a:latin typeface="Cambria Math" panose="02040503050406030204" pitchFamily="18" charset="0"/>
-                      </a:rPr>
-                      <m:t> </m:t>
-                    </m:r>
-                  </m:oMath>
-                </a14:m>
-                <a:r>
-                  <a:rPr lang="ru-RU" i="1" dirty="0">
-                    <a:latin typeface="Cambria Math" panose="02040503050406030204" pitchFamily="18" charset="0"/>
-                  </a:rPr>
-                  <a:t>=0.101, </a:t>
-                </a:r>
-                <a:r>
-                  <a:rPr lang="en-US" i="1" dirty="0">
-                    <a:latin typeface="Cambria Math" panose="02040503050406030204" pitchFamily="18" charset="0"/>
-                  </a:rPr>
-                  <a:t>p=</a:t>
-                </a:r>
-                <a:r>
-                  <a:rPr lang="ru-RU" i="1" dirty="0">
-                    <a:latin typeface="Cambria Math" panose="02040503050406030204" pitchFamily="18" charset="0"/>
-                  </a:rPr>
-                  <a:t>1</a:t>
-                </a:r>
-                <a:r>
-                  <a:rPr lang="en-US" i="1" dirty="0">
-                    <a:latin typeface="Cambria Math" panose="02040503050406030204" pitchFamily="18" charset="0"/>
-                  </a:rPr>
-                  <a:t>, q=</a:t>
-                </a:r>
-                <a:r>
-                  <a:rPr lang="ru-RU" i="1" dirty="0">
-                    <a:latin typeface="Cambria Math" panose="02040503050406030204" pitchFamily="18" charset="0"/>
-                  </a:rPr>
-                  <a:t>2</a:t>
-                </a:r>
-                <a:r>
-                  <a:rPr lang="en-US" i="1" dirty="0">
-                    <a:latin typeface="Cambria Math" panose="02040503050406030204" pitchFamily="18" charset="0"/>
-                  </a:rPr>
-                  <a:t>, N=1000</a:t>
-                </a:r>
-                <a:r>
-                  <a:rPr lang="ru-RU" i="1" dirty="0">
-                    <a:latin typeface="Cambria Math" panose="02040503050406030204" pitchFamily="18" charset="0"/>
-                  </a:rPr>
-                  <a:t>, какая модель лучше ответить 1 или 2 по критерию </a:t>
-                </a:r>
-                <a:r>
-                  <a:rPr lang="en-US" i="1" dirty="0">
-                    <a:latin typeface="Cambria Math" panose="02040503050406030204" pitchFamily="18" charset="0"/>
-                  </a:rPr>
-                  <a:t>AIC</a:t>
-                </a:r>
-                <a:endParaRPr lang="ru-RU" i="1" dirty="0">
-                  <a:latin typeface="Cambria Math" panose="02040503050406030204" pitchFamily="18" charset="0"/>
-                </a:endParaRPr>
-              </a:p>
-              <a:p>
-                <a:pPr>
-                  <a:lnSpc>
-                    <a:spcPct val="120000"/>
-                  </a:lnSpc>
-                  <a:spcBef>
-                    <a:spcPts val="0"/>
-                  </a:spcBef>
-                </a:pPr>
-                <a:r>
-                  <a:rPr lang="ru-RU" dirty="0"/>
-                  <a:t>Ответ – 2. </a:t>
-                </a:r>
-              </a:p>
-              <a:p>
-                <a:pPr lvl="1">
-                  <a:lnSpc>
-                    <a:spcPct val="120000"/>
-                  </a:lnSpc>
-                  <a:spcBef>
-                    <a:spcPts val="0"/>
-                  </a:spcBef>
-                </a:pPr>
-                <a:r>
-                  <a:rPr lang="ru-RU" dirty="0"/>
-                  <a:t>Ответ  считается по формуле </a:t>
-                </a:r>
-                <a14:m>
-                  <m:oMath xmlns:m="http://schemas.openxmlformats.org/officeDocument/2006/math">
-                    <m:r>
-                      <a:rPr lang="en-US" i="1">
-                        <a:latin typeface="Cambria Math" panose="02040503050406030204" pitchFamily="18" charset="0"/>
-                      </a:rPr>
-                      <m:t>𝐴𝐼𝐶</m:t>
-                    </m:r>
-                    <m:r>
-                      <a:rPr lang="en-US" i="1">
-                        <a:latin typeface="Cambria Math" panose="02040503050406030204" pitchFamily="18" charset="0"/>
-                      </a:rPr>
-                      <m:t>(</m:t>
-                    </m:r>
-                    <m:r>
-                      <a:rPr lang="en-US" i="1">
-                        <a:latin typeface="Cambria Math" panose="02040503050406030204" pitchFamily="18" charset="0"/>
-                      </a:rPr>
-                      <m:t>𝑘</m:t>
-                    </m:r>
-                    <m:r>
-                      <a:rPr lang="en-US" i="1">
-                        <a:latin typeface="Cambria Math" panose="02040503050406030204" pitchFamily="18" charset="0"/>
-                      </a:rPr>
-                      <m:t>)=</m:t>
-                    </m:r>
-                    <m:r>
-                      <a:rPr lang="en-US" i="1">
-                        <a:latin typeface="Cambria Math" panose="02040503050406030204" pitchFamily="18" charset="0"/>
-                      </a:rPr>
-                      <m:t>𝑙𝑛</m:t>
-                    </m:r>
-                    <m:sSup>
-                      <m:sSupPr>
-                        <m:ctrlPr>
-                          <a:rPr lang="en-US" i="1">
-                            <a:latin typeface="Cambria Math" panose="02040503050406030204" pitchFamily="18" charset="0"/>
-                          </a:rPr>
-                        </m:ctrlPr>
-                      </m:sSupPr>
-                      <m:e>
-                        <m:acc>
-                          <m:accPr>
-                            <m:chr m:val="̂"/>
-                            <m:ctrlPr>
-                              <a:rPr lang="en-US" i="1">
-                                <a:latin typeface="Cambria Math" panose="02040503050406030204" pitchFamily="18" charset="0"/>
-                              </a:rPr>
-                            </m:ctrlPr>
-                          </m:accPr>
-                          <m:e>
-                            <m:r>
-                              <a:rPr lang="en-US" i="1">
-                                <a:latin typeface="Cambria Math" panose="02040503050406030204" pitchFamily="18" charset="0"/>
-                              </a:rPr>
-                              <m:t>𝜎</m:t>
-                            </m:r>
-                          </m:e>
-                        </m:acc>
-                      </m:e>
-                      <m:sup>
-                        <m:r>
-                          <a:rPr lang="en-US" i="1">
-                            <a:latin typeface="Cambria Math" panose="02040503050406030204" pitchFamily="18" charset="0"/>
-                          </a:rPr>
-                          <m:t>2</m:t>
-                        </m:r>
-                      </m:sup>
-                    </m:sSup>
-                    <m:r>
-                      <a:rPr lang="en-US" i="1">
-                        <a:latin typeface="Cambria Math" panose="02040503050406030204" pitchFamily="18" charset="0"/>
-                      </a:rPr>
-                      <m:t>+2</m:t>
-                    </m:r>
-                    <m:f>
-                      <m:fPr>
-                        <m:ctrlPr>
-                          <a:rPr lang="en-US" i="1">
-                            <a:latin typeface="Cambria Math" panose="02040503050406030204" pitchFamily="18" charset="0"/>
-                          </a:rPr>
-                        </m:ctrlPr>
-                      </m:fPr>
-                      <m:num>
-                        <m:r>
-                          <a:rPr lang="en-US" i="1">
-                            <a:latin typeface="Cambria Math" panose="02040503050406030204" pitchFamily="18" charset="0"/>
-                          </a:rPr>
-                          <m:t>𝑘</m:t>
-                        </m:r>
-                      </m:num>
-                      <m:den>
-                        <m:r>
-                          <a:rPr lang="en-US" i="1">
-                            <a:latin typeface="Cambria Math" panose="02040503050406030204" pitchFamily="18" charset="0"/>
-                          </a:rPr>
-                          <m:t>𝑁</m:t>
-                        </m:r>
-                      </m:den>
-                    </m:f>
-                  </m:oMath>
-                </a14:m>
-                <a:r>
-                  <a:rPr lang="ru-RU" dirty="0"/>
-                  <a:t> нужно так . Чтобы у модели с большими параметрами был результат хуже</a:t>
-                </a:r>
-                <a:endParaRPr lang="en-US" dirty="0"/>
-              </a:p>
-              <a:p>
-                <a:pPr lvl="1">
-                  <a:lnSpc>
-                    <a:spcPct val="120000"/>
-                  </a:lnSpc>
-                  <a:spcBef>
-                    <a:spcPts val="0"/>
-                  </a:spcBef>
-                </a:pPr>
-                <a:r>
-                  <a:rPr lang="ru-RU" dirty="0"/>
-                  <a:t>Вместо критерия </a:t>
-                </a:r>
-                <a:r>
-                  <a:rPr lang="en-US" dirty="0"/>
-                  <a:t>AIC </a:t>
-                </a:r>
-                <a:r>
-                  <a:rPr lang="ru-RU" dirty="0"/>
-                  <a:t>можно сделать такой же вопрос по </a:t>
-                </a:r>
-                <a14:m>
-                  <m:oMath xmlns:m="http://schemas.openxmlformats.org/officeDocument/2006/math">
-                    <m:r>
-                      <a:rPr lang="en-US" i="1">
-                        <a:latin typeface="Cambria Math" panose="02040503050406030204" pitchFamily="18" charset="0"/>
-                      </a:rPr>
-                      <m:t>𝐵𝐼𝐶</m:t>
-                    </m:r>
-                    <m:r>
-                      <a:rPr lang="en-US" i="1">
-                        <a:latin typeface="Cambria Math" panose="02040503050406030204" pitchFamily="18" charset="0"/>
-                      </a:rPr>
-                      <m:t>(</m:t>
-                    </m:r>
-                    <m:r>
-                      <a:rPr lang="en-US" i="1">
-                        <a:latin typeface="Cambria Math" panose="02040503050406030204" pitchFamily="18" charset="0"/>
-                      </a:rPr>
-                      <m:t>𝑘</m:t>
-                    </m:r>
-                    <m:r>
-                      <a:rPr lang="en-US" i="1">
-                        <a:latin typeface="Cambria Math" panose="02040503050406030204" pitchFamily="18" charset="0"/>
-                      </a:rPr>
-                      <m:t>)=</m:t>
-                    </m:r>
-                    <m:r>
-                      <a:rPr lang="en-US" i="1">
-                        <a:latin typeface="Cambria Math" panose="02040503050406030204" pitchFamily="18" charset="0"/>
-                      </a:rPr>
-                      <m:t>𝑙𝑛</m:t>
-                    </m:r>
-                    <m:sSup>
-                      <m:sSupPr>
-                        <m:ctrlPr>
-                          <a:rPr lang="en-US" i="1">
-                            <a:latin typeface="Cambria Math" panose="02040503050406030204" pitchFamily="18" charset="0"/>
-                          </a:rPr>
-                        </m:ctrlPr>
-                      </m:sSupPr>
-                      <m:e>
-                        <m:acc>
-                          <m:accPr>
-                            <m:chr m:val="̂"/>
-                            <m:ctrlPr>
-                              <a:rPr lang="en-US" i="1">
-                                <a:latin typeface="Cambria Math" panose="02040503050406030204" pitchFamily="18" charset="0"/>
-                              </a:rPr>
-                            </m:ctrlPr>
-                          </m:accPr>
-                          <m:e>
-                            <m:r>
-                              <a:rPr lang="en-US" i="1">
-                                <a:latin typeface="Cambria Math" panose="02040503050406030204" pitchFamily="18" charset="0"/>
-                              </a:rPr>
-                              <m:t>𝜎</m:t>
-                            </m:r>
-                          </m:e>
-                        </m:acc>
-                      </m:e>
-                      <m:sup>
-                        <m:r>
-                          <a:rPr lang="en-US" i="1">
-                            <a:latin typeface="Cambria Math" panose="02040503050406030204" pitchFamily="18" charset="0"/>
-                          </a:rPr>
-                          <m:t>2</m:t>
-                        </m:r>
-                      </m:sup>
-                    </m:sSup>
-                    <m:r>
-                      <a:rPr lang="en-US" i="1">
-                        <a:latin typeface="Cambria Math" panose="02040503050406030204" pitchFamily="18" charset="0"/>
-                      </a:rPr>
-                      <m:t>+</m:t>
-                    </m:r>
-                    <m:f>
-                      <m:fPr>
-                        <m:ctrlPr>
-                          <a:rPr lang="en-US" i="1">
-                            <a:latin typeface="Cambria Math" panose="02040503050406030204" pitchFamily="18" charset="0"/>
-                          </a:rPr>
-                        </m:ctrlPr>
-                      </m:fPr>
-                      <m:num>
-                        <m:r>
-                          <a:rPr lang="en-US" i="1">
-                            <a:latin typeface="Cambria Math" panose="02040503050406030204" pitchFamily="18" charset="0"/>
-                          </a:rPr>
-                          <m:t>𝑘</m:t>
-                        </m:r>
-                      </m:num>
-                      <m:den>
-                        <m:r>
-                          <a:rPr lang="en-US" i="1">
-                            <a:latin typeface="Cambria Math" panose="02040503050406030204" pitchFamily="18" charset="0"/>
-                          </a:rPr>
-                          <m:t>𝑁</m:t>
-                        </m:r>
-                      </m:den>
-                    </m:f>
-                    <m:r>
-                      <a:rPr lang="en-US" i="1">
-                        <a:latin typeface="Cambria Math" panose="02040503050406030204" pitchFamily="18" charset="0"/>
-                      </a:rPr>
-                      <m:t>𝑙𝑛𝑁</m:t>
-                    </m:r>
-                  </m:oMath>
-                </a14:m>
-                <a:r>
-                  <a:rPr lang="en-US" dirty="0"/>
-                  <a:t> </a:t>
-                </a:r>
-                <a:r>
-                  <a:rPr lang="ru-RU" dirty="0"/>
-                  <a:t>или</a:t>
-                </a:r>
-                <a:br>
-                  <a:rPr lang="ru-RU" dirty="0"/>
-                </a:br>
-                <a:r>
-                  <a:rPr lang="ru-RU" dirty="0"/>
-                  <a:t> </a:t>
-                </a:r>
-                <a14:m>
-                  <m:oMath xmlns:m="http://schemas.openxmlformats.org/officeDocument/2006/math">
-                    <m:r>
-                      <a:rPr lang="en-US" i="1">
-                        <a:latin typeface="Cambria Math" panose="02040503050406030204" pitchFamily="18" charset="0"/>
-                      </a:rPr>
-                      <m:t>𝐴𝐼𝐶𝑐</m:t>
-                    </m:r>
-                    <m:r>
-                      <a:rPr lang="en-US" i="1">
-                        <a:latin typeface="Cambria Math" panose="02040503050406030204" pitchFamily="18" charset="0"/>
-                      </a:rPr>
-                      <m:t>=</m:t>
-                    </m:r>
-                    <m:r>
-                      <a:rPr lang="en-US" i="1">
-                        <a:latin typeface="Cambria Math" panose="02040503050406030204" pitchFamily="18" charset="0"/>
-                      </a:rPr>
-                      <m:t>𝐴𝐼𝐶</m:t>
-                    </m:r>
-                    <m:r>
-                      <a:rPr lang="en-US" i="1">
-                        <a:latin typeface="Cambria Math" panose="02040503050406030204" pitchFamily="18" charset="0"/>
-                      </a:rPr>
-                      <m:t>+</m:t>
-                    </m:r>
-                    <m:f>
-                      <m:fPr>
-                        <m:ctrlPr>
-                          <a:rPr lang="en-US" i="1">
-                            <a:latin typeface="Cambria Math" panose="02040503050406030204" pitchFamily="18" charset="0"/>
-                          </a:rPr>
-                        </m:ctrlPr>
-                      </m:fPr>
-                      <m:num>
-                        <m:r>
-                          <a:rPr lang="en-US" i="1">
-                            <a:latin typeface="Cambria Math" panose="02040503050406030204" pitchFamily="18" charset="0"/>
-                          </a:rPr>
-                          <m:t>2</m:t>
-                        </m:r>
-                        <m:r>
-                          <a:rPr lang="en-US" i="1">
-                            <a:latin typeface="Cambria Math" panose="02040503050406030204" pitchFamily="18" charset="0"/>
-                          </a:rPr>
-                          <m:t>𝑘</m:t>
-                        </m:r>
-                        <m:r>
-                          <a:rPr lang="en-US" i="1">
-                            <a:latin typeface="Cambria Math" panose="02040503050406030204" pitchFamily="18" charset="0"/>
-                          </a:rPr>
-                          <m:t>(</m:t>
-                        </m:r>
-                        <m:r>
-                          <a:rPr lang="en-US" i="1">
-                            <a:latin typeface="Cambria Math" panose="02040503050406030204" pitchFamily="18" charset="0"/>
-                          </a:rPr>
-                          <m:t>𝑘</m:t>
-                        </m:r>
-                        <m:r>
-                          <a:rPr lang="en-US" i="1">
-                            <a:latin typeface="Cambria Math" panose="02040503050406030204" pitchFamily="18" charset="0"/>
-                          </a:rPr>
-                          <m:t>+1)</m:t>
-                        </m:r>
-                      </m:num>
-                      <m:den>
-                        <m:r>
-                          <a:rPr lang="en-US" i="1">
-                            <a:latin typeface="Cambria Math" panose="02040503050406030204" pitchFamily="18" charset="0"/>
-                          </a:rPr>
-                          <m:t>𝑁</m:t>
-                        </m:r>
-                        <m:r>
-                          <a:rPr lang="en-US" i="1">
-                            <a:latin typeface="Cambria Math" panose="02040503050406030204" pitchFamily="18" charset="0"/>
-                          </a:rPr>
-                          <m:t>−(</m:t>
-                        </m:r>
-                        <m:r>
-                          <a:rPr lang="en-US" i="1">
-                            <a:latin typeface="Cambria Math" panose="02040503050406030204" pitchFamily="18" charset="0"/>
-                          </a:rPr>
-                          <m:t>𝑘</m:t>
-                        </m:r>
-                        <m:r>
-                          <a:rPr lang="en-US" i="1">
-                            <a:latin typeface="Cambria Math" panose="02040503050406030204" pitchFamily="18" charset="0"/>
-                          </a:rPr>
-                          <m:t>+1)</m:t>
-                        </m:r>
-                      </m:den>
-                    </m:f>
-                  </m:oMath>
-                </a14:m>
-                <a:r>
-                  <a:rPr lang="ru-RU" dirty="0"/>
-                  <a:t> где </a:t>
-                </a:r>
-                <a14:m>
-                  <m:oMath xmlns:m="http://schemas.openxmlformats.org/officeDocument/2006/math">
-                    <m:sSup>
-                      <m:sSupPr>
-                        <m:ctrlPr>
-                          <a:rPr lang="en-US" i="1">
-                            <a:latin typeface="Cambria Math" panose="02040503050406030204" pitchFamily="18" charset="0"/>
-                          </a:rPr>
-                        </m:ctrlPr>
-                      </m:sSupPr>
-                      <m:e>
-                        <m:acc>
-                          <m:accPr>
-                            <m:chr m:val="̂"/>
-                            <m:ctrlPr>
-                              <a:rPr lang="en-US" i="1">
-                                <a:latin typeface="Cambria Math" panose="02040503050406030204" pitchFamily="18" charset="0"/>
-                              </a:rPr>
-                            </m:ctrlPr>
-                          </m:accPr>
-                          <m:e>
-                            <m:r>
-                              <a:rPr lang="en-US" i="1">
-                                <a:latin typeface="Cambria Math" panose="02040503050406030204" pitchFamily="18" charset="0"/>
-                              </a:rPr>
-                              <m:t>𝜎</m:t>
-                            </m:r>
-                          </m:e>
-                        </m:acc>
-                      </m:e>
-                      <m:sup>
-                        <m:r>
-                          <a:rPr lang="en-US" i="1">
-                            <a:latin typeface="Cambria Math" panose="02040503050406030204" pitchFamily="18" charset="0"/>
-                          </a:rPr>
-                          <m:t>2</m:t>
-                        </m:r>
-                      </m:sup>
-                    </m:sSup>
-                  </m:oMath>
-                </a14:m>
-                <a:r>
-                  <a:rPr lang="ru-RU" dirty="0"/>
-                  <a:t> = </a:t>
-                </a:r>
-                <a:r>
-                  <a:rPr lang="en-US" dirty="0"/>
-                  <a:t>RSS/(N-k); k=p+q+1</a:t>
-                </a:r>
-                <a:endParaRPr lang="ru-RU" dirty="0"/>
-              </a:p>
-              <a:p>
-                <a:pPr marL="357188" lvl="1" indent="-357188">
-                  <a:lnSpc>
-                    <a:spcPct val="120000"/>
-                  </a:lnSpc>
-                  <a:spcBef>
-                    <a:spcPts val="0"/>
-                  </a:spcBef>
-                </a:pPr>
-                <a:r>
-                  <a:rPr lang="ru-RU" sz="2000" b="1" dirty="0" smtClean="0">
-                    <a:cs typeface="Times New Roman" panose="02020603050405020304" pitchFamily="18" charset="0"/>
-                  </a:rPr>
-                  <a:t>Выбрать </a:t>
-                </a:r>
-                <a:r>
-                  <a:rPr lang="ru-RU" sz="2000" b="1" dirty="0">
-                    <a:cs typeface="Times New Roman" panose="02020603050405020304" pitchFamily="18" charset="0"/>
-                  </a:rPr>
-                  <a:t>процесс где </a:t>
-                </a:r>
-                <a:r>
-                  <a:rPr lang="en-US" sz="2000" b="1" dirty="0">
-                    <a:cs typeface="Times New Roman" panose="02020603050405020304" pitchFamily="18" charset="0"/>
-                  </a:rPr>
-                  <a:t>AR </a:t>
-                </a:r>
-                <a:r>
-                  <a:rPr lang="ru-RU" sz="2000" b="1" dirty="0">
-                    <a:cs typeface="Times New Roman" panose="02020603050405020304" pitchFamily="18" charset="0"/>
-                  </a:rPr>
-                  <a:t> имеет 1 порядок</a:t>
-                </a:r>
-              </a:p>
-              <a:p>
-                <a:pPr marL="914400" lvl="1" indent="-457200">
-                  <a:lnSpc>
-                    <a:spcPct val="120000"/>
-                  </a:lnSpc>
-                  <a:spcBef>
-                    <a:spcPts val="0"/>
-                  </a:spcBef>
-                  <a:buFont typeface="+mj-lt"/>
-                  <a:buAutoNum type="arabicPeriod"/>
-                </a:pPr>
-                <a:endParaRPr lang="ru-RU" sz="2000" dirty="0">
-                  <a:cs typeface="Times New Roman" panose="02020603050405020304" pitchFamily="18" charset="0"/>
-                </a:endParaRPr>
-              </a:p>
-              <a:p>
-                <a:pPr marL="914400" lvl="1" indent="-457200">
-                  <a:buFont typeface="+mj-lt"/>
-                  <a:buAutoNum type="arabicPeriod"/>
-                </a:pPr>
-                <a:endParaRPr lang="ru-RU" sz="1900" dirty="0">
-                  <a:ea typeface="Calibri" panose="020F0502020204030204" pitchFamily="34" charset="0"/>
-                  <a:cs typeface="Times New Roman" panose="02020603050405020304" pitchFamily="18" charset="0"/>
-                </a:endParaRPr>
-              </a:p>
-              <a:p>
-                <a:pPr marL="914400" lvl="1" indent="-457200">
-                  <a:buFont typeface="+mj-lt"/>
-                  <a:buAutoNum type="arabicPeriod"/>
-                </a:pPr>
-                <a:endParaRPr lang="ru-RU" sz="1900" dirty="0">
-                  <a:ea typeface="Calibri" panose="020F0502020204030204" pitchFamily="34" charset="0"/>
-                  <a:cs typeface="Times New Roman" panose="02020603050405020304" pitchFamily="18" charset="0"/>
-                </a:endParaRPr>
-              </a:p>
-              <a:p>
-                <a:pPr marL="457200" lvl="1" indent="0">
-                  <a:buNone/>
-                </a:pPr>
-                <a:endParaRPr lang="ru-RU" sz="1900" b="1" dirty="0">
-                  <a:ea typeface="Calibri" panose="020F0502020204030204" pitchFamily="34" charset="0"/>
-                  <a:cs typeface="Times New Roman" panose="02020603050405020304" pitchFamily="18" charset="0"/>
-                </a:endParaRPr>
-              </a:p>
-            </p:txBody>
-          </p:sp>
-        </mc:Choice>
-        <mc:Fallback xmlns="">
-          <p:sp>
-            <p:nvSpPr>
-              <p:cNvPr id="3" name="Объект 2">
-                <a:extLst>
-                  <a:ext uri="{FF2B5EF4-FFF2-40B4-BE49-F238E27FC236}">
-                    <a16:creationId xmlns:a16="http://schemas.microsoft.com/office/drawing/2014/main" id="{BE421393-E6D9-4C04-F323-217F01E33B93}"/>
-                  </a:ext>
-                </a:extLst>
-              </p:cNvPr>
-              <p:cNvSpPr>
-                <a:spLocks noGrp="1" noRot="1" noChangeAspect="1" noMove="1" noResize="1" noEditPoints="1" noAdjustHandles="1" noChangeArrowheads="1" noChangeShapeType="1" noTextEdit="1"/>
-              </p:cNvSpPr>
-              <p:nvPr>
-                <p:ph idx="1"/>
-              </p:nvPr>
-            </p:nvSpPr>
-            <p:spPr>
-              <a:xfrm>
-                <a:off x="398928" y="1075308"/>
-                <a:ext cx="11282083" cy="4429395"/>
-              </a:xfrm>
-              <a:blipFill>
-                <a:blip r:embed="rId6"/>
-                <a:stretch>
-                  <a:fillRect/>
-                </a:stretch>
-              </a:blipFill>
-            </p:spPr>
-            <p:txBody>
-              <a:bodyPr/>
-              <a:lstStyle/>
-              <a:p>
-                <a:r>
-                  <a:rPr lang="ru-RU">
-                    <a:noFill/>
-                  </a:rPr>
-                  <a:t> </a:t>
-                </a:r>
-              </a:p>
-            </p:txBody>
-          </p:sp>
-        </mc:Fallback>
-      </mc:AlternateContent>
-      <p:sp>
-        <p:nvSpPr>
-          <p:cNvPr id="9" name="TextBox 8"/>
-          <p:cNvSpPr txBox="1"/>
-          <p:nvPr/>
-        </p:nvSpPr>
-        <p:spPr>
-          <a:xfrm>
-            <a:off x="1308847" y="6006353"/>
-            <a:ext cx="542136" cy="369332"/>
-          </a:xfrm>
-          <a:prstGeom prst="rect">
-            <a:avLst/>
-          </a:prstGeom>
-          <a:noFill/>
-        </p:spPr>
-        <p:txBody>
-          <a:bodyPr wrap="none" rtlCol="0">
-            <a:spAutoFit/>
-          </a:bodyPr>
-          <a:lstStyle/>
-          <a:p>
-            <a:r>
-              <a:rPr lang="ru-RU" dirty="0"/>
-              <a:t>1(х)</a:t>
-            </a:r>
-          </a:p>
-        </p:txBody>
-      </p:sp>
-      <p:sp>
-        <p:nvSpPr>
-          <p:cNvPr id="10" name="TextBox 9"/>
-          <p:cNvSpPr txBox="1"/>
-          <p:nvPr/>
-        </p:nvSpPr>
-        <p:spPr>
-          <a:xfrm>
-            <a:off x="4772994" y="5931358"/>
-            <a:ext cx="542136" cy="369332"/>
-          </a:xfrm>
-          <a:prstGeom prst="rect">
-            <a:avLst/>
-          </a:prstGeom>
-          <a:noFill/>
-        </p:spPr>
-        <p:txBody>
-          <a:bodyPr wrap="none" rtlCol="0">
-            <a:spAutoFit/>
-          </a:bodyPr>
-          <a:lstStyle/>
-          <a:p>
-            <a:r>
-              <a:rPr lang="ru-RU" dirty="0"/>
-              <a:t>2(х)</a:t>
-            </a:r>
-          </a:p>
-        </p:txBody>
-      </p:sp>
-      <p:sp>
-        <p:nvSpPr>
-          <p:cNvPr id="13" name="TextBox 12"/>
-          <p:cNvSpPr txBox="1"/>
-          <p:nvPr/>
-        </p:nvSpPr>
-        <p:spPr>
-          <a:xfrm>
-            <a:off x="10590739" y="5764329"/>
-            <a:ext cx="301686" cy="369332"/>
-          </a:xfrm>
-          <a:prstGeom prst="rect">
-            <a:avLst/>
-          </a:prstGeom>
-          <a:noFill/>
-        </p:spPr>
-        <p:txBody>
-          <a:bodyPr wrap="none" rtlCol="0">
-            <a:spAutoFit/>
-          </a:bodyPr>
-          <a:lstStyle/>
-          <a:p>
-            <a:r>
-              <a:rPr lang="ru-RU" dirty="0"/>
-              <a:t>5</a:t>
-            </a:r>
-          </a:p>
-        </p:txBody>
-      </p:sp>
-      <p:pic>
-        <p:nvPicPr>
-          <p:cNvPr id="16" name="Picture 2" descr="image.png">
-            <a:extLst>
-              <a:ext uri="{FF2B5EF4-FFF2-40B4-BE49-F238E27FC236}">
-                <a16:creationId xmlns:a16="http://schemas.microsoft.com/office/drawing/2014/main" id="{C20F0AAF-98E2-536F-7A22-D4EF0879A31A}"/>
-              </a:ext>
-            </a:extLst>
-          </p:cNvPr>
-          <p:cNvPicPr>
-            <a:picLocks noChangeAspect="1" noChangeArrowheads="1"/>
-          </p:cNvPicPr>
-          <p:nvPr/>
-        </p:nvPicPr>
-        <p:blipFill rotWithShape="1">
-          <a:blip r:embed="rId7">
-            <a:extLst>
-              <a:ext uri="{28A0092B-C50C-407E-A947-70E740481C1C}">
-                <a14:useLocalDpi xmlns:a14="http://schemas.microsoft.com/office/drawing/2010/main" val="0"/>
-              </a:ext>
-            </a:extLst>
-          </a:blip>
-          <a:srcRect t="33638" b="37193"/>
-          <a:stretch/>
-        </p:blipFill>
-        <p:spPr bwMode="auto">
-          <a:xfrm>
-            <a:off x="5491607" y="5238939"/>
-            <a:ext cx="3468989" cy="543753"/>
-          </a:xfrm>
-          <a:prstGeom prst="rect">
-            <a:avLst/>
-          </a:prstGeom>
-          <a:noFill/>
-          <a:extLst>
-            <a:ext uri="{909E8E84-426E-40DD-AFC4-6F175D3DCCD1}">
-              <a14:hiddenFill xmlns:a14="http://schemas.microsoft.com/office/drawing/2010/main">
-                <a:solidFill>
-                  <a:srgbClr val="FFFFFF"/>
-                </a:solidFill>
-              </a14:hiddenFill>
-            </a:ext>
-          </a:extLst>
-        </p:spPr>
-      </p:pic>
-      <p:sp>
-        <p:nvSpPr>
-          <p:cNvPr id="11" name="TextBox 10"/>
-          <p:cNvSpPr txBox="1"/>
-          <p:nvPr/>
-        </p:nvSpPr>
-        <p:spPr>
-          <a:xfrm>
-            <a:off x="6675337" y="5412150"/>
-            <a:ext cx="301686" cy="369332"/>
-          </a:xfrm>
-          <a:prstGeom prst="rect">
-            <a:avLst/>
-          </a:prstGeom>
-          <a:noFill/>
-        </p:spPr>
-        <p:txBody>
-          <a:bodyPr wrap="none" rtlCol="0">
-            <a:spAutoFit/>
-          </a:bodyPr>
-          <a:lstStyle/>
-          <a:p>
-            <a:r>
-              <a:rPr lang="ru-RU" dirty="0"/>
-              <a:t>3</a:t>
-            </a:r>
-          </a:p>
-        </p:txBody>
-      </p:sp>
-      <p:pic>
-        <p:nvPicPr>
-          <p:cNvPr id="17" name="Picture 2" descr="image.png">
-            <a:extLst>
-              <a:ext uri="{FF2B5EF4-FFF2-40B4-BE49-F238E27FC236}">
-                <a16:creationId xmlns:a16="http://schemas.microsoft.com/office/drawing/2014/main" id="{B8AC3032-C6AD-0EDA-9F6B-35093A3FFD7F}"/>
-              </a:ext>
-            </a:extLst>
-          </p:cNvPr>
-          <p:cNvPicPr>
-            <a:picLocks noChangeAspect="1" noChangeArrowheads="1"/>
-          </p:cNvPicPr>
-          <p:nvPr/>
-        </p:nvPicPr>
-        <p:blipFill rotWithShape="1">
-          <a:blip r:embed="rId8">
-            <a:extLst>
-              <a:ext uri="{28A0092B-C50C-407E-A947-70E740481C1C}">
-                <a14:useLocalDpi xmlns:a14="http://schemas.microsoft.com/office/drawing/2010/main" val="0"/>
-              </a:ext>
-            </a:extLst>
-          </a:blip>
-          <a:srcRect l="-225" t="30597" r="225" b="37094"/>
-          <a:stretch/>
-        </p:blipFill>
-        <p:spPr bwMode="auto">
-          <a:xfrm>
-            <a:off x="5491607" y="5919142"/>
-            <a:ext cx="3521079" cy="610761"/>
-          </a:xfrm>
-          <a:prstGeom prst="rect">
-            <a:avLst/>
-          </a:prstGeom>
-          <a:noFill/>
-          <a:extLst>
-            <a:ext uri="{909E8E84-426E-40DD-AFC4-6F175D3DCCD1}">
-              <a14:hiddenFill xmlns:a14="http://schemas.microsoft.com/office/drawing/2010/main">
-                <a:solidFill>
-                  <a:srgbClr val="FFFFFF"/>
-                </a:solidFill>
-              </a14:hiddenFill>
-            </a:ext>
-          </a:extLst>
-        </p:spPr>
-      </p:pic>
-      <p:sp>
-        <p:nvSpPr>
-          <p:cNvPr id="12" name="TextBox 11"/>
-          <p:cNvSpPr txBox="1"/>
-          <p:nvPr/>
-        </p:nvSpPr>
-        <p:spPr>
-          <a:xfrm>
-            <a:off x="6610234" y="5871370"/>
-            <a:ext cx="301686" cy="369332"/>
-          </a:xfrm>
-          <a:prstGeom prst="rect">
-            <a:avLst/>
-          </a:prstGeom>
-          <a:noFill/>
-        </p:spPr>
-        <p:txBody>
-          <a:bodyPr wrap="none" rtlCol="0">
-            <a:spAutoFit/>
-          </a:bodyPr>
-          <a:lstStyle/>
-          <a:p>
-            <a:r>
-              <a:rPr lang="ru-RU" dirty="0"/>
-              <a:t>4</a:t>
-            </a:r>
-          </a:p>
-        </p:txBody>
-      </p:sp>
-    </p:spTree>
-    <p:extLst>
-      <p:ext uri="{BB962C8B-B14F-4D97-AF65-F5344CB8AC3E}">
-        <p14:creationId xmlns:p14="http://schemas.microsoft.com/office/powerpoint/2010/main" val="3077258543"/>
-      </p:ext>
-    </p:extLst>
-  </p:cSld>
-  <p:clrMapOvr>
-    <a:masterClrMapping/>
-  </p:clrMapOvr>
-  <p:timing>
-    <p:tnLst>
-      <p:par>
-        <p:cTn id="1" dur="indefinite" restart="never" nodeType="tmRoot"/>
-      </p:par>
-    </p:tnLst>
-  </p:timing>
-</p:sld>
-</file>
-
-<file path=ppt/slides/slide25.xml><?xml version="1.0" encoding="utf-8"?>
-<p:sld xmlns:a="http://schemas.openxmlformats.org/drawingml/2006/main" xmlns:r="http://schemas.openxmlformats.org/officeDocument/2006/relationships" xmlns:p="http://schemas.openxmlformats.org/presentationml/2006/main" show="0">
-  <p:cSld>
-    <p:spTree>
-      <p:nvGrpSpPr>
-        <p:cNvPr id="1" name=""/>
-        <p:cNvGrpSpPr/>
-        <p:nvPr/>
-      </p:nvGrpSpPr>
-      <p:grpSpPr>
-        <a:xfrm>
-          <a:off x="0" y="0"/>
-          <a:ext cx="0" cy="0"/>
-          <a:chOff x="0" y="0"/>
-          <a:chExt cx="0" cy="0"/>
-        </a:xfrm>
-      </p:grpSpPr>
-      <p:sp>
-        <p:nvSpPr>
-          <p:cNvPr id="2" name="Заголовок 1">
-            <a:extLst>
-              <a:ext uri="{FF2B5EF4-FFF2-40B4-BE49-F238E27FC236}">
-                <a16:creationId xmlns:a16="http://schemas.microsoft.com/office/drawing/2014/main" id="{E5E18C16-493F-C0F6-1226-B953C44BB2B9}"/>
-              </a:ext>
-            </a:extLst>
-          </p:cNvPr>
-          <p:cNvSpPr>
-            <a:spLocks noGrp="1"/>
-          </p:cNvSpPr>
-          <p:nvPr>
-            <p:ph type="title"/>
-          </p:nvPr>
-        </p:nvSpPr>
-        <p:spPr>
-          <a:xfrm>
-            <a:off x="398929" y="0"/>
-            <a:ext cx="10515600" cy="1325563"/>
-          </a:xfrm>
-        </p:spPr>
-        <p:txBody>
-          <a:bodyPr>
-            <a:normAutofit/>
-          </a:bodyPr>
-          <a:lstStyle/>
-          <a:p>
-            <a:r>
-              <a:rPr lang="ru-RU" sz="4800" b="1" dirty="0"/>
-              <a:t>Вопросы Продвинутые </a:t>
-            </a:r>
-            <a:r>
-              <a:rPr lang="en-US" sz="4800" b="1" dirty="0"/>
-              <a:t>(X)-</a:t>
-            </a:r>
-            <a:r>
-              <a:rPr lang="ru-RU" sz="4800" b="1" dirty="0" smtClean="0"/>
-              <a:t>верно ЕЩЕ</a:t>
-            </a:r>
-            <a:endParaRPr lang="ru-RU" sz="4800" b="1" dirty="0"/>
-          </a:p>
-        </p:txBody>
-      </p:sp>
-      <mc:AlternateContent xmlns:mc="http://schemas.openxmlformats.org/markup-compatibility/2006" xmlns:a14="http://schemas.microsoft.com/office/drawing/2010/main">
-        <mc:Choice Requires="a14">
-          <p:sp>
-            <p:nvSpPr>
-              <p:cNvPr id="3" name="Объект 2">
-                <a:extLst>
-                  <a:ext uri="{FF2B5EF4-FFF2-40B4-BE49-F238E27FC236}">
-                    <a16:creationId xmlns:a16="http://schemas.microsoft.com/office/drawing/2014/main" id="{BE421393-E6D9-4C04-F323-217F01E33B93}"/>
-                  </a:ext>
-                </a:extLst>
-              </p:cNvPr>
-              <p:cNvSpPr>
-                <a:spLocks noGrp="1"/>
-              </p:cNvSpPr>
-              <p:nvPr>
-                <p:ph idx="1"/>
-              </p:nvPr>
-            </p:nvSpPr>
-            <p:spPr>
-              <a:xfrm>
-                <a:off x="398928" y="1075308"/>
-                <a:ext cx="11282083" cy="4990514"/>
-              </a:xfrm>
-            </p:spPr>
-            <p:txBody>
-              <a:bodyPr>
-                <a:normAutofit fontScale="85000" lnSpcReduction="20000"/>
-              </a:bodyPr>
-              <a:lstStyle/>
-              <a:p>
-                <a:r>
-                  <a:rPr lang="ru-RU" sz="2300" b="1" dirty="0" smtClean="0">
-                    <a:ea typeface="Calibri" panose="020F0502020204030204" pitchFamily="34" charset="0"/>
-                    <a:cs typeface="Times New Roman" panose="02020603050405020304" pitchFamily="18" charset="0"/>
-                  </a:rPr>
-                  <a:t>Выберите </a:t>
-                </a:r>
-                <a:r>
-                  <a:rPr lang="en-US" sz="2300" b="1" dirty="0" err="1">
-                    <a:ea typeface="Calibri" panose="020F0502020204030204" pitchFamily="34" charset="0"/>
-                    <a:cs typeface="Times New Roman" panose="02020603050405020304" pitchFamily="18" charset="0"/>
-                  </a:rPr>
-                  <a:t>пра</a:t>
-                </a:r>
-                <a:r>
-                  <a:rPr lang="ru-RU" sz="2300" b="1" dirty="0">
-                    <a:ea typeface="Calibri" panose="020F0502020204030204" pitchFamily="34" charset="0"/>
-                    <a:cs typeface="Times New Roman" panose="02020603050405020304" pitchFamily="18" charset="0"/>
-                  </a:rPr>
-                  <a:t>вильные утверждения относительно </a:t>
-                </a:r>
-                <a:r>
-                  <a:rPr lang="ru-RU" sz="2300" b="1" dirty="0" smtClean="0">
-                    <a:ea typeface="Calibri" panose="020F0502020204030204" pitchFamily="34" charset="0"/>
-                    <a:cs typeface="Times New Roman" panose="02020603050405020304" pitchFamily="18" charset="0"/>
-                  </a:rPr>
-                  <a:t>настройки </a:t>
-                </a:r>
-                <a:r>
-                  <a:rPr lang="en-US" sz="2300" b="1" dirty="0" smtClean="0">
-                    <a:ea typeface="Calibri" panose="020F0502020204030204" pitchFamily="34" charset="0"/>
-                    <a:cs typeface="Times New Roman" panose="02020603050405020304" pitchFamily="18" charset="0"/>
-                  </a:rPr>
-                  <a:t>ARMA </a:t>
-                </a:r>
-                <a:r>
-                  <a:rPr lang="ru-RU" sz="2300" b="1" dirty="0" smtClean="0">
-                    <a:ea typeface="Calibri" panose="020F0502020204030204" pitchFamily="34" charset="0"/>
-                    <a:cs typeface="Times New Roman" panose="02020603050405020304" pitchFamily="18" charset="0"/>
-                  </a:rPr>
-                  <a:t>процесса</a:t>
-                </a:r>
-              </a:p>
-              <a:p>
-                <a:pPr marL="514350" indent="-514350">
-                  <a:buFont typeface="+mj-lt"/>
-                  <a:buAutoNum type="arabicPeriod"/>
-                </a:pPr>
-                <a:r>
-                  <a:rPr lang="ru-RU" sz="1600" dirty="0" smtClean="0"/>
-                  <a:t>Чем </a:t>
-                </a:r>
-                <a:r>
-                  <a:rPr lang="ru-RU" sz="1600" dirty="0"/>
-                  <a:t>менее стационарен ряд, тем меньше горизонт точного </a:t>
-                </a:r>
-                <a:r>
-                  <a:rPr lang="ru-RU" sz="1600" dirty="0" smtClean="0"/>
-                  <a:t>прогнозирования </a:t>
-                </a:r>
-                <a:r>
-                  <a:rPr lang="en-US" sz="1600" dirty="0" smtClean="0"/>
-                  <a:t>(x)</a:t>
-                </a:r>
-                <a:endParaRPr lang="ru-RU" sz="1600" dirty="0"/>
-              </a:p>
-              <a:p>
-                <a:pPr marL="514350" indent="-514350">
-                  <a:buFont typeface="+mj-lt"/>
-                  <a:buAutoNum type="arabicPeriod"/>
-                </a:pPr>
-                <a:r>
-                  <a:rPr lang="ru-RU" sz="1600" dirty="0" smtClean="0"/>
-                  <a:t>Варьирование </a:t>
-                </a:r>
-                <a:r>
-                  <a:rPr lang="ru-RU" sz="1600" dirty="0"/>
-                  <a:t>параметров моделей с целью минимизации </a:t>
-                </a:r>
-                <a:r>
-                  <a:rPr lang="ru-RU" sz="1600" dirty="0" smtClean="0"/>
-                  <a:t>информационных критериев</a:t>
-                </a:r>
-                <a:r>
-                  <a:rPr lang="en-US" sz="1600" dirty="0" smtClean="0"/>
-                  <a:t> (x)</a:t>
-                </a:r>
-                <a:endParaRPr lang="en-US" sz="1600" dirty="0"/>
-              </a:p>
-              <a:p>
-                <a:pPr marL="514350" indent="-514350">
-                  <a:buFont typeface="+mj-lt"/>
-                  <a:buAutoNum type="arabicPeriod"/>
-                </a:pPr>
-                <a:r>
-                  <a:rPr lang="ru-RU" sz="1600" dirty="0"/>
-                  <a:t>Проверка остатков для модели </a:t>
-                </a:r>
-                <a:r>
-                  <a:rPr lang="en-US" sz="1600" dirty="0"/>
-                  <a:t>(</a:t>
-                </a:r>
-                <a:r>
-                  <a:rPr lang="ru-RU" sz="1600" dirty="0"/>
-                  <a:t>на предмет стационарного БГШ</a:t>
-                </a:r>
-                <a:r>
-                  <a:rPr lang="en-US" sz="1600" dirty="0" smtClean="0"/>
-                  <a:t>)</a:t>
-                </a:r>
-                <a:r>
-                  <a:rPr lang="ru-RU" sz="1600" dirty="0" smtClean="0"/>
-                  <a:t> </a:t>
-                </a:r>
-                <a:r>
-                  <a:rPr lang="en-US" sz="1600" dirty="0" smtClean="0"/>
-                  <a:t>(X)</a:t>
-                </a:r>
-                <a:r>
-                  <a:rPr lang="ru-RU" sz="1600" dirty="0" smtClean="0"/>
-                  <a:t>.</a:t>
-                </a:r>
-                <a:endParaRPr lang="en-US" sz="1600" dirty="0"/>
-              </a:p>
-              <a:p>
-                <a:pPr marL="514350" indent="-514350">
-                  <a:buFont typeface="+mj-lt"/>
-                  <a:buAutoNum type="arabicPeriod"/>
-                </a:pPr>
-                <a:r>
-                  <a:rPr lang="ru-RU" sz="1600" dirty="0" err="1"/>
-                  <a:t>Валидация</a:t>
-                </a:r>
-                <a:r>
-                  <a:rPr lang="ru-RU" sz="1600" dirty="0"/>
-                  <a:t>, проверка точности по известным </a:t>
-                </a:r>
-                <a:r>
-                  <a:rPr lang="ru-RU" sz="1600" dirty="0" smtClean="0"/>
-                  <a:t>метрикам</a:t>
-                </a:r>
-                <a:r>
-                  <a:rPr lang="en-US" sz="1600" dirty="0" smtClean="0"/>
-                  <a:t> (x)</a:t>
-                </a:r>
-                <a:r>
-                  <a:rPr lang="ru-RU" sz="1600" dirty="0" smtClean="0"/>
-                  <a:t>.</a:t>
-                </a:r>
-                <a:endParaRPr lang="en-US" sz="1600" dirty="0" smtClean="0"/>
-              </a:p>
-              <a:p>
-                <a:pPr marL="514350" indent="-514350">
-                  <a:buFont typeface="+mj-lt"/>
-                  <a:buAutoNum type="arabicPeriod"/>
-                </a:pPr>
-                <a:r>
-                  <a:rPr lang="ru-RU" sz="1600" dirty="0" smtClean="0"/>
-                  <a:t>Выбор изначальных значений параметров модели по тестам на БГШ</a:t>
-                </a:r>
-              </a:p>
-              <a:p>
-                <a:pPr marL="514350" indent="-514350">
-                  <a:buFont typeface="+mj-lt"/>
-                  <a:buAutoNum type="arabicPeriod"/>
-                </a:pPr>
-                <a:r>
-                  <a:rPr lang="ru-RU" sz="1600" dirty="0"/>
-                  <a:t>Варьирование параметров </a:t>
-                </a:r>
-                <a:r>
-                  <a:rPr lang="ru-RU" sz="1600" dirty="0" smtClean="0"/>
-                  <a:t>моделей с целью минимизации дисперсии полезной составляющей</a:t>
-                </a:r>
-              </a:p>
-              <a:p>
-                <a:pPr marL="514350" indent="-514350">
-                  <a:buFont typeface="+mj-lt"/>
-                  <a:buAutoNum type="arabicPeriod"/>
-                </a:pPr>
-                <a:r>
-                  <a:rPr lang="ru-RU" sz="1600" dirty="0"/>
-                  <a:t>Проверка остатков для модели</a:t>
-                </a:r>
-                <a:r>
-                  <a:rPr lang="ru-RU" sz="1600" dirty="0" smtClean="0"/>
-                  <a:t> </a:t>
-                </a:r>
-                <a:r>
-                  <a:rPr lang="ru-RU" sz="1600" dirty="0"/>
-                  <a:t>на предмет </a:t>
-                </a:r>
-                <a:r>
-                  <a:rPr lang="ru-RU" sz="1600" dirty="0" smtClean="0"/>
-                  <a:t>стационарности</a:t>
-                </a:r>
-              </a:p>
-              <a:p>
-                <a:r>
-                  <a:rPr lang="ru-RU" dirty="0" smtClean="0"/>
-                  <a:t>Обучено две модели, для одной </a:t>
-                </a:r>
-                <a14:m>
-                  <m:oMath xmlns:m="http://schemas.openxmlformats.org/officeDocument/2006/math">
-                    <m:r>
-                      <m:rPr>
-                        <m:sty m:val="p"/>
-                      </m:rPr>
-                      <a:rPr lang="en-US" i="1" dirty="0">
-                        <a:latin typeface="Cambria Math" panose="02040503050406030204" pitchFamily="18" charset="0"/>
-                      </a:rPr>
-                      <m:t>R</m:t>
-                    </m:r>
-                    <m:r>
-                      <a:rPr lang="en-US" b="0" i="1" dirty="0" smtClean="0">
-                        <a:latin typeface="Cambria Math" panose="02040503050406030204" pitchFamily="18" charset="0"/>
-                      </a:rPr>
-                      <m:t>𝑆𝑆</m:t>
-                    </m:r>
-                    <m:r>
-                      <a:rPr lang="ru-RU" b="0" i="1" smtClean="0">
-                        <a:latin typeface="Cambria Math" panose="02040503050406030204" pitchFamily="18" charset="0"/>
-                      </a:rPr>
-                      <m:t> </m:t>
-                    </m:r>
-                  </m:oMath>
-                </a14:m>
-                <a:r>
-                  <a:rPr lang="ru-RU" b="0" i="1" dirty="0" smtClean="0">
-                    <a:latin typeface="Cambria Math" panose="02040503050406030204" pitchFamily="18" charset="0"/>
-                  </a:rPr>
-                  <a:t>=0.10, </a:t>
-                </a:r>
-                <a:r>
-                  <a:rPr lang="en-US" i="1" dirty="0" smtClean="0">
-                    <a:latin typeface="Cambria Math" panose="02040503050406030204" pitchFamily="18" charset="0"/>
-                  </a:rPr>
-                  <a:t>p=</a:t>
-                </a:r>
-                <a:r>
-                  <a:rPr lang="ru-RU" i="1" dirty="0" smtClean="0">
-                    <a:latin typeface="Cambria Math" panose="02040503050406030204" pitchFamily="18" charset="0"/>
-                  </a:rPr>
-                  <a:t>12</a:t>
-                </a:r>
-                <a:r>
-                  <a:rPr lang="en-US" i="1" dirty="0" smtClean="0">
-                    <a:latin typeface="Cambria Math" panose="02040503050406030204" pitchFamily="18" charset="0"/>
-                  </a:rPr>
-                  <a:t>, q=1</a:t>
-                </a:r>
-                <a:r>
-                  <a:rPr lang="ru-RU" i="1" dirty="0">
-                    <a:latin typeface="Cambria Math" panose="02040503050406030204" pitchFamily="18" charset="0"/>
-                  </a:rPr>
-                  <a:t>3</a:t>
-                </a:r>
-                <a:r>
-                  <a:rPr lang="en-US" i="1" dirty="0" smtClean="0">
-                    <a:latin typeface="Cambria Math" panose="02040503050406030204" pitchFamily="18" charset="0"/>
-                  </a:rPr>
-                  <a:t>, N=1000, </a:t>
-                </a:r>
-                <a:r>
-                  <a:rPr lang="ru-RU" i="1" dirty="0" smtClean="0">
-                    <a:latin typeface="Cambria Math" panose="02040503050406030204" pitchFamily="18" charset="0"/>
-                  </a:rPr>
-                  <a:t>для второй </a:t>
-                </a:r>
-                <a14:m>
-                  <m:oMath xmlns:m="http://schemas.openxmlformats.org/officeDocument/2006/math">
-                    <m:r>
-                      <m:rPr>
-                        <m:sty m:val="p"/>
-                      </m:rPr>
-                      <a:rPr lang="en-US" i="1" dirty="0">
-                        <a:latin typeface="Cambria Math" panose="02040503050406030204" pitchFamily="18" charset="0"/>
-                      </a:rPr>
-                      <m:t>R</m:t>
-                    </m:r>
-                    <m:r>
-                      <a:rPr lang="en-US" i="1" dirty="0">
-                        <a:latin typeface="Cambria Math" panose="02040503050406030204" pitchFamily="18" charset="0"/>
-                      </a:rPr>
-                      <m:t>𝑆𝑆</m:t>
-                    </m:r>
-                    <m:r>
-                      <a:rPr lang="ru-RU" i="1">
-                        <a:latin typeface="Cambria Math" panose="02040503050406030204" pitchFamily="18" charset="0"/>
-                      </a:rPr>
-                      <m:t> </m:t>
-                    </m:r>
-                  </m:oMath>
-                </a14:m>
-                <a:r>
-                  <a:rPr lang="ru-RU" i="1" dirty="0">
-                    <a:latin typeface="Cambria Math" panose="02040503050406030204" pitchFamily="18" charset="0"/>
-                  </a:rPr>
-                  <a:t>=</a:t>
-                </a:r>
-                <a:r>
-                  <a:rPr lang="ru-RU" i="1" dirty="0" smtClean="0">
-                    <a:latin typeface="Cambria Math" panose="02040503050406030204" pitchFamily="18" charset="0"/>
-                  </a:rPr>
-                  <a:t>0.101, </a:t>
-                </a:r>
-                <a:r>
-                  <a:rPr lang="en-US" i="1" dirty="0" smtClean="0">
-                    <a:latin typeface="Cambria Math" panose="02040503050406030204" pitchFamily="18" charset="0"/>
-                  </a:rPr>
-                  <a:t>p=</a:t>
-                </a:r>
-                <a:r>
-                  <a:rPr lang="ru-RU" i="1" dirty="0" smtClean="0">
-                    <a:latin typeface="Cambria Math" panose="02040503050406030204" pitchFamily="18" charset="0"/>
-                  </a:rPr>
-                  <a:t>1</a:t>
-                </a:r>
-                <a:r>
-                  <a:rPr lang="en-US" i="1" dirty="0" smtClean="0">
-                    <a:latin typeface="Cambria Math" panose="02040503050406030204" pitchFamily="18" charset="0"/>
-                  </a:rPr>
-                  <a:t>, q=</a:t>
-                </a:r>
-                <a:r>
-                  <a:rPr lang="ru-RU" i="1" dirty="0" smtClean="0">
-                    <a:latin typeface="Cambria Math" panose="02040503050406030204" pitchFamily="18" charset="0"/>
-                  </a:rPr>
-                  <a:t>2</a:t>
-                </a:r>
-                <a:r>
-                  <a:rPr lang="en-US" i="1" dirty="0" smtClean="0">
-                    <a:latin typeface="Cambria Math" panose="02040503050406030204" pitchFamily="18" charset="0"/>
-                  </a:rPr>
-                  <a:t>, N=1000</a:t>
-                </a:r>
-                <a:r>
-                  <a:rPr lang="ru-RU" i="1" dirty="0" smtClean="0">
-                    <a:latin typeface="Cambria Math" panose="02040503050406030204" pitchFamily="18" charset="0"/>
-                  </a:rPr>
-                  <a:t>, какая модель лучше ответить 1 или 2 по критерию </a:t>
-                </a:r>
-                <a:r>
-                  <a:rPr lang="en-US" i="1" dirty="0" smtClean="0">
-                    <a:latin typeface="Cambria Math" panose="02040503050406030204" pitchFamily="18" charset="0"/>
-                  </a:rPr>
-                  <a:t>AIC</a:t>
-                </a:r>
-                <a:endParaRPr lang="ru-RU" b="0" i="1" dirty="0" smtClean="0">
-                  <a:latin typeface="Cambria Math" panose="02040503050406030204" pitchFamily="18" charset="0"/>
-                </a:endParaRPr>
-              </a:p>
-              <a:p>
-                <a:r>
-                  <a:rPr lang="ru-RU" dirty="0" smtClean="0"/>
-                  <a:t>Ответ – 2. </a:t>
-                </a:r>
-              </a:p>
-              <a:p>
-                <a:pPr lvl="1"/>
-                <a:r>
-                  <a:rPr lang="ru-RU" dirty="0" smtClean="0"/>
-                  <a:t>Ответ  считается по формуле </a:t>
-                </a:r>
-                <a14:m>
-                  <m:oMath xmlns:m="http://schemas.openxmlformats.org/officeDocument/2006/math">
-                    <m:r>
-                      <a:rPr lang="en-US" i="1">
-                        <a:latin typeface="Cambria Math" panose="02040503050406030204" pitchFamily="18" charset="0"/>
-                      </a:rPr>
-                      <m:t>𝐴𝐼𝐶</m:t>
-                    </m:r>
-                    <m:r>
-                      <a:rPr lang="en-US" i="1">
-                        <a:latin typeface="Cambria Math" panose="02040503050406030204" pitchFamily="18" charset="0"/>
-                      </a:rPr>
-                      <m:t>(</m:t>
-                    </m:r>
-                    <m:r>
-                      <a:rPr lang="en-US" i="1">
-                        <a:latin typeface="Cambria Math" panose="02040503050406030204" pitchFamily="18" charset="0"/>
-                      </a:rPr>
-                      <m:t>𝑘</m:t>
-                    </m:r>
-                    <m:r>
-                      <a:rPr lang="en-US" i="1">
-                        <a:latin typeface="Cambria Math" panose="02040503050406030204" pitchFamily="18" charset="0"/>
-                      </a:rPr>
-                      <m:t>)=</m:t>
-                    </m:r>
-                    <m:r>
-                      <a:rPr lang="en-US" i="1">
-                        <a:latin typeface="Cambria Math" panose="02040503050406030204" pitchFamily="18" charset="0"/>
-                      </a:rPr>
-                      <m:t>𝑙𝑛</m:t>
-                    </m:r>
-                    <m:sSup>
-                      <m:sSupPr>
-                        <m:ctrlPr>
-                          <a:rPr lang="en-US" i="1">
-                            <a:latin typeface="Cambria Math" panose="02040503050406030204" pitchFamily="18" charset="0"/>
-                          </a:rPr>
-                        </m:ctrlPr>
-                      </m:sSupPr>
-                      <m:e>
-                        <m:acc>
-                          <m:accPr>
-                            <m:chr m:val="̂"/>
-                            <m:ctrlPr>
-                              <a:rPr lang="en-US" i="1">
-                                <a:latin typeface="Cambria Math" panose="02040503050406030204" pitchFamily="18" charset="0"/>
-                              </a:rPr>
-                            </m:ctrlPr>
-                          </m:accPr>
-                          <m:e>
-                            <m:r>
-                              <a:rPr lang="en-US" i="1">
-                                <a:latin typeface="Cambria Math" panose="02040503050406030204" pitchFamily="18" charset="0"/>
-                              </a:rPr>
-                              <m:t>𝜎</m:t>
-                            </m:r>
-                          </m:e>
-                        </m:acc>
-                      </m:e>
-                      <m:sup>
-                        <m:r>
-                          <a:rPr lang="en-US" i="1">
-                            <a:latin typeface="Cambria Math" panose="02040503050406030204" pitchFamily="18" charset="0"/>
-                          </a:rPr>
-                          <m:t>2</m:t>
-                        </m:r>
-                      </m:sup>
-                    </m:sSup>
-                    <m:r>
-                      <a:rPr lang="en-US" i="1">
-                        <a:latin typeface="Cambria Math" panose="02040503050406030204" pitchFamily="18" charset="0"/>
-                      </a:rPr>
-                      <m:t>+2</m:t>
-                    </m:r>
-                    <m:f>
-                      <m:fPr>
-                        <m:ctrlPr>
-                          <a:rPr lang="en-US" i="1">
-                            <a:latin typeface="Cambria Math" panose="02040503050406030204" pitchFamily="18" charset="0"/>
-                          </a:rPr>
-                        </m:ctrlPr>
-                      </m:fPr>
-                      <m:num>
-                        <m:r>
-                          <a:rPr lang="en-US" i="1">
-                            <a:latin typeface="Cambria Math" panose="02040503050406030204" pitchFamily="18" charset="0"/>
-                          </a:rPr>
-                          <m:t>𝑘</m:t>
-                        </m:r>
-                      </m:num>
-                      <m:den>
-                        <m:r>
-                          <a:rPr lang="en-US" i="1">
-                            <a:latin typeface="Cambria Math" panose="02040503050406030204" pitchFamily="18" charset="0"/>
-                          </a:rPr>
-                          <m:t>𝑁</m:t>
-                        </m:r>
-                      </m:den>
-                    </m:f>
-                  </m:oMath>
-                </a14:m>
-                <a:r>
-                  <a:rPr lang="ru-RU" dirty="0" smtClean="0"/>
-                  <a:t> нужно так . Чтобы у модели с большими параметрами был результат хуже</a:t>
-                </a:r>
-                <a:endParaRPr lang="en-US" dirty="0" smtClean="0"/>
-              </a:p>
-              <a:p>
-                <a:pPr lvl="1"/>
-                <a:r>
-                  <a:rPr lang="ru-RU" dirty="0" smtClean="0"/>
-                  <a:t>Вместо критерия </a:t>
-                </a:r>
-                <a:r>
-                  <a:rPr lang="en-US" dirty="0" smtClean="0"/>
-                  <a:t>AIC </a:t>
-                </a:r>
-                <a:r>
-                  <a:rPr lang="ru-RU" dirty="0" smtClean="0"/>
-                  <a:t>можно сделать такой же вопрос по </a:t>
-                </a:r>
-                <a14:m>
-                  <m:oMath xmlns:m="http://schemas.openxmlformats.org/officeDocument/2006/math">
-                    <m:r>
-                      <a:rPr lang="en-US" i="1">
-                        <a:latin typeface="Cambria Math" panose="02040503050406030204" pitchFamily="18" charset="0"/>
-                      </a:rPr>
-                      <m:t>𝐵𝐼𝐶</m:t>
-                    </m:r>
-                    <m:r>
-                      <a:rPr lang="en-US" i="1">
-                        <a:latin typeface="Cambria Math" panose="02040503050406030204" pitchFamily="18" charset="0"/>
-                      </a:rPr>
-                      <m:t>(</m:t>
-                    </m:r>
-                    <m:r>
-                      <a:rPr lang="en-US" i="1">
-                        <a:latin typeface="Cambria Math" panose="02040503050406030204" pitchFamily="18" charset="0"/>
-                      </a:rPr>
-                      <m:t>𝑘</m:t>
-                    </m:r>
-                    <m:r>
-                      <a:rPr lang="en-US" i="1">
-                        <a:latin typeface="Cambria Math" panose="02040503050406030204" pitchFamily="18" charset="0"/>
-                      </a:rPr>
-                      <m:t>)=</m:t>
-                    </m:r>
-                    <m:r>
-                      <a:rPr lang="en-US" i="1">
-                        <a:latin typeface="Cambria Math" panose="02040503050406030204" pitchFamily="18" charset="0"/>
-                      </a:rPr>
-                      <m:t>𝑙𝑛</m:t>
-                    </m:r>
-                    <m:sSup>
-                      <m:sSupPr>
-                        <m:ctrlPr>
-                          <a:rPr lang="en-US" i="1">
-                            <a:latin typeface="Cambria Math" panose="02040503050406030204" pitchFamily="18" charset="0"/>
-                          </a:rPr>
-                        </m:ctrlPr>
-                      </m:sSupPr>
-                      <m:e>
-                        <m:acc>
-                          <m:accPr>
-                            <m:chr m:val="̂"/>
-                            <m:ctrlPr>
-                              <a:rPr lang="en-US" i="1">
-                                <a:latin typeface="Cambria Math" panose="02040503050406030204" pitchFamily="18" charset="0"/>
-                              </a:rPr>
-                            </m:ctrlPr>
-                          </m:accPr>
-                          <m:e>
-                            <m:r>
-                              <a:rPr lang="en-US" i="1">
-                                <a:latin typeface="Cambria Math" panose="02040503050406030204" pitchFamily="18" charset="0"/>
-                              </a:rPr>
-                              <m:t>𝜎</m:t>
-                            </m:r>
-                          </m:e>
-                        </m:acc>
-                      </m:e>
-                      <m:sup>
-                        <m:r>
-                          <a:rPr lang="en-US" i="1">
-                            <a:latin typeface="Cambria Math" panose="02040503050406030204" pitchFamily="18" charset="0"/>
-                          </a:rPr>
-                          <m:t>2</m:t>
-                        </m:r>
-                      </m:sup>
-                    </m:sSup>
-                    <m:r>
-                      <a:rPr lang="en-US" i="1">
-                        <a:latin typeface="Cambria Math" panose="02040503050406030204" pitchFamily="18" charset="0"/>
-                      </a:rPr>
-                      <m:t>+</m:t>
-                    </m:r>
-                    <m:f>
-                      <m:fPr>
-                        <m:ctrlPr>
-                          <a:rPr lang="en-US" i="1">
-                            <a:latin typeface="Cambria Math" panose="02040503050406030204" pitchFamily="18" charset="0"/>
-                          </a:rPr>
-                        </m:ctrlPr>
-                      </m:fPr>
-                      <m:num>
-                        <m:r>
-                          <a:rPr lang="en-US" i="1">
-                            <a:latin typeface="Cambria Math" panose="02040503050406030204" pitchFamily="18" charset="0"/>
-                          </a:rPr>
-                          <m:t>𝑘</m:t>
-                        </m:r>
-                      </m:num>
-                      <m:den>
-                        <m:r>
-                          <a:rPr lang="en-US" i="1">
-                            <a:latin typeface="Cambria Math" panose="02040503050406030204" pitchFamily="18" charset="0"/>
-                          </a:rPr>
-                          <m:t>𝑁</m:t>
-                        </m:r>
-                      </m:den>
-                    </m:f>
-                    <m:r>
-                      <a:rPr lang="en-US" i="1">
-                        <a:latin typeface="Cambria Math" panose="02040503050406030204" pitchFamily="18" charset="0"/>
-                      </a:rPr>
-                      <m:t>𝑙𝑛𝑁</m:t>
-                    </m:r>
-                  </m:oMath>
-                </a14:m>
-                <a:r>
-                  <a:rPr lang="en-US" dirty="0" smtClean="0"/>
-                  <a:t> </a:t>
-                </a:r>
-                <a:r>
-                  <a:rPr lang="ru-RU" dirty="0" smtClean="0"/>
-                  <a:t>или</a:t>
-                </a:r>
-                <a:br>
-                  <a:rPr lang="ru-RU" dirty="0" smtClean="0"/>
-                </a:br>
-                <a:r>
-                  <a:rPr lang="ru-RU" dirty="0" smtClean="0"/>
-                  <a:t> </a:t>
-                </a:r>
-                <a14:m>
-                  <m:oMath xmlns:m="http://schemas.openxmlformats.org/officeDocument/2006/math">
-                    <m:r>
-                      <a:rPr lang="en-US" i="1">
-                        <a:latin typeface="Cambria Math" panose="02040503050406030204" pitchFamily="18" charset="0"/>
-                      </a:rPr>
-                      <m:t>𝐴𝐼𝐶𝑐</m:t>
-                    </m:r>
-                    <m:r>
-                      <a:rPr lang="en-US" i="1">
-                        <a:latin typeface="Cambria Math" panose="02040503050406030204" pitchFamily="18" charset="0"/>
-                      </a:rPr>
-                      <m:t>=</m:t>
-                    </m:r>
-                    <m:r>
-                      <a:rPr lang="en-US" i="1">
-                        <a:latin typeface="Cambria Math" panose="02040503050406030204" pitchFamily="18" charset="0"/>
-                      </a:rPr>
-                      <m:t>𝐴𝐼𝐶</m:t>
-                    </m:r>
-                    <m:r>
-                      <a:rPr lang="en-US" i="1">
-                        <a:latin typeface="Cambria Math" panose="02040503050406030204" pitchFamily="18" charset="0"/>
-                      </a:rPr>
-                      <m:t>+</m:t>
-                    </m:r>
-                    <m:f>
-                      <m:fPr>
-                        <m:ctrlPr>
-                          <a:rPr lang="en-US" i="1">
-                            <a:latin typeface="Cambria Math" panose="02040503050406030204" pitchFamily="18" charset="0"/>
-                          </a:rPr>
-                        </m:ctrlPr>
-                      </m:fPr>
-                      <m:num>
-                        <m:r>
-                          <a:rPr lang="en-US" i="1">
-                            <a:latin typeface="Cambria Math" panose="02040503050406030204" pitchFamily="18" charset="0"/>
-                          </a:rPr>
-                          <m:t>2</m:t>
-                        </m:r>
-                        <m:r>
-                          <a:rPr lang="en-US" i="1">
-                            <a:latin typeface="Cambria Math" panose="02040503050406030204" pitchFamily="18" charset="0"/>
-                          </a:rPr>
-                          <m:t>𝑘</m:t>
-                        </m:r>
-                        <m:r>
-                          <a:rPr lang="en-US" i="1">
-                            <a:latin typeface="Cambria Math" panose="02040503050406030204" pitchFamily="18" charset="0"/>
-                          </a:rPr>
-                          <m:t>(</m:t>
-                        </m:r>
-                        <m:r>
-                          <a:rPr lang="en-US" i="1">
-                            <a:latin typeface="Cambria Math" panose="02040503050406030204" pitchFamily="18" charset="0"/>
-                          </a:rPr>
-                          <m:t>𝑘</m:t>
-                        </m:r>
-                        <m:r>
-                          <a:rPr lang="en-US" i="1">
-                            <a:latin typeface="Cambria Math" panose="02040503050406030204" pitchFamily="18" charset="0"/>
-                          </a:rPr>
-                          <m:t>+1)</m:t>
-                        </m:r>
-                      </m:num>
-                      <m:den>
-                        <m:r>
-                          <a:rPr lang="en-US" i="1">
-                            <a:latin typeface="Cambria Math" panose="02040503050406030204" pitchFamily="18" charset="0"/>
-                          </a:rPr>
-                          <m:t>𝑁</m:t>
-                        </m:r>
-                        <m:r>
-                          <a:rPr lang="en-US" i="1">
-                            <a:latin typeface="Cambria Math" panose="02040503050406030204" pitchFamily="18" charset="0"/>
-                          </a:rPr>
-                          <m:t>−(</m:t>
-                        </m:r>
-                        <m:r>
-                          <a:rPr lang="en-US" i="1">
-                            <a:latin typeface="Cambria Math" panose="02040503050406030204" pitchFamily="18" charset="0"/>
-                          </a:rPr>
-                          <m:t>𝑘</m:t>
-                        </m:r>
-                        <m:r>
-                          <a:rPr lang="en-US" i="1">
-                            <a:latin typeface="Cambria Math" panose="02040503050406030204" pitchFamily="18" charset="0"/>
-                          </a:rPr>
-                          <m:t>+1)</m:t>
-                        </m:r>
-                      </m:den>
-                    </m:f>
-                  </m:oMath>
-                </a14:m>
-                <a:r>
-                  <a:rPr lang="ru-RU" dirty="0" smtClean="0"/>
-                  <a:t> где </a:t>
-                </a:r>
-                <a14:m>
-                  <m:oMath xmlns:m="http://schemas.openxmlformats.org/officeDocument/2006/math">
-                    <m:sSup>
-                      <m:sSupPr>
-                        <m:ctrlPr>
-                          <a:rPr lang="en-US" i="1">
-                            <a:latin typeface="Cambria Math" panose="02040503050406030204" pitchFamily="18" charset="0"/>
-                          </a:rPr>
-                        </m:ctrlPr>
-                      </m:sSupPr>
-                      <m:e>
-                        <m:acc>
-                          <m:accPr>
-                            <m:chr m:val="̂"/>
-                            <m:ctrlPr>
-                              <a:rPr lang="en-US" i="1">
-                                <a:latin typeface="Cambria Math" panose="02040503050406030204" pitchFamily="18" charset="0"/>
-                              </a:rPr>
-                            </m:ctrlPr>
-                          </m:accPr>
-                          <m:e>
-                            <m:r>
-                              <a:rPr lang="en-US" i="1">
-                                <a:latin typeface="Cambria Math" panose="02040503050406030204" pitchFamily="18" charset="0"/>
-                              </a:rPr>
-                              <m:t>𝜎</m:t>
-                            </m:r>
-                          </m:e>
-                        </m:acc>
-                      </m:e>
-                      <m:sup>
-                        <m:r>
-                          <a:rPr lang="en-US" i="1">
-                            <a:latin typeface="Cambria Math" panose="02040503050406030204" pitchFamily="18" charset="0"/>
-                          </a:rPr>
-                          <m:t>2</m:t>
-                        </m:r>
-                      </m:sup>
-                    </m:sSup>
-                  </m:oMath>
-                </a14:m>
-                <a:r>
-                  <a:rPr lang="ru-RU" dirty="0" smtClean="0"/>
-                  <a:t> = </a:t>
-                </a:r>
-                <a:r>
-                  <a:rPr lang="en-US" dirty="0" smtClean="0"/>
-                  <a:t>RSS/(N-k); k=p+q+1</a:t>
-                </a:r>
-                <a:endParaRPr lang="ru-RU" dirty="0"/>
-              </a:p>
-              <a:p>
-                <a:endParaRPr lang="ru-RU" sz="2300" b="1" dirty="0">
-                  <a:ea typeface="Calibri" panose="020F0502020204030204" pitchFamily="34" charset="0"/>
-                  <a:cs typeface="Times New Roman" panose="02020603050405020304" pitchFamily="18" charset="0"/>
-                </a:endParaRPr>
-              </a:p>
-              <a:p>
-                <a:pPr marL="971550" lvl="1" indent="-514350">
-                  <a:buFont typeface="+mj-lt"/>
-                  <a:buAutoNum type="arabicPeriod"/>
-                </a:pPr>
-                <a:endParaRPr lang="ru-RU" sz="1900" b="1" dirty="0">
-                  <a:ea typeface="Calibri" panose="020F0502020204030204" pitchFamily="34" charset="0"/>
-                  <a:cs typeface="Times New Roman" panose="02020603050405020304" pitchFamily="18" charset="0"/>
-                </a:endParaRPr>
-              </a:p>
-            </p:txBody>
-          </p:sp>
-        </mc:Choice>
-        <mc:Fallback xmlns="">
-          <p:sp>
-            <p:nvSpPr>
-              <p:cNvPr id="3" name="Объект 2">
-                <a:extLst>
-                  <a:ext uri="{FF2B5EF4-FFF2-40B4-BE49-F238E27FC236}">
-                    <a16:creationId xmlns:a16="http://schemas.microsoft.com/office/drawing/2014/main" id="{BE421393-E6D9-4C04-F323-217F01E33B93}"/>
-                  </a:ext>
-                </a:extLst>
-              </p:cNvPr>
-              <p:cNvSpPr>
-                <a:spLocks noGrp="1" noRot="1" noChangeAspect="1" noMove="1" noResize="1" noEditPoints="1" noAdjustHandles="1" noChangeArrowheads="1" noChangeShapeType="1" noTextEdit="1"/>
-              </p:cNvSpPr>
-              <p:nvPr>
-                <p:ph idx="1"/>
-              </p:nvPr>
-            </p:nvSpPr>
-            <p:spPr>
-              <a:xfrm>
-                <a:off x="398928" y="1075308"/>
-                <a:ext cx="11282083" cy="4990514"/>
-              </a:xfrm>
-              <a:blipFill>
-                <a:blip r:embed="rId3"/>
-                <a:stretch>
-                  <a:fillRect l="-702" t="-2198"/>
-                </a:stretch>
-              </a:blipFill>
-            </p:spPr>
-            <p:txBody>
-              <a:bodyPr/>
-              <a:lstStyle/>
-              <a:p>
-                <a:r>
-                  <a:rPr lang="ru-RU">
-                    <a:noFill/>
-                  </a:rPr>
-                  <a:t> </a:t>
-                </a:r>
-              </a:p>
-            </p:txBody>
-          </p:sp>
-        </mc:Fallback>
-      </mc:AlternateContent>
-    </p:spTree>
-    <p:extLst>
-      <p:ext uri="{BB962C8B-B14F-4D97-AF65-F5344CB8AC3E}">
-        <p14:creationId xmlns:p14="http://schemas.microsoft.com/office/powerpoint/2010/main" val="2042245101"/>
-      </p:ext>
-    </p:extLst>
-  </p:cSld>
-  <p:clrMapOvr>
-    <a:masterClrMapping/>
-  </p:clrMapOvr>
-  <mc:AlternateContent xmlns:mc="http://schemas.openxmlformats.org/markup-compatibility/2006" xmlns:p14="http://schemas.microsoft.com/office/powerpoint/2010/main">
-    <mc:Choice Requires="p14">
-      <p:transition spd="slow" p14:dur="2000"/>
-    </mc:Choice>
-    <mc:Fallback xmlns="">
-      <p:transition spd="slow"/>
-    </mc:Fallback>
-  </mc:AlternateContent>
-  <p:timing>
-    <p:tnLst>
-      <p:par>
-        <p:cTn id="1" dur="indefinite" restart="never" nodeType="tmRoot"/>
-      </p:par>
-    </p:tnLst>
-  </p:timing>
-</p:sld>
-</file>
-
 <file path=ppt/slides/slide3.xml><?xml version="1.0" encoding="utf-8"?>
 <p:sld xmlns:a="http://schemas.openxmlformats.org/drawingml/2006/main" xmlns:r="http://schemas.openxmlformats.org/officeDocument/2006/relationships" xmlns:p="http://schemas.openxmlformats.org/presentationml/2006/main">
   <p:cSld>
@@ -18934,8 +14169,8 @@
           </a:p>
         </p:txBody>
       </p:sp>
-      <mc:AlternateContent xmlns:mc="http://schemas.openxmlformats.org/markup-compatibility/2006" xmlns:a14="http://schemas.microsoft.com/office/drawing/2010/main">
-        <mc:Choice Requires="a14">
+      <mc:AlternateContent xmlns:mc="http://schemas.openxmlformats.org/markup-compatibility/2006">
+        <mc:Choice xmlns:a14="http://schemas.microsoft.com/office/drawing/2010/main" Requires="a14">
           <p:sp>
             <p:nvSpPr>
               <p:cNvPr id="3" name="Объект 2">
@@ -18973,7 +14208,7 @@
                   </a:spcBef>
                 </a:pPr>
                 <a:r>
-                  <a:rPr lang="ru-RU" sz="2400" dirty="0"/>
+                  <a:rPr lang="ru-RU" sz="2400" dirty="0" smtClean="0"/>
                   <a:t>Иногда также можно описать </a:t>
                 </a:r>
                 <a:r>
@@ -19294,24 +14529,12 @@
                           </m:ctrlPr>
                         </m:sSubPr>
                         <m:e>
-                          <m:acc>
-                            <m:accPr>
-                              <m:chr m:val="̂"/>
-                              <m:ctrlPr>
-                                <a:rPr lang="en-US" sz="2000" i="1">
-                                  <a:latin typeface="Cambria Math" panose="02040503050406030204" pitchFamily="18" charset="0"/>
-                                </a:rPr>
-                              </m:ctrlPr>
-                            </m:accPr>
-                            <m:e>
-                              <m:r>
-                                <a:rPr lang="en-US" sz="2000" i="1">
-                                  <a:latin typeface="Cambria Math" panose="02040503050406030204" pitchFamily="18" charset="0"/>
-                                </a:rPr>
-                                <m:t>𝑦</m:t>
-                              </m:r>
-                            </m:e>
-                          </m:acc>
+                          <m:r>
+                            <a:rPr lang="en-US" sz="2000" i="1">
+                              <a:latin typeface="Cambria Math" panose="02040503050406030204" pitchFamily="18" charset="0"/>
+                            </a:rPr>
+                            <m:t>𝑦</m:t>
+                          </m:r>
                         </m:e>
                         <m:sub>
                           <m:r>
@@ -19588,14 +14811,50 @@
                 </a:br>
                 <a:r>
                   <a:rPr lang="ru-RU" dirty="0"/>
-                  <a:t>текущее значение ВР зависит от прошлых значений до лага p и от текущего и прошлых внешних «возмущений» (флуктуаций) до лага q.</a:t>
+                  <a:t>текущее значение ВР зависит от </a:t>
+                </a:r>
+                <a:r>
+                  <a:rPr lang="ru-RU" dirty="0" smtClean="0"/>
+                  <a:t>суперпозиции прошлых </a:t>
+                </a:r>
+                <a:r>
+                  <a:rPr lang="ru-RU" dirty="0"/>
+                  <a:t>значений </a:t>
+                </a:r>
+                <a:r>
+                  <a:rPr lang="ru-RU" dirty="0"/>
+                  <a:t>до заданного </a:t>
+                </a:r>
+                <a:r>
+                  <a:rPr lang="ru-RU" dirty="0"/>
+                  <a:t>лага </a:t>
+                </a:r>
+                <a:r>
+                  <a:rPr lang="ru-RU" i="1" dirty="0"/>
+                  <a:t>p</a:t>
+                </a:r>
+                <a:r>
+                  <a:rPr lang="ru-RU" dirty="0"/>
+                  <a:t> и от текущего и прошлых внешних «возмущений» (флуктуаций) до лага </a:t>
+                </a:r>
+                <a:r>
+                  <a:rPr lang="ru-RU" dirty="0" smtClean="0"/>
+                  <a:t>заданного </a:t>
+                </a:r>
+                <a:r>
+                  <a:rPr lang="ru-RU" i="1" dirty="0" smtClean="0"/>
+                  <a:t>q</a:t>
+                </a:r>
+                <a:r>
+                  <a:rPr lang="ru-RU" dirty="0"/>
+                  <a:t>.</a:t>
                 </a:r>
                 <a:endParaRPr lang="en-US" dirty="0"/>
               </a:p>
             </p:txBody>
           </p:sp>
         </mc:Choice>
-        <mc:Fallback xmlns="">
+        <mc:Fallback>
           <p:sp>
             <p:nvSpPr>
               <p:cNvPr id="3" name="Объект 2">
